--- a/docs/week-3/ce100-week-3-matrix.md_word.pptx
+++ b/docs/week-3/ce100-week-3-matrix.md_word.pptx
@@ -11,6 +11,7 @@
     <p:sldId id="259" r:id="rId5"/>
     <p:sldId id="260" r:id="rId6"/>
     <p:sldId id="261" r:id="rId7"/>
+    <p:sldId id="262" r:id="rId8"/>
   </p:sldIdLst>
   <p:sldSz cx="9144000" cy="6858000" type="screen4x3"/>
   <p:notesSz cx="6858000" cy="9144000"/>
@@ -3296,7 +3297,7 @@
             </a:pPr>
             <a:r>
               <a:rPr/>
-              <a:t>Week-3 (RAM / Matrix Multiplication)</a:t>
+              <a:t>Week-3 (Matrix Multiplication/ Quick Sort)</a:t>
             </a:r>
           </a:p>
         </p:txBody>
@@ -3443,7 +3444,12 @@
             <p:ph type="title"/>
           </p:nvPr>
         </p:nvSpPr>
-        <p:spPr/>
+        <p:spPr>
+          <a:xfrm>
+            <a:off x="457200" y="273050"/>
+            <a:ext cx="3008313" cy="1162050"/>
+          </a:xfrm>
+        </p:spPr>
         <p:txBody>
           <a:bodyPr/>
           <a:lstStyle/>
@@ -3460,25 +3466,18 @@
       </p:sp>
       <p:sp>
         <p:nvSpPr>
-          <p:cNvPr id="3" name="Content Placeholder 2"/>
-          <p:cNvSpPr>
-            <a:spLocks noGrp="1"/>
-          </p:cNvSpPr>
-          <p:nvPr>
-            <p:ph idx="1"/>
+          <p:cNvPr id="4" name="Text Placeholder 3"/>
+          <p:cNvSpPr>
+            <a:spLocks noGrp="1"/>
+          </p:cNvSpPr>
+          <p:nvPr>
+            <p:ph idx="2" sz="half" type="body"/>
           </p:nvPr>
         </p:nvSpPr>
         <p:spPr/>
         <p:txBody>
           <a:bodyPr/>
           <a:lstStyle/>
-          <a:p>
-            <a:pPr lvl="0"/>
-            <a:r>
-              <a:rPr/>
-              <a:t>RAM (Random Access Machine Model)</a:t>
-            </a:r>
-          </a:p>
           <a:p>
             <a:pPr lvl="0"/>
             <a:r>
@@ -3487,21 +3486,21 @@
             </a:r>
           </a:p>
           <a:p>
-            <a:pPr lvl="0"/>
+            <a:pPr lvl="1"/>
             <a:r>
               <a:rPr/>
               <a:t>Traditional</a:t>
             </a:r>
           </a:p>
           <a:p>
-            <a:pPr lvl="0"/>
+            <a:pPr lvl="1"/>
             <a:r>
               <a:rPr/>
               <a:t>Recursive</a:t>
             </a:r>
           </a:p>
           <a:p>
-            <a:pPr lvl="0"/>
+            <a:pPr lvl="1"/>
             <a:r>
               <a:rPr/>
               <a:t>Strassen</a:t>
@@ -3509,12 +3508,1330 @@
           </a:p>
         </p:txBody>
       </p:sp>
+      <p:graphicFrame>
+        <p:nvGraphicFramePr>
+          <p:cNvPr id="6" name="Content Placeholder 5"/>
+          <p:cNvGraphicFramePr>
+            <a:graphicFrameLocks noGrp="1"/>
+          </p:cNvGraphicFramePr>
+          <p:nvPr>
+            <p:ph idx="1"/>
+          </p:nvPr>
+        </p:nvGraphicFramePr>
+        <p:xfrm>
+          <a:off x="3568700" y="266700"/>
+          <a:ext cx="5105400" cy="5842000"/>
+        </p:xfrm>
+        <a:graphic>
+          <a:graphicData uri="http://schemas.openxmlformats.org/drawingml/2006/table">
+            <a:tbl>
+              <a:tblPr firstRow="1" bandRow="1">
+                <a:tableStyleId>{5C22544A-7EE6-4342-B048-85BDC9FD1C3A}</a:tableStyleId>
+              </a:tblPr>
+              <a:tblGrid>
+                <a:gridCol w="5105400"/>
+              </a:tblGrid>
+              <a:tr h="0">
+                <a:tc>
+                  <a:txBody>
+                    <a:bodyPr/>
+                    <a:lstStyle/>
+                    <a:p>
+                      <a:pPr lvl="0" indent="0" marL="0">
+                        <a:buNone/>
+                      </a:pPr>
+                      <a:r>
+                        <a:rPr/>
+                        <a:t>## Outline</a:t>
+                      </a:r>
+                    </a:p>
+                  </a:txBody>
+                  <a:tcPr/>
+                </a:tc>
+              </a:tr>
+              <a:tr h="0">
+                <a:tc>
+                  <a:txBody>
+                    <a:bodyPr/>
+                    <a:lstStyle/>
+                    <a:p>
+                      <a:pPr lvl="0" indent="0" marL="0">
+                        <a:buNone/>
+                      </a:pPr>
+                      <a:r>
+                        <a:rPr/>
+                        <a:t>## Outline</a:t>
+                      </a:r>
+                    </a:p>
+                  </a:txBody>
+                </a:tc>
+              </a:tr>
+              <a:tr h="0">
+                <a:tc>
+                  <a:txBody>
+                    <a:bodyPr/>
+                    <a:lstStyle/>
+                    <a:p>
+                      <a:pPr lvl="0" indent="0" marL="0">
+                        <a:buNone/>
+                      </a:pPr>
+                      <a:r>
+                        <a:rPr/>
+                        <a:t>- Quicksort Analysis</a:t>
+                      </a:r>
+                    </a:p>
+                  </a:txBody>
+                </a:tc>
+              </a:tr>
+              <a:tr h="0">
+                <a:tc>
+                  <a:txBody>
+                    <a:bodyPr/>
+                    <a:lstStyle/>
+                    <a:p>
+                      <a:pPr lvl="0" indent="0" marL="0">
+                        <a:buNone/>
+                      </a:pPr>
+                      <a:r>
+                        <a:rPr/>
+                        <a:t>- Randomized Quicksort</a:t>
+                      </a:r>
+                    </a:p>
+                  </a:txBody>
+                </a:tc>
+              </a:tr>
+              <a:tr h="0">
+                <a:tc>
+                  <a:txBody>
+                    <a:bodyPr/>
+                    <a:lstStyle/>
+                    <a:p>
+                      <a:pPr lvl="0" indent="0" marL="0">
+                        <a:buNone/>
+                      </a:pPr>
+                      <a:r>
+                        <a:rPr/>
+                        <a:t>- Randomized Selection</a:t>
+                      </a:r>
+                    </a:p>
+                  </a:txBody>
+                </a:tc>
+              </a:tr>
+              <a:tr h="0">
+                <a:tc>
+                  <a:txBody>
+                    <a:bodyPr/>
+                    <a:lstStyle/>
+                    <a:p>
+                      <a:pPr lvl="0" indent="0" marL="0">
+                        <a:buNone/>
+                      </a:pPr>
+                      <a:r>
+                        <a:rPr/>
+                        <a:t>- Recursive</a:t>
+                      </a:r>
+                    </a:p>
+                  </a:txBody>
+                </a:tc>
+              </a:tr>
+              <a:tr h="0">
+                <a:tc>
+                  <a:txBody>
+                    <a:bodyPr/>
+                    <a:lstStyle/>
+                    <a:p>
+                      <a:pPr lvl="0" indent="0" marL="0">
+                        <a:buNone/>
+                      </a:pPr>
+                      <a:r>
+                        <a:rPr/>
+                        <a:t>- Medians</a:t>
+                      </a:r>
+                    </a:p>
+                  </a:txBody>
+                </a:tc>
+              </a:tr>
+            </a:tbl>
+          </a:graphicData>
+        </a:graphic>
+      </p:graphicFrame>
     </p:spTree>
   </p:cSld>
 </p:sld>
 </file>
 
 <file path=ppt/slides/slide6.xml><?xml version="1.0" encoding="utf-8"?>
+<p:sld xmlns:a="http://schemas.openxmlformats.org/drawingml/2006/main" xmlns:r="http://schemas.openxmlformats.org/officeDocument/2006/relationships" xmlns:p="http://schemas.openxmlformats.org/presentationml/2006/main">
+  <p:cSld>
+    <p:spTree>
+      <p:nvGrpSpPr>
+        <p:cNvPr id="1" name=""/>
+        <p:cNvGrpSpPr/>
+        <p:nvPr/>
+      </p:nvGrpSpPr>
+      <p:grpSpPr>
+        <a:xfrm>
+          <a:off x="0" y="0"/>
+          <a:ext cx="0" cy="0"/>
+          <a:chOff x="0" y="0"/>
+          <a:chExt cx="0" cy="0"/>
+        </a:xfrm>
+      </p:grpSpPr>
+      <p:sp>
+        <p:nvSpPr>
+          <p:cNvPr id="2" name="Title 1"/>
+          <p:cNvSpPr>
+            <a:spLocks noGrp="1"/>
+          </p:cNvSpPr>
+          <p:nvPr>
+            <p:ph type="title"/>
+          </p:nvPr>
+        </p:nvSpPr>
+        <p:spPr/>
+        <p:txBody>
+          <a:bodyPr/>
+          <a:lstStyle/>
+          <a:p>
+            <a:pPr lvl="0" indent="0" marL="0">
+              <a:buNone/>
+            </a:pPr>
+            <a:r>
+              <a:rPr/>
+              <a:t>Matrix Multiplication</a:t>
+            </a:r>
+          </a:p>
+        </p:txBody>
+      </p:sp>
+      <mc:AlternateContent xmlns:mc="http://schemas.openxmlformats.org/markup-compatibility/2006">
+        <mc:Choice xmlns:a14="http://schemas.microsoft.com/office/drawing/2010/main" Requires="a14">
+          <p:sp>
+            <p:nvSpPr>
+              <p:cNvPr id="3" name="Content Placeholder 2"/>
+              <p:cNvSpPr>
+                <a:spLocks noGrp="1"/>
+              </p:cNvSpPr>
+              <p:nvPr>
+                <p:ph idx="1"/>
+              </p:nvPr>
+            </p:nvSpPr>
+            <p:spPr/>
+            <p:txBody>
+              <a:bodyPr/>
+              <a:lstStyle/>
+              <a:p>
+                <a:pPr lvl="0"/>
+                <a:r>
+                  <a:rPr b="1"/>
+                  <a:t>Input:</a:t>
+                </a:r>
+                <a:r>
+                  <a:rPr/>
+                  <a:t> </a:t>
+                </a:r>
+                <a14:m>
+                  <m:oMath xmlns:m="http://schemas.openxmlformats.org/officeDocument/2006/math">
+                    <m:r>
+                      <m:t>A</m:t>
+                    </m:r>
+                    <m:r>
+                      <m:rPr>
+                        <m:sty m:val="p"/>
+                      </m:rPr>
+                      <m:t>=</m:t>
+                    </m:r>
+                    <m:d>
+                      <m:dPr>
+                        <m:begChr m:val="["/>
+                        <m:endChr m:val="]"/>
+                        <m:sepChr m:val=""/>
+                        <m:grow/>
+                      </m:dPr>
+                      <m:e>
+                        <m:sSub>
+                          <m:e>
+                            <m:r>
+                              <m:t>a</m:t>
+                            </m:r>
+                          </m:e>
+                          <m:sub>
+                            <m:r>
+                              <m:t>i</m:t>
+                            </m:r>
+                            <m:r>
+                              <m:t>j</m:t>
+                            </m:r>
+                          </m:sub>
+                        </m:sSub>
+                      </m:e>
+                    </m:d>
+                    <m:r>
+                      <m:rPr>
+                        <m:sty m:val="p"/>
+                      </m:rPr>
+                      <m:t>,</m:t>
+                    </m:r>
+                    <m:r>
+                      <m:t>B</m:t>
+                    </m:r>
+                    <m:r>
+                      <m:rPr>
+                        <m:sty m:val="p"/>
+                      </m:rPr>
+                      <m:t>=</m:t>
+                    </m:r>
+                    <m:d>
+                      <m:dPr>
+                        <m:begChr m:val="["/>
+                        <m:endChr m:val="]"/>
+                        <m:sepChr m:val=""/>
+                        <m:grow/>
+                      </m:dPr>
+                      <m:e>
+                        <m:sSub>
+                          <m:e>
+                            <m:r>
+                              <m:t>b</m:t>
+                            </m:r>
+                          </m:e>
+                          <m:sub>
+                            <m:r>
+                              <m:t>i</m:t>
+                            </m:r>
+                            <m:r>
+                              <m:t>j</m:t>
+                            </m:r>
+                          </m:sub>
+                        </m:sSub>
+                      </m:e>
+                    </m:d>
+                  </m:oMath>
+                </a14:m>
+              </a:p>
+              <a:p>
+                <a:pPr lvl="0"/>
+                <a:r>
+                  <a:rPr b="1"/>
+                  <a:t>Output:</a:t>
+                </a:r>
+                <a:r>
+                  <a:rPr/>
+                  <a:t> </a:t>
+                </a:r>
+                <a14:m>
+                  <m:oMath xmlns:m="http://schemas.openxmlformats.org/officeDocument/2006/math">
+                    <m:r>
+                      <m:t>C</m:t>
+                    </m:r>
+                    <m:r>
+                      <m:rPr>
+                        <m:sty m:val="p"/>
+                      </m:rPr>
+                      <m:t>=</m:t>
+                    </m:r>
+                    <m:d>
+                      <m:dPr>
+                        <m:begChr m:val="["/>
+                        <m:endChr m:val="]"/>
+                        <m:sepChr m:val=""/>
+                        <m:grow/>
+                      </m:dPr>
+                      <m:e>
+                        <m:sSub>
+                          <m:e>
+                            <m:r>
+                              <m:t>c</m:t>
+                            </m:r>
+                          </m:e>
+                          <m:sub>
+                            <m:r>
+                              <m:t>i</m:t>
+                            </m:r>
+                            <m:r>
+                              <m:t>j</m:t>
+                            </m:r>
+                          </m:sub>
+                        </m:sSub>
+                      </m:e>
+                    </m:d>
+                    <m:r>
+                      <m:rPr>
+                        <m:sty m:val="p"/>
+                      </m:rPr>
+                      <m:t>=</m:t>
+                    </m:r>
+                    <m:r>
+                      <m:t>A</m:t>
+                    </m:r>
+                    <m:r>
+                      <m:rPr>
+                        <m:sty m:val="p"/>
+                      </m:rPr>
+                      <m:t>⋅</m:t>
+                    </m:r>
+                    <m:r>
+                      <m:t>B</m:t>
+                    </m:r>
+                  </m:oMath>
+                </a14:m>
+                <a:r>
+                  <a:rPr/>
+                  <a:t> </a:t>
+                </a:r>
+                <a14:m>
+                  <m:oMath xmlns:m="http://schemas.openxmlformats.org/officeDocument/2006/math">
+                    <m:r>
+                      <m:rPr>
+                        <m:sty m:val="p"/>
+                      </m:rPr>
+                      <m:t>⇒</m:t>
+                    </m:r>
+                    <m:r>
+                      <m:t>i</m:t>
+                    </m:r>
+                    <m:r>
+                      <m:rPr>
+                        <m:sty m:val="p"/>
+                      </m:rPr>
+                      <m:t>,</m:t>
+                    </m:r>
+                    <m:r>
+                      <m:t>j</m:t>
+                    </m:r>
+                    <m:r>
+                      <m:rPr>
+                        <m:sty m:val="p"/>
+                      </m:rPr>
+                      <m:t>=</m:t>
+                    </m:r>
+                    <m:r>
+                      <m:t>1</m:t>
+                    </m:r>
+                    <m:r>
+                      <m:rPr>
+                        <m:sty m:val="p"/>
+                      </m:rPr>
+                      <m:t>,</m:t>
+                    </m:r>
+                    <m:r>
+                      <m:t>2</m:t>
+                    </m:r>
+                    <m:r>
+                      <m:rPr>
+                        <m:sty m:val="p"/>
+                      </m:rPr>
+                      <m:t>,</m:t>
+                    </m:r>
+                    <m:r>
+                      <m:t>3</m:t>
+                    </m:r>
+                    <m:r>
+                      <m:rPr>
+                        <m:sty m:val="p"/>
+                      </m:rPr>
+                      <m:t>,</m:t>
+                    </m:r>
+                    <m:r>
+                      <m:rPr>
+                        <m:sty m:val="p"/>
+                      </m:rPr>
+                      <m:t>…</m:t>
+                    </m:r>
+                    <m:r>
+                      <m:rPr>
+                        <m:sty m:val="p"/>
+                      </m:rPr>
+                      <m:t>,</m:t>
+                    </m:r>
+                    <m:r>
+                      <m:t>n</m:t>
+                    </m:r>
+                  </m:oMath>
+                </a14:m>
+              </a:p>
+              <a:p>
+                <a:pPr lvl="0" indent="0" marL="0">
+                  <a:buNone/>
+                </a:pPr>
+                <a14:m>
+                  <m:oMathPara xmlns:m="http://schemas.openxmlformats.org/officeDocument/2006/math">
+                    <m:oMathParaPr>
+                      <m:jc m:val="center"/>
+                    </m:oMathParaPr>
+                    <m:oMath>
+                      <m:d>
+                        <m:dPr>
+                          <m:begChr m:val="["/>
+                          <m:endChr m:val="]"/>
+                          <m:sepChr m:val=""/>
+                          <m:grow/>
+                        </m:dPr>
+                        <m:e>
+                          <m:m>
+                            <m:mPr>
+                              <m:baseJc m:val="center"/>
+                              <m:plcHide m:val="1"/>
+                              <m:mcs>
+                                <m:mc>
+                                  <m:mcPr>
+                                    <m:mcJc m:val="center"/>
+                                    <m:count m:val="1"/>
+                                  </m:mcPr>
+                                </m:mc>
+                                <m:mc>
+                                  <m:mcPr>
+                                    <m:mcJc m:val="center"/>
+                                    <m:count m:val="1"/>
+                                  </m:mcPr>
+                                </m:mc>
+                                <m:mc>
+                                  <m:mcPr>
+                                    <m:mcJc m:val="center"/>
+                                    <m:count m:val="1"/>
+                                  </m:mcPr>
+                                </m:mc>
+                                <m:mc>
+                                  <m:mcPr>
+                                    <m:mcJc m:val="center"/>
+                                    <m:count m:val="1"/>
+                                  </m:mcPr>
+                                </m:mc>
+                              </m:mcs>
+                            </m:mPr>
+                            <m:mr>
+                              <m:e>
+                                <m:sSub>
+                                  <m:e>
+                                    <m:r>
+                                      <m:t>c</m:t>
+                                    </m:r>
+                                  </m:e>
+                                  <m:sub>
+                                    <m:r>
+                                      <m:t>11</m:t>
+                                    </m:r>
+                                  </m:sub>
+                                </m:sSub>
+                              </m:e>
+                              <m:e>
+                                <m:sSub>
+                                  <m:e>
+                                    <m:r>
+                                      <m:t>c</m:t>
+                                    </m:r>
+                                  </m:e>
+                                  <m:sub>
+                                    <m:r>
+                                      <m:t>12</m:t>
+                                    </m:r>
+                                  </m:sub>
+                                </m:sSub>
+                              </m:e>
+                              <m:e>
+                                <m:r>
+                                  <m:rPr>
+                                    <m:sty m:val="p"/>
+                                  </m:rPr>
+                                  <m:t>…</m:t>
+                                </m:r>
+                              </m:e>
+                              <m:e>
+                                <m:sSub>
+                                  <m:e>
+                                    <m:r>
+                                      <m:t>c</m:t>
+                                    </m:r>
+                                  </m:e>
+                                  <m:sub>
+                                    <m:r>
+                                      <m:t>1</m:t>
+                                    </m:r>
+                                    <m:r>
+                                      <m:t>n</m:t>
+                                    </m:r>
+                                  </m:sub>
+                                </m:sSub>
+                              </m:e>
+                            </m:mr>
+                            <m:mr>
+                              <m:e>
+                                <m:sSub>
+                                  <m:e>
+                                    <m:r>
+                                      <m:t>c</m:t>
+                                    </m:r>
+                                  </m:e>
+                                  <m:sub>
+                                    <m:r>
+                                      <m:t>21</m:t>
+                                    </m:r>
+                                  </m:sub>
+                                </m:sSub>
+                              </m:e>
+                              <m:e>
+                                <m:sSub>
+                                  <m:e>
+                                    <m:r>
+                                      <m:t>c</m:t>
+                                    </m:r>
+                                  </m:e>
+                                  <m:sub>
+                                    <m:r>
+                                      <m:t>22</m:t>
+                                    </m:r>
+                                  </m:sub>
+                                </m:sSub>
+                              </m:e>
+                              <m:e>
+                                <m:r>
+                                  <m:rPr>
+                                    <m:sty m:val="p"/>
+                                  </m:rPr>
+                                  <m:t>…</m:t>
+                                </m:r>
+                              </m:e>
+                              <m:e>
+                                <m:sSub>
+                                  <m:e>
+                                    <m:r>
+                                      <m:t>c</m:t>
+                                    </m:r>
+                                  </m:e>
+                                  <m:sub>
+                                    <m:r>
+                                      <m:t>2</m:t>
+                                    </m:r>
+                                    <m:r>
+                                      <m:t>n</m:t>
+                                    </m:r>
+                                  </m:sub>
+                                </m:sSub>
+                              </m:e>
+                            </m:mr>
+                            <m:mr>
+                              <m:e>
+                                <m:r>
+                                  <m:rPr>
+                                    <m:sty m:val="p"/>
+                                  </m:rPr>
+                                  <m:t>⋮</m:t>
+                                </m:r>
+                              </m:e>
+                              <m:e>
+                                <m:r>
+                                  <m:rPr>
+                                    <m:sty m:val="p"/>
+                                  </m:rPr>
+                                  <m:t>⋮</m:t>
+                                </m:r>
+                              </m:e>
+                              <m:e>
+                                <m:r>
+                                  <m:rPr>
+                                    <m:sty m:val="p"/>
+                                  </m:rPr>
+                                  <m:t>⋮</m:t>
+                                </m:r>
+                              </m:e>
+                              <m:e>
+                                <m:r>
+                                  <m:rPr>
+                                    <m:sty m:val="p"/>
+                                  </m:rPr>
+                                  <m:t>⋱</m:t>
+                                </m:r>
+                              </m:e>
+                            </m:mr>
+                            <m:mr>
+                              <m:e>
+                                <m:sSub>
+                                  <m:e>
+                                    <m:r>
+                                      <m:t>c</m:t>
+                                    </m:r>
+                                  </m:e>
+                                  <m:sub>
+                                    <m:r>
+                                      <m:t>n</m:t>
+                                    </m:r>
+                                    <m:r>
+                                      <m:t>1</m:t>
+                                    </m:r>
+                                  </m:sub>
+                                </m:sSub>
+                              </m:e>
+                              <m:e>
+                                <m:sSub>
+                                  <m:e>
+                                    <m:r>
+                                      <m:t>c</m:t>
+                                    </m:r>
+                                  </m:e>
+                                  <m:sub>
+                                    <m:r>
+                                      <m:t>n</m:t>
+                                    </m:r>
+                                    <m:r>
+                                      <m:t>2</m:t>
+                                    </m:r>
+                                  </m:sub>
+                                </m:sSub>
+                              </m:e>
+                              <m:e>
+                                <m:r>
+                                  <m:rPr>
+                                    <m:sty m:val="p"/>
+                                  </m:rPr>
+                                  <m:t>…</m:t>
+                                </m:r>
+                              </m:e>
+                              <m:e>
+                                <m:sSub>
+                                  <m:e>
+                                    <m:r>
+                                      <m:t>c</m:t>
+                                    </m:r>
+                                  </m:e>
+                                  <m:sub>
+                                    <m:r>
+                                      <m:t>n</m:t>
+                                    </m:r>
+                                    <m:r>
+                                      <m:t>n</m:t>
+                                    </m:r>
+                                  </m:sub>
+                                </m:sSub>
+                              </m:e>
+                            </m:mr>
+                          </m:m>
+                        </m:e>
+                      </m:d>
+                      <m:r>
+                        <m:rPr>
+                          <m:sty m:val="p"/>
+                        </m:rPr>
+                        <m:t>=</m:t>
+                      </m:r>
+                      <m:d>
+                        <m:dPr>
+                          <m:begChr m:val="["/>
+                          <m:endChr m:val="]"/>
+                          <m:sepChr m:val=""/>
+                          <m:grow/>
+                        </m:dPr>
+                        <m:e>
+                          <m:m>
+                            <m:mPr>
+                              <m:baseJc m:val="center"/>
+                              <m:plcHide m:val="1"/>
+                              <m:mcs>
+                                <m:mc>
+                                  <m:mcPr>
+                                    <m:mcJc m:val="center"/>
+                                    <m:count m:val="1"/>
+                                  </m:mcPr>
+                                </m:mc>
+                                <m:mc>
+                                  <m:mcPr>
+                                    <m:mcJc m:val="center"/>
+                                    <m:count m:val="1"/>
+                                  </m:mcPr>
+                                </m:mc>
+                                <m:mc>
+                                  <m:mcPr>
+                                    <m:mcJc m:val="center"/>
+                                    <m:count m:val="1"/>
+                                  </m:mcPr>
+                                </m:mc>
+                                <m:mc>
+                                  <m:mcPr>
+                                    <m:mcJc m:val="center"/>
+                                    <m:count m:val="1"/>
+                                  </m:mcPr>
+                                </m:mc>
+                              </m:mcs>
+                            </m:mPr>
+                            <m:mr>
+                              <m:e>
+                                <m:sSub>
+                                  <m:e>
+                                    <m:r>
+                                      <m:t>a</m:t>
+                                    </m:r>
+                                  </m:e>
+                                  <m:sub>
+                                    <m:r>
+                                      <m:t>11</m:t>
+                                    </m:r>
+                                  </m:sub>
+                                </m:sSub>
+                              </m:e>
+                              <m:e>
+                                <m:sSub>
+                                  <m:e>
+                                    <m:r>
+                                      <m:t>a</m:t>
+                                    </m:r>
+                                  </m:e>
+                                  <m:sub>
+                                    <m:r>
+                                      <m:t>12</m:t>
+                                    </m:r>
+                                  </m:sub>
+                                </m:sSub>
+                              </m:e>
+                              <m:e>
+                                <m:r>
+                                  <m:rPr>
+                                    <m:sty m:val="p"/>
+                                  </m:rPr>
+                                  <m:t>…</m:t>
+                                </m:r>
+                              </m:e>
+                              <m:e>
+                                <m:sSub>
+                                  <m:e>
+                                    <m:r>
+                                      <m:t>a</m:t>
+                                    </m:r>
+                                  </m:e>
+                                  <m:sub>
+                                    <m:r>
+                                      <m:t>1</m:t>
+                                    </m:r>
+                                    <m:r>
+                                      <m:t>n</m:t>
+                                    </m:r>
+                                  </m:sub>
+                                </m:sSub>
+                              </m:e>
+                            </m:mr>
+                            <m:mr>
+                              <m:e>
+                                <m:sSub>
+                                  <m:e>
+                                    <m:r>
+                                      <m:t>a</m:t>
+                                    </m:r>
+                                  </m:e>
+                                  <m:sub>
+                                    <m:r>
+                                      <m:t>21</m:t>
+                                    </m:r>
+                                  </m:sub>
+                                </m:sSub>
+                              </m:e>
+                              <m:e>
+                                <m:sSub>
+                                  <m:e>
+                                    <m:r>
+                                      <m:t>a</m:t>
+                                    </m:r>
+                                  </m:e>
+                                  <m:sub>
+                                    <m:r>
+                                      <m:t>22</m:t>
+                                    </m:r>
+                                  </m:sub>
+                                </m:sSub>
+                              </m:e>
+                              <m:e>
+                                <m:r>
+                                  <m:rPr>
+                                    <m:sty m:val="p"/>
+                                  </m:rPr>
+                                  <m:t>…</m:t>
+                                </m:r>
+                              </m:e>
+                              <m:e>
+                                <m:sSub>
+                                  <m:e>
+                                    <m:r>
+                                      <m:t>a</m:t>
+                                    </m:r>
+                                  </m:e>
+                                  <m:sub>
+                                    <m:r>
+                                      <m:t>2</m:t>
+                                    </m:r>
+                                    <m:r>
+                                      <m:t>n</m:t>
+                                    </m:r>
+                                  </m:sub>
+                                </m:sSub>
+                              </m:e>
+                            </m:mr>
+                            <m:mr>
+                              <m:e>
+                                <m:r>
+                                  <m:rPr>
+                                    <m:sty m:val="p"/>
+                                  </m:rPr>
+                                  <m:t>⋮</m:t>
+                                </m:r>
+                              </m:e>
+                              <m:e>
+                                <m:r>
+                                  <m:rPr>
+                                    <m:sty m:val="p"/>
+                                  </m:rPr>
+                                  <m:t>⋮</m:t>
+                                </m:r>
+                              </m:e>
+                              <m:e>
+                                <m:r>
+                                  <m:rPr>
+                                    <m:sty m:val="p"/>
+                                  </m:rPr>
+                                  <m:t>⋮</m:t>
+                                </m:r>
+                              </m:e>
+                              <m:e>
+                                <m:r>
+                                  <m:rPr>
+                                    <m:sty m:val="p"/>
+                                  </m:rPr>
+                                  <m:t>⋱</m:t>
+                                </m:r>
+                              </m:e>
+                            </m:mr>
+                            <m:mr>
+                              <m:e>
+                                <m:sSub>
+                                  <m:e>
+                                    <m:r>
+                                      <m:t>a</m:t>
+                                    </m:r>
+                                  </m:e>
+                                  <m:sub>
+                                    <m:r>
+                                      <m:t>n</m:t>
+                                    </m:r>
+                                    <m:r>
+                                      <m:t>1</m:t>
+                                    </m:r>
+                                  </m:sub>
+                                </m:sSub>
+                              </m:e>
+                              <m:e>
+                                <m:sSub>
+                                  <m:e>
+                                    <m:r>
+                                      <m:t>a</m:t>
+                                    </m:r>
+                                  </m:e>
+                                  <m:sub>
+                                    <m:r>
+                                      <m:t>n</m:t>
+                                    </m:r>
+                                    <m:r>
+                                      <m:t>2</m:t>
+                                    </m:r>
+                                  </m:sub>
+                                </m:sSub>
+                              </m:e>
+                              <m:e>
+                                <m:r>
+                                  <m:rPr>
+                                    <m:sty m:val="p"/>
+                                  </m:rPr>
+                                  <m:t>…</m:t>
+                                </m:r>
+                              </m:e>
+                              <m:e>
+                                <m:sSub>
+                                  <m:e>
+                                    <m:r>
+                                      <m:t>a</m:t>
+                                    </m:r>
+                                  </m:e>
+                                  <m:sub>
+                                    <m:r>
+                                      <m:t>n</m:t>
+                                    </m:r>
+                                    <m:r>
+                                      <m:t>n</m:t>
+                                    </m:r>
+                                  </m:sub>
+                                </m:sSub>
+                              </m:e>
+                            </m:mr>
+                          </m:m>
+                        </m:e>
+                      </m:d>
+                      <m:r>
+                        <m:rPr>
+                          <m:sty m:val="p"/>
+                        </m:rPr>
+                        <m:t>⋅</m:t>
+                      </m:r>
+                      <m:d>
+                        <m:dPr>
+                          <m:begChr m:val="["/>
+                          <m:endChr m:val="]"/>
+                          <m:sepChr m:val=""/>
+                          <m:grow/>
+                        </m:dPr>
+                        <m:e>
+                          <m:m>
+                            <m:mPr>
+                              <m:baseJc m:val="center"/>
+                              <m:plcHide m:val="1"/>
+                              <m:mcs>
+                                <m:mc>
+                                  <m:mcPr>
+                                    <m:mcJc m:val="center"/>
+                                    <m:count m:val="1"/>
+                                  </m:mcPr>
+                                </m:mc>
+                                <m:mc>
+                                  <m:mcPr>
+                                    <m:mcJc m:val="center"/>
+                                    <m:count m:val="1"/>
+                                  </m:mcPr>
+                                </m:mc>
+                                <m:mc>
+                                  <m:mcPr>
+                                    <m:mcJc m:val="center"/>
+                                    <m:count m:val="1"/>
+                                  </m:mcPr>
+                                </m:mc>
+                                <m:mc>
+                                  <m:mcPr>
+                                    <m:mcJc m:val="center"/>
+                                    <m:count m:val="1"/>
+                                  </m:mcPr>
+                                </m:mc>
+                              </m:mcs>
+                            </m:mPr>
+                            <m:mr>
+                              <m:e>
+                                <m:sSub>
+                                  <m:e>
+                                    <m:r>
+                                      <m:t>b</m:t>
+                                    </m:r>
+                                  </m:e>
+                                  <m:sub>
+                                    <m:r>
+                                      <m:t>11</m:t>
+                                    </m:r>
+                                  </m:sub>
+                                </m:sSub>
+                              </m:e>
+                              <m:e>
+                                <m:sSub>
+                                  <m:e>
+                                    <m:r>
+                                      <m:t>b</m:t>
+                                    </m:r>
+                                  </m:e>
+                                  <m:sub>
+                                    <m:r>
+                                      <m:t>12</m:t>
+                                    </m:r>
+                                  </m:sub>
+                                </m:sSub>
+                              </m:e>
+                              <m:e>
+                                <m:r>
+                                  <m:rPr>
+                                    <m:sty m:val="p"/>
+                                  </m:rPr>
+                                  <m:t>…</m:t>
+                                </m:r>
+                              </m:e>
+                              <m:e>
+                                <m:sSub>
+                                  <m:e>
+                                    <m:r>
+                                      <m:t>b</m:t>
+                                    </m:r>
+                                  </m:e>
+                                  <m:sub>
+                                    <m:r>
+                                      <m:t>1</m:t>
+                                    </m:r>
+                                    <m:r>
+                                      <m:t>n</m:t>
+                                    </m:r>
+                                  </m:sub>
+                                </m:sSub>
+                              </m:e>
+                            </m:mr>
+                            <m:mr>
+                              <m:e>
+                                <m:sSub>
+                                  <m:e>
+                                    <m:r>
+                                      <m:t>b</m:t>
+                                    </m:r>
+                                  </m:e>
+                                  <m:sub>
+                                    <m:r>
+                                      <m:t>21</m:t>
+                                    </m:r>
+                                  </m:sub>
+                                </m:sSub>
+                              </m:e>
+                              <m:e>
+                                <m:sSub>
+                                  <m:e>
+                                    <m:r>
+                                      <m:t>b</m:t>
+                                    </m:r>
+                                  </m:e>
+                                  <m:sub>
+                                    <m:r>
+                                      <m:t>22</m:t>
+                                    </m:r>
+                                  </m:sub>
+                                </m:sSub>
+                              </m:e>
+                              <m:e>
+                                <m:r>
+                                  <m:rPr>
+                                    <m:sty m:val="p"/>
+                                  </m:rPr>
+                                  <m:t>…</m:t>
+                                </m:r>
+                              </m:e>
+                              <m:e>
+                                <m:sSub>
+                                  <m:e>
+                                    <m:r>
+                                      <m:t>b</m:t>
+                                    </m:r>
+                                  </m:e>
+                                  <m:sub>
+                                    <m:r>
+                                      <m:t>2</m:t>
+                                    </m:r>
+                                    <m:r>
+                                      <m:t>n</m:t>
+                                    </m:r>
+                                  </m:sub>
+                                </m:sSub>
+                              </m:e>
+                            </m:mr>
+                            <m:mr>
+                              <m:e>
+                                <m:r>
+                                  <m:rPr>
+                                    <m:sty m:val="p"/>
+                                  </m:rPr>
+                                  <m:t>⋮</m:t>
+                                </m:r>
+                              </m:e>
+                              <m:e>
+                                <m:r>
+                                  <m:rPr>
+                                    <m:sty m:val="p"/>
+                                  </m:rPr>
+                                  <m:t>⋮</m:t>
+                                </m:r>
+                              </m:e>
+                              <m:e>
+                                <m:r>
+                                  <m:rPr>
+                                    <m:sty m:val="p"/>
+                                  </m:rPr>
+                                  <m:t>⋮</m:t>
+                                </m:r>
+                              </m:e>
+                              <m:e>
+                                <m:r>
+                                  <m:rPr>
+                                    <m:sty m:val="p"/>
+                                  </m:rPr>
+                                  <m:t>⋱</m:t>
+                                </m:r>
+                              </m:e>
+                            </m:mr>
+                            <m:mr>
+                              <m:e>
+                                <m:sSub>
+                                  <m:e>
+                                    <m:r>
+                                      <m:t>b</m:t>
+                                    </m:r>
+                                  </m:e>
+                                  <m:sub>
+                                    <m:r>
+                                      <m:t>n</m:t>
+                                    </m:r>
+                                    <m:r>
+                                      <m:t>1</m:t>
+                                    </m:r>
+                                  </m:sub>
+                                </m:sSub>
+                              </m:e>
+                              <m:e>
+                                <m:sSub>
+                                  <m:e>
+                                    <m:r>
+                                      <m:t>a</m:t>
+                                    </m:r>
+                                  </m:e>
+                                  <m:sub>
+                                    <m:r>
+                                      <m:t>n</m:t>
+                                    </m:r>
+                                    <m:r>
+                                      <m:t>2</m:t>
+                                    </m:r>
+                                  </m:sub>
+                                </m:sSub>
+                              </m:e>
+                              <m:e>
+                                <m:r>
+                                  <m:rPr>
+                                    <m:sty m:val="p"/>
+                                  </m:rPr>
+                                  <m:t>…</m:t>
+                                </m:r>
+                              </m:e>
+                              <m:e>
+                                <m:sSub>
+                                  <m:e>
+                                    <m:r>
+                                      <m:t>b</m:t>
+                                    </m:r>
+                                  </m:e>
+                                  <m:sub>
+                                    <m:r>
+                                      <m:t>n</m:t>
+                                    </m:r>
+                                    <m:r>
+                                      <m:t>n</m:t>
+                                    </m:r>
+                                  </m:sub>
+                                </m:sSub>
+                              </m:e>
+                            </m:mr>
+                          </m:m>
+                        </m:e>
+                      </m:d>
+                    </m:oMath>
+                  </m:oMathPara>
+                </a14:m>
+              </a:p>
+              <a:p>
+                <a:pPr lvl="0" indent="0" marL="0">
+                  <a:spcBef>
+                    <a:spcPts val="3000"/>
+                  </a:spcBef>
+                  <a:buNone/>
+                </a:pPr>
+                <a14:m>
+                  <m:oMath xmlns:m="http://schemas.openxmlformats.org/officeDocument/2006/math">
+                    <m:sSub>
+                      <m:e>
+                        <m:r>
+                          <m:t>c</m:t>
+                        </m:r>
+                      </m:e>
+                      <m:sub>
+                        <m:r>
+                          <m:t>i</m:t>
+                        </m:r>
+                        <m:r>
+                          <m:t>j</m:t>
+                        </m:r>
+                      </m:sub>
+                    </m:sSub>
+                    <m:r>
+                      <m:rPr>
+                        <m:sty m:val="p"/>
+                      </m:rPr>
+                      <m:t>=</m:t>
+                    </m:r>
+                    <m:nary>
+                      <m:naryPr>
+                        <m:chr m:val="∑"/>
+                        <m:limLoc m:val="undOvr"/>
+                        <m:subHide m:val="0"/>
+                        <m:supHide m:val="1"/>
+                      </m:naryPr>
+                      <m:sub>
+                        <m:r>
+                          <m:t>1</m:t>
+                        </m:r>
+                        <m:r>
+                          <m:rPr>
+                            <m:sty m:val="p"/>
+                          </m:rPr>
+                          <m:t>≤</m:t>
+                        </m:r>
+                        <m:r>
+                          <m:t>k</m:t>
+                        </m:r>
+                        <m:r>
+                          <m:rPr>
+                            <m:sty m:val="p"/>
+                          </m:rPr>
+                          <m:t>≤</m:t>
+                        </m:r>
+                        <m:r>
+                          <m:t>n</m:t>
+                        </m:r>
+                      </m:sub>
+                      <m:sup>
+                        <m:r>
+                          <m:t>​</m:t>
+                        </m:r>
+                      </m:sup>
+                      <m:e>
+                        <m:sSub>
+                          <m:e>
+                            <m:r>
+                              <m:t>a</m:t>
+                            </m:r>
+                          </m:e>
+                          <m:sub>
+                            <m:r>
+                              <m:t>i</m:t>
+                            </m:r>
+                            <m:r>
+                              <m:t>k</m:t>
+                            </m:r>
+                          </m:sub>
+                        </m:sSub>
+                      </m:e>
+                    </m:nary>
+                    <m:r>
+                      <m:rPr>
+                        <m:sty m:val="p"/>
+                      </m:rPr>
+                      <m:t>.</m:t>
+                    </m:r>
+                    <m:sSub>
+                      <m:e>
+                        <m:r>
+                          <m:t>b</m:t>
+                        </m:r>
+                      </m:e>
+                      <m:sub>
+                        <m:r>
+                          <m:t>k</m:t>
+                        </m:r>
+                        <m:r>
+                          <m:t>j</m:t>
+                        </m:r>
+                      </m:sub>
+                    </m:sSub>
+                  </m:oMath>
+                </a14:m>
+              </a:p>
+            </p:txBody>
+          </p:sp>
+        </mc:Choice>
+      </mc:AlternateContent>
+    </p:spTree>
+  </p:cSld>
+</p:sld>
+</file>
+
+<file path=ppt/slides/slide7.xml><?xml version="1.0" encoding="utf-8"?>
 <p:sld xmlns:a="http://schemas.openxmlformats.org/drawingml/2006/main" xmlns:r="http://schemas.openxmlformats.org/officeDocument/2006/relationships" xmlns:p="http://schemas.openxmlformats.org/presentationml/2006/main">
   <p:cSld>
     <p:spTree>

--- a/docs/week-3/ce100-week-3-matrix.md_word.pptx
+++ b/docs/week-3/ce100-week-3-matrix.md_word.pptx
@@ -12,6 +12,31 @@
     <p:sldId id="260" r:id="rId6"/>
     <p:sldId id="261" r:id="rId7"/>
     <p:sldId id="262" r:id="rId8"/>
+    <p:sldId id="263" r:id="rId9"/>
+    <p:sldId id="264" r:id="rId10"/>
+    <p:sldId id="265" r:id="rId11"/>
+    <p:sldId id="266" r:id="rId12"/>
+    <p:sldId id="267" r:id="rId13"/>
+    <p:sldId id="268" r:id="rId14"/>
+    <p:sldId id="269" r:id="rId15"/>
+    <p:sldId id="270" r:id="rId16"/>
+    <p:sldId id="271" r:id="rId17"/>
+    <p:sldId id="272" r:id="rId18"/>
+    <p:sldId id="273" r:id="rId19"/>
+    <p:sldId id="274" r:id="rId20"/>
+    <p:sldId id="275" r:id="rId21"/>
+    <p:sldId id="276" r:id="rId22"/>
+    <p:sldId id="277" r:id="rId23"/>
+    <p:sldId id="278" r:id="rId24"/>
+    <p:sldId id="279" r:id="rId25"/>
+    <p:sldId id="280" r:id="rId26"/>
+    <p:sldId id="281" r:id="rId27"/>
+    <p:sldId id="282" r:id="rId28"/>
+    <p:sldId id="283" r:id="rId29"/>
+    <p:sldId id="284" r:id="rId30"/>
+    <p:sldId id="285" r:id="rId31"/>
+    <p:sldId id="286" r:id="rId32"/>
+    <p:sldId id="287" r:id="rId33"/>
   </p:sldIdLst>
   <p:sldSz cx="9144000" cy="6858000" type="screen4x3"/>
   <p:notesSz cx="6858000" cy="9144000"/>
@@ -3172,7 +3197,7 @@
             </a:pPr>
             <a:r>
               <a:rPr/>
-              <a:t>RAM / Matrix Multiplication</a:t>
+              <a:t>Matrix Multiplication / Quick Sort</a:t>
             </a:r>
             <a:br/>
             <a:br/>
@@ -3208,6 +3233,4689 @@
           </a:p>
         </p:txBody>
       </p:sp>
+    </p:spTree>
+  </p:cSld>
+</p:sld>
+</file>
+
+<file path=ppt/slides/slide10.xml><?xml version="1.0" encoding="utf-8"?>
+<p:sld xmlns:a="http://schemas.openxmlformats.org/drawingml/2006/main" xmlns:r="http://schemas.openxmlformats.org/officeDocument/2006/relationships" xmlns:p="http://schemas.openxmlformats.org/presentationml/2006/main">
+  <p:cSld>
+    <p:spTree>
+      <p:nvGrpSpPr>
+        <p:cNvPr id="1" name=""/>
+        <p:cNvGrpSpPr/>
+        <p:nvPr/>
+      </p:nvGrpSpPr>
+      <p:grpSpPr>
+        <a:xfrm>
+          <a:off x="0" y="0"/>
+          <a:ext cx="0" cy="0"/>
+          <a:chOff x="0" y="0"/>
+          <a:chExt cx="0" cy="0"/>
+        </a:xfrm>
+      </p:grpSpPr>
+      <mc:AlternateContent xmlns:mc="http://schemas.openxmlformats.org/markup-compatibility/2006">
+        <mc:Choice xmlns:a14="http://schemas.microsoft.com/office/drawing/2010/main" Requires="a14">
+          <p:sp>
+            <p:nvSpPr>
+              <p:cNvPr id="3" name="Content Placeholder 2"/>
+              <p:cNvSpPr>
+                <a:spLocks noGrp="1"/>
+              </p:cNvSpPr>
+              <p:nvPr>
+                <p:ph idx="1"/>
+              </p:nvPr>
+            </p:nvSpPr>
+            <p:spPr/>
+            <p:txBody>
+              <a:bodyPr/>
+              <a:lstStyle/>
+              <a:p>
+                <a:pPr lvl="0"/>
+                <a14:m>
+                  <m:oMath xmlns:m="http://schemas.openxmlformats.org/officeDocument/2006/math">
+                    <m:sSub>
+                      <m:e>
+                        <m:r>
+                          <m:t>c</m:t>
+                        </m:r>
+                      </m:e>
+                      <m:sub>
+                        <m:r>
+                          <m:t>i</m:t>
+                        </m:r>
+                        <m:r>
+                          <m:t>j</m:t>
+                        </m:r>
+                      </m:sub>
+                    </m:sSub>
+                    <m:r>
+                      <m:rPr>
+                        <m:sty m:val="p"/>
+                      </m:rPr>
+                      <m:t>=</m:t>
+                    </m:r>
+                    <m:nary>
+                      <m:naryPr>
+                        <m:chr m:val="∑"/>
+                        <m:limLoc m:val="undOvr"/>
+                        <m:subHide m:val="0"/>
+                        <m:supHide m:val="1"/>
+                      </m:naryPr>
+                      <m:sub>
+                        <m:r>
+                          <m:t>1</m:t>
+                        </m:r>
+                        <m:r>
+                          <m:rPr>
+                            <m:sty m:val="p"/>
+                          </m:rPr>
+                          <m:t>≤</m:t>
+                        </m:r>
+                        <m:r>
+                          <m:t>k</m:t>
+                        </m:r>
+                        <m:r>
+                          <m:rPr>
+                            <m:sty m:val="p"/>
+                          </m:rPr>
+                          <m:t>≤</m:t>
+                        </m:r>
+                        <m:r>
+                          <m:t>n</m:t>
+                        </m:r>
+                      </m:sub>
+                      <m:sup>
+                        <m:r>
+                          <m:t>​</m:t>
+                        </m:r>
+                      </m:sup>
+                      <m:e>
+                        <m:sSub>
+                          <m:e>
+                            <m:r>
+                              <m:t>a</m:t>
+                            </m:r>
+                          </m:e>
+                          <m:sub>
+                            <m:r>
+                              <m:t>i</m:t>
+                            </m:r>
+                            <m:r>
+                              <m:t>k</m:t>
+                            </m:r>
+                          </m:sub>
+                        </m:sSub>
+                      </m:e>
+                    </m:nary>
+                    <m:r>
+                      <m:rPr>
+                        <m:sty m:val="p"/>
+                      </m:rPr>
+                      <m:t>.</m:t>
+                    </m:r>
+                    <m:sSub>
+                      <m:e>
+                        <m:r>
+                          <m:t>b</m:t>
+                        </m:r>
+                      </m:e>
+                      <m:sub>
+                        <m:r>
+                          <m:t>k</m:t>
+                        </m:r>
+                        <m:r>
+                          <m:t>j</m:t>
+                        </m:r>
+                      </m:sub>
+                    </m:sSub>
+                  </m:oMath>
+                </a14:m>
+              </a:p>
+            </p:txBody>
+          </p:sp>
+        </mc:Choice>
+      </mc:AlternateContent>
+    </p:spTree>
+  </p:cSld>
+</p:sld>
+</file>
+
+<file path=ppt/slides/slide11.xml><?xml version="1.0" encoding="utf-8"?>
+<p:sld xmlns:a="http://schemas.openxmlformats.org/drawingml/2006/main" xmlns:r="http://schemas.openxmlformats.org/officeDocument/2006/relationships" xmlns:p="http://schemas.openxmlformats.org/presentationml/2006/main">
+  <p:cSld>
+    <p:spTree>
+      <p:nvGrpSpPr>
+        <p:cNvPr id="1" name=""/>
+        <p:cNvGrpSpPr/>
+        <p:nvPr/>
+      </p:nvGrpSpPr>
+      <p:grpSpPr>
+        <a:xfrm>
+          <a:off x="0" y="0"/>
+          <a:ext cx="0" cy="0"/>
+          <a:chOff x="0" y="0"/>
+          <a:chExt cx="0" cy="0"/>
+        </a:xfrm>
+      </p:grpSpPr>
+      <p:sp>
+        <p:nvSpPr>
+          <p:cNvPr id="2" name="Title 1"/>
+          <p:cNvSpPr>
+            <a:spLocks noGrp="1"/>
+          </p:cNvSpPr>
+          <p:nvPr>
+            <p:ph type="title"/>
+          </p:nvPr>
+        </p:nvSpPr>
+        <p:spPr/>
+        <p:txBody>
+          <a:bodyPr/>
+          <a:lstStyle/>
+          <a:p>
+            <a:pPr lvl="0" indent="0" marL="0">
+              <a:buNone/>
+            </a:pPr>
+            <a:r>
+              <a:rPr/>
+              <a:t>Matrix Multiplication: Standard Algorithm</a:t>
+            </a:r>
+          </a:p>
+        </p:txBody>
+      </p:sp>
+      <mc:AlternateContent xmlns:mc="http://schemas.openxmlformats.org/markup-compatibility/2006">
+        <mc:Choice xmlns:a14="http://schemas.microsoft.com/office/drawing/2010/main" Requires="a14">
+          <p:sp>
+            <p:nvSpPr>
+              <p:cNvPr id="3" name="Content Placeholder 2"/>
+              <p:cNvSpPr>
+                <a:spLocks noGrp="1"/>
+              </p:cNvSpPr>
+              <p:nvPr>
+                <p:ph idx="1"/>
+              </p:nvPr>
+            </p:nvSpPr>
+            <p:spPr/>
+            <p:txBody>
+              <a:bodyPr/>
+              <a:lstStyle/>
+              <a:p>
+                <a:pPr lvl="0" indent="0" marL="0">
+                  <a:buNone/>
+                </a:pPr>
+                <a:r>
+                  <a:rPr/>
+                  <a:t>Running Time: </a:t>
+                </a:r>
+                <a14:m>
+                  <m:oMath xmlns:m="http://schemas.openxmlformats.org/officeDocument/2006/math">
+                    <m:r>
+                      <m:t>Θ</m:t>
+                    </m:r>
+                    <m:d>
+                      <m:dPr>
+                        <m:begChr m:val="("/>
+                        <m:endChr m:val=")"/>
+                        <m:sepChr m:val=""/>
+                        <m:grow/>
+                      </m:dPr>
+                      <m:e>
+                        <m:sSup>
+                          <m:e>
+                            <m:r>
+                              <m:t>n</m:t>
+                            </m:r>
+                          </m:e>
+                          <m:sup>
+                            <m:r>
+                              <m:t>3</m:t>
+                            </m:r>
+                          </m:sup>
+                        </m:sSup>
+                      </m:e>
+                    </m:d>
+                  </m:oMath>
+                </a14:m>
+              </a:p>
+              <a:p>
+                <a:pPr lvl="0" indent="0">
+                  <a:buNone/>
+                </a:pPr>
+                <a:r>
+                  <a:rPr b="1">
+                    <a:solidFill>
+                      <a:srgbClr val="007020"/>
+                    </a:solidFill>
+                    <a:latin typeface="Courier"/>
+                  </a:rPr>
+                  <a:t>for</a:t>
+                </a:r>
+                <a:r>
+                  <a:rPr>
+                    <a:latin typeface="Courier"/>
+                  </a:rPr>
+                  <a:t> i</a:t>
+                </a:r>
+                <a:r>
+                  <a:rPr>
+                    <a:solidFill>
+                      <a:srgbClr val="007020"/>
+                    </a:solidFill>
+                    <a:latin typeface="Courier"/>
+                  </a:rPr>
+                  <a:t>=</a:t>
+                </a:r>
+                <a:r>
+                  <a:rPr>
+                    <a:solidFill>
+                      <a:srgbClr val="40A070"/>
+                    </a:solidFill>
+                    <a:latin typeface="Courier"/>
+                  </a:rPr>
+                  <a:t>1</a:t>
+                </a:r>
+                <a:r>
+                  <a:rPr>
+                    <a:latin typeface="Courier"/>
+                  </a:rPr>
+                  <a:t> to n do</a:t>
+                </a:r>
+                <a:br/>
+                <a:r>
+                  <a:rPr>
+                    <a:latin typeface="Courier"/>
+                  </a:rPr>
+                  <a:t>    </a:t>
+                </a:r>
+                <a:r>
+                  <a:rPr b="1">
+                    <a:solidFill>
+                      <a:srgbClr val="007020"/>
+                    </a:solidFill>
+                    <a:latin typeface="Courier"/>
+                  </a:rPr>
+                  <a:t>for</a:t>
+                </a:r>
+                <a:r>
+                  <a:rPr>
+                    <a:latin typeface="Courier"/>
+                  </a:rPr>
+                  <a:t> j</a:t>
+                </a:r>
+                <a:r>
+                  <a:rPr>
+                    <a:solidFill>
+                      <a:srgbClr val="007020"/>
+                    </a:solidFill>
+                    <a:latin typeface="Courier"/>
+                  </a:rPr>
+                  <a:t>=</a:t>
+                </a:r>
+                <a:r>
+                  <a:rPr>
+                    <a:solidFill>
+                      <a:srgbClr val="40A070"/>
+                    </a:solidFill>
+                    <a:latin typeface="Courier"/>
+                  </a:rPr>
+                  <a:t>1</a:t>
+                </a:r>
+                <a:r>
+                  <a:rPr>
+                    <a:latin typeface="Courier"/>
+                  </a:rPr>
+                  <a:t> to n do</a:t>
+                </a:r>
+                <a:br/>
+                <a:r>
+                  <a:rPr>
+                    <a:latin typeface="Courier"/>
+                  </a:rPr>
+                  <a:t>        C[i,j] </a:t>
+                </a:r>
+                <a:r>
+                  <a:rPr>
+                    <a:solidFill>
+                      <a:srgbClr val="007020"/>
+                    </a:solidFill>
+                    <a:latin typeface="Courier"/>
+                  </a:rPr>
+                  <a:t>=</a:t>
+                </a:r>
+                <a:r>
+                  <a:rPr>
+                    <a:latin typeface="Courier"/>
+                  </a:rPr>
+                  <a:t> </a:t>
+                </a:r>
+                <a:r>
+                  <a:rPr>
+                    <a:solidFill>
+                      <a:srgbClr val="40A070"/>
+                    </a:solidFill>
+                    <a:latin typeface="Courier"/>
+                  </a:rPr>
+                  <a:t>0</a:t>
+                </a:r>
+                <a:br/>
+                <a:r>
+                  <a:rPr>
+                    <a:latin typeface="Courier"/>
+                  </a:rPr>
+                  <a:t>        </a:t>
+                </a:r>
+                <a:r>
+                  <a:rPr b="1">
+                    <a:solidFill>
+                      <a:srgbClr val="007020"/>
+                    </a:solidFill>
+                    <a:latin typeface="Courier"/>
+                  </a:rPr>
+                  <a:t>for</a:t>
+                </a:r>
+                <a:r>
+                  <a:rPr>
+                    <a:latin typeface="Courier"/>
+                  </a:rPr>
+                  <a:t> k</a:t>
+                </a:r>
+                <a:r>
+                  <a:rPr>
+                    <a:solidFill>
+                      <a:srgbClr val="007020"/>
+                    </a:solidFill>
+                    <a:latin typeface="Courier"/>
+                  </a:rPr>
+                  <a:t>=</a:t>
+                </a:r>
+                <a:r>
+                  <a:rPr>
+                    <a:solidFill>
+                      <a:srgbClr val="40A070"/>
+                    </a:solidFill>
+                    <a:latin typeface="Courier"/>
+                  </a:rPr>
+                  <a:t>1</a:t>
+                </a:r>
+                <a:r>
+                  <a:rPr>
+                    <a:latin typeface="Courier"/>
+                  </a:rPr>
+                  <a:t> to n do</a:t>
+                </a:r>
+                <a:br/>
+                <a:r>
+                  <a:rPr>
+                    <a:latin typeface="Courier"/>
+                  </a:rPr>
+                  <a:t>            C[i,j] </a:t>
+                </a:r>
+                <a:r>
+                  <a:rPr>
+                    <a:solidFill>
+                      <a:srgbClr val="007020"/>
+                    </a:solidFill>
+                    <a:latin typeface="Courier"/>
+                  </a:rPr>
+                  <a:t>=</a:t>
+                </a:r>
+                <a:r>
+                  <a:rPr>
+                    <a:latin typeface="Courier"/>
+                  </a:rPr>
+                  <a:t> C[i,j] </a:t>
+                </a:r>
+                <a:r>
+                  <a:rPr>
+                    <a:solidFill>
+                      <a:srgbClr val="4070A0"/>
+                    </a:solidFill>
+                    <a:latin typeface="Courier"/>
+                  </a:rPr>
+                  <a:t>+</a:t>
+                </a:r>
+                <a:r>
+                  <a:rPr>
+                    <a:latin typeface="Courier"/>
+                  </a:rPr>
+                  <a:t> A[i,k] </a:t>
+                </a:r>
+                <a:r>
+                  <a:rPr>
+                    <a:solidFill>
+                      <a:srgbClr val="4070A0"/>
+                    </a:solidFill>
+                    <a:latin typeface="Courier"/>
+                  </a:rPr>
+                  <a:t>+</a:t>
+                </a:r>
+                <a:r>
+                  <a:rPr>
+                    <a:latin typeface="Courier"/>
+                  </a:rPr>
+                  <a:t> B[k,j]</a:t>
+                </a:r>
+                <a:br/>
+                <a:r>
+                  <a:rPr>
+                    <a:latin typeface="Courier"/>
+                  </a:rPr>
+                  <a:t>        endfor</a:t>
+                </a:r>
+                <a:br/>
+                <a:r>
+                  <a:rPr>
+                    <a:latin typeface="Courier"/>
+                  </a:rPr>
+                  <a:t>    endfor</a:t>
+                </a:r>
+                <a:br/>
+                <a:r>
+                  <a:rPr>
+                    <a:latin typeface="Courier"/>
+                  </a:rPr>
+                  <a:t>endfor</a:t>
+                </a:r>
+              </a:p>
+            </p:txBody>
+          </p:sp>
+        </mc:Choice>
+      </mc:AlternateContent>
+    </p:spTree>
+  </p:cSld>
+</p:sld>
+</file>
+
+<file path=ppt/slides/slide12.xml><?xml version="1.0" encoding="utf-8"?>
+<p:sld xmlns:a="http://schemas.openxmlformats.org/drawingml/2006/main" xmlns:r="http://schemas.openxmlformats.org/officeDocument/2006/relationships" xmlns:p="http://schemas.openxmlformats.org/presentationml/2006/main">
+  <p:cSld>
+    <p:spTree>
+      <p:nvGrpSpPr>
+        <p:cNvPr id="1" name=""/>
+        <p:cNvGrpSpPr/>
+        <p:nvPr/>
+      </p:nvGrpSpPr>
+      <p:grpSpPr>
+        <a:xfrm>
+          <a:off x="0" y="0"/>
+          <a:ext cx="0" cy="0"/>
+          <a:chOff x="0" y="0"/>
+          <a:chExt cx="0" cy="0"/>
+        </a:xfrm>
+      </p:grpSpPr>
+      <p:sp>
+        <p:nvSpPr>
+          <p:cNvPr id="2" name="Title 1"/>
+          <p:cNvSpPr>
+            <a:spLocks noGrp="1"/>
+          </p:cNvSpPr>
+          <p:nvPr>
+            <p:ph type="title"/>
+          </p:nvPr>
+        </p:nvSpPr>
+        <p:spPr>
+          <a:xfrm>
+            <a:off x="457200" y="273050"/>
+            <a:ext cx="3008313" cy="1162050"/>
+          </a:xfrm>
+        </p:spPr>
+        <p:txBody>
+          <a:bodyPr/>
+          <a:lstStyle/>
+          <a:p>
+            <a:pPr lvl="0" indent="0" marL="0">
+              <a:buNone/>
+            </a:pPr>
+            <a:r>
+              <a:rPr/>
+              <a:t>Matrix Multiplication: Divide &amp; Conquer</a:t>
+            </a:r>
+          </a:p>
+        </p:txBody>
+      </p:sp>
+      <mc:AlternateContent xmlns:mc="http://schemas.openxmlformats.org/markup-compatibility/2006">
+        <mc:Choice xmlns:a14="http://schemas.microsoft.com/office/drawing/2010/main" Requires="a14">
+          <p:sp>
+            <p:nvSpPr>
+              <p:cNvPr id="4" name="Text Placeholder 3"/>
+              <p:cNvSpPr>
+                <a:spLocks noGrp="1"/>
+              </p:cNvSpPr>
+              <p:nvPr>
+                <p:ph idx="2" sz="half" type="body"/>
+              </p:nvPr>
+            </p:nvSpPr>
+            <p:spPr/>
+            <p:txBody>
+              <a:bodyPr/>
+              <a:lstStyle/>
+              <a:p>
+                <a:pPr lvl="0" indent="0" marL="0">
+                  <a:buNone/>
+                </a:pPr>
+                <a:r>
+                  <a:rPr b="1"/>
+                  <a:t>IDEA:</a:t>
+                </a:r>
+                <a:r>
+                  <a:rPr/>
+                  <a:t> Divide the </a:t>
+                </a:r>
+                <a14:m>
+                  <m:oMath xmlns:m="http://schemas.openxmlformats.org/officeDocument/2006/math">
+                    <m:r>
+                      <m:t>n</m:t>
+                    </m:r>
+                    <m:r>
+                      <m:t>x</m:t>
+                    </m:r>
+                    <m:r>
+                      <m:t>n</m:t>
+                    </m:r>
+                  </m:oMath>
+                </a14:m>
+                <a:r>
+                  <a:rPr/>
+                  <a:t> matrix into </a:t>
+                </a:r>
+                <a14:m>
+                  <m:oMath xmlns:m="http://schemas.openxmlformats.org/officeDocument/2006/math">
+                    <m:r>
+                      <m:t>2</m:t>
+                    </m:r>
+                    <m:r>
+                      <m:t>x</m:t>
+                    </m:r>
+                    <m:r>
+                      <m:t>2</m:t>
+                    </m:r>
+                  </m:oMath>
+                </a14:m>
+                <a:r>
+                  <a:rPr/>
+                  <a:t> matrix of </a:t>
+                </a:r>
+                <a14:m>
+                  <m:oMath xmlns:m="http://schemas.openxmlformats.org/officeDocument/2006/math">
+                    <m:d>
+                      <m:dPr>
+                        <m:begChr m:val="("/>
+                        <m:endChr m:val=")"/>
+                        <m:sepChr m:val=""/>
+                        <m:grow/>
+                      </m:dPr>
+                      <m:e>
+                        <m:r>
+                          <m:t>n</m:t>
+                        </m:r>
+                        <m:r>
+                          <m:rPr>
+                            <m:sty m:val="p"/>
+                          </m:rPr>
+                          <m:t>/</m:t>
+                        </m:r>
+                        <m:r>
+                          <m:t>2</m:t>
+                        </m:r>
+                      </m:e>
+                    </m:d>
+                    <m:r>
+                      <m:t>x</m:t>
+                    </m:r>
+                    <m:d>
+                      <m:dPr>
+                        <m:begChr m:val="("/>
+                        <m:endChr m:val=")"/>
+                        <m:sepChr m:val=""/>
+                        <m:grow/>
+                      </m:dPr>
+                      <m:e>
+                        <m:r>
+                          <m:t>n</m:t>
+                        </m:r>
+                        <m:r>
+                          <m:rPr>
+                            <m:sty m:val="p"/>
+                          </m:rPr>
+                          <m:t>/</m:t>
+                        </m:r>
+                        <m:r>
+                          <m:t>2</m:t>
+                        </m:r>
+                      </m:e>
+                    </m:d>
+                  </m:oMath>
+                </a14:m>
+                <a:r>
+                  <a:rPr/>
+                  <a:t> submatrices.</a:t>
+                </a:r>
+              </a:p>
+            </p:txBody>
+          </p:sp>
+        </mc:Choice>
+      </mc:AlternateContent>
+      <p:pic>
+        <p:nvPicPr>
+          <p:cNvPr descr="fig:  assets/ce100-week-3-matrix-matrix_div_con.drawio.svg" id="0" name="Picture 1"/>
+          <p:cNvPicPr>
+            <a:picLocks noGrp="1" noChangeAspect="1"/>
+          </p:cNvPicPr>
+          <p:nvPr/>
+        </p:nvPicPr>
+        <p:blipFill>
+          <a:blip r:embed="rId2"/>
+          <a:stretch>
+            <a:fillRect/>
+          </a:stretch>
+        </p:blipFill>
+        <p:spPr bwMode="auto">
+          <a:xfrm>
+            <a:off x="3568700" y="2044700"/>
+            <a:ext cx="5105400" cy="1765300"/>
+          </a:xfrm>
+          <a:prstGeom prst="rect">
+            <a:avLst/>
+          </a:prstGeom>
+          <a:noFill/>
+          <a:ln w="9525">
+            <a:noFill/>
+            <a:headEnd/>
+            <a:tailEnd/>
+          </a:ln>
+        </p:spPr>
+      </p:pic>
+      <p:sp>
+        <p:nvSpPr>
+          <p:cNvPr id="1" name="TextBox 3"/>
+          <p:cNvSpPr txBox="1"/>
+          <p:nvPr/>
+        </p:nvSpPr>
+        <p:spPr>
+          <a:xfrm>
+            <a:off x="3568700" y="5600700"/>
+            <a:ext cx="5105400" cy="508000"/>
+          </a:xfrm>
+          <a:prstGeom prst="rect">
+            <a:avLst/>
+          </a:prstGeom>
+          <a:noFill/>
+        </p:spPr>
+        <p:txBody>
+          <a:bodyPr/>
+          <a:lstStyle/>
+          <a:p>
+            <a:pPr lvl="0" indent="0" marL="0" algn="ctr">
+              <a:buNone/>
+            </a:pPr>
+            <a:r>
+              <a:rPr/>
+              <a:t>alt:“alt” height:450px center</a:t>
+            </a:r>
+          </a:p>
+        </p:txBody>
+      </p:sp>
+    </p:spTree>
+  </p:cSld>
+</p:sld>
+</file>
+
+<file path=ppt/slides/slide13.xml><?xml version="1.0" encoding="utf-8"?>
+<p:sld xmlns:a="http://schemas.openxmlformats.org/drawingml/2006/main" xmlns:r="http://schemas.openxmlformats.org/officeDocument/2006/relationships" xmlns:p="http://schemas.openxmlformats.org/presentationml/2006/main">
+  <p:cSld>
+    <p:spTree>
+      <p:nvGrpSpPr>
+        <p:cNvPr id="1" name=""/>
+        <p:cNvGrpSpPr/>
+        <p:nvPr/>
+      </p:nvGrpSpPr>
+      <p:grpSpPr>
+        <a:xfrm>
+          <a:off x="0" y="0"/>
+          <a:ext cx="0" cy="0"/>
+          <a:chOff x="0" y="0"/>
+          <a:chExt cx="0" cy="0"/>
+        </a:xfrm>
+      </p:grpSpPr>
+      <p:sp>
+        <p:nvSpPr>
+          <p:cNvPr id="2" name="Title 1"/>
+          <p:cNvSpPr>
+            <a:spLocks noGrp="1"/>
+          </p:cNvSpPr>
+          <p:nvPr>
+            <p:ph type="title"/>
+          </p:nvPr>
+        </p:nvSpPr>
+        <p:spPr/>
+        <p:txBody>
+          <a:bodyPr/>
+          <a:lstStyle/>
+          <a:p>
+            <a:pPr lvl="0" indent="0" marL="0">
+              <a:buNone/>
+            </a:pPr>
+            <a:r>
+              <a:rPr/>
+              <a:t>Matrix Multiplication: Divide &amp; Conquer</a:t>
+            </a:r>
+          </a:p>
+        </p:txBody>
+      </p:sp>
+      <mc:AlternateContent xmlns:mc="http://schemas.openxmlformats.org/markup-compatibility/2006">
+        <mc:Choice xmlns:a14="http://schemas.microsoft.com/office/drawing/2010/main" Requires="a14">
+          <p:sp>
+            <p:nvSpPr>
+              <p:cNvPr id="3" name="Content Placeholder 2"/>
+              <p:cNvSpPr>
+                <a:spLocks noGrp="1"/>
+              </p:cNvSpPr>
+              <p:nvPr>
+                <p:ph idx="1"/>
+              </p:nvPr>
+            </p:nvSpPr>
+            <p:spPr/>
+            <p:txBody>
+              <a:bodyPr/>
+              <a:lstStyle/>
+              <a:p>
+                <a:pPr lvl="0" indent="0" marL="0">
+                  <a:buNone/>
+                </a:pPr>
+                <a14:m>
+                  <m:oMathPara xmlns:m="http://schemas.openxmlformats.org/officeDocument/2006/math">
+                    <m:oMathParaPr>
+                      <m:jc m:val="center"/>
+                    </m:oMathParaPr>
+                    <m:oMath>
+                      <m:d>
+                        <m:dPr>
+                          <m:begChr m:val="["/>
+                          <m:endChr m:val="]"/>
+                          <m:sepChr m:val=""/>
+                          <m:grow/>
+                        </m:dPr>
+                        <m:e>
+                          <m:m>
+                            <m:mPr>
+                              <m:baseJc m:val="center"/>
+                              <m:plcHide m:val="1"/>
+                              <m:mcs>
+                                <m:mc>
+                                  <m:mcPr>
+                                    <m:mcJc m:val="center"/>
+                                    <m:count m:val="1"/>
+                                  </m:mcPr>
+                                </m:mc>
+                                <m:mc>
+                                  <m:mcPr>
+                                    <m:mcJc m:val="center"/>
+                                    <m:count m:val="1"/>
+                                  </m:mcPr>
+                                </m:mc>
+                              </m:mcs>
+                            </m:mPr>
+                            <m:mr>
+                              <m:e>
+                                <m:sSub>
+                                  <m:e>
+                                    <m:r>
+                                      <m:t>c</m:t>
+                                    </m:r>
+                                  </m:e>
+                                  <m:sub>
+                                    <m:r>
+                                      <m:t>11</m:t>
+                                    </m:r>
+                                  </m:sub>
+                                </m:sSub>
+                              </m:e>
+                              <m:e>
+                                <m:sSub>
+                                  <m:e>
+                                    <m:r>
+                                      <m:t>c</m:t>
+                                    </m:r>
+                                  </m:e>
+                                  <m:sub>
+                                    <m:r>
+                                      <m:t>12</m:t>
+                                    </m:r>
+                                  </m:sub>
+                                </m:sSub>
+                              </m:e>
+                            </m:mr>
+                            <m:mr>
+                              <m:e>
+                                <m:sSub>
+                                  <m:e>
+                                    <m:r>
+                                      <m:t>c</m:t>
+                                    </m:r>
+                                  </m:e>
+                                  <m:sub>
+                                    <m:r>
+                                      <m:t>21</m:t>
+                                    </m:r>
+                                  </m:sub>
+                                </m:sSub>
+                              </m:e>
+                              <m:e>
+                                <m:sSub>
+                                  <m:e>
+                                    <m:r>
+                                      <m:t>c</m:t>
+                                    </m:r>
+                                  </m:e>
+                                  <m:sub>
+                                    <m:r>
+                                      <m:t>22</m:t>
+                                    </m:r>
+                                  </m:sub>
+                                </m:sSub>
+                              </m:e>
+                            </m:mr>
+                          </m:m>
+                        </m:e>
+                      </m:d>
+                      <m:r>
+                        <m:rPr>
+                          <m:sty m:val="p"/>
+                        </m:rPr>
+                        <m:t>=</m:t>
+                      </m:r>
+                      <m:d>
+                        <m:dPr>
+                          <m:begChr m:val="["/>
+                          <m:endChr m:val="]"/>
+                          <m:sepChr m:val=""/>
+                          <m:grow/>
+                        </m:dPr>
+                        <m:e>
+                          <m:m>
+                            <m:mPr>
+                              <m:baseJc m:val="center"/>
+                              <m:plcHide m:val="1"/>
+                              <m:mcs>
+                                <m:mc>
+                                  <m:mcPr>
+                                    <m:mcJc m:val="center"/>
+                                    <m:count m:val="1"/>
+                                  </m:mcPr>
+                                </m:mc>
+                                <m:mc>
+                                  <m:mcPr>
+                                    <m:mcJc m:val="center"/>
+                                    <m:count m:val="1"/>
+                                  </m:mcPr>
+                                </m:mc>
+                              </m:mcs>
+                            </m:mPr>
+                            <m:mr>
+                              <m:e>
+                                <m:sSub>
+                                  <m:e>
+                                    <m:r>
+                                      <m:t>a</m:t>
+                                    </m:r>
+                                  </m:e>
+                                  <m:sub>
+                                    <m:r>
+                                      <m:t>11</m:t>
+                                    </m:r>
+                                  </m:sub>
+                                </m:sSub>
+                              </m:e>
+                              <m:e>
+                                <m:sSub>
+                                  <m:e>
+                                    <m:r>
+                                      <m:t>a</m:t>
+                                    </m:r>
+                                  </m:e>
+                                  <m:sub>
+                                    <m:r>
+                                      <m:t>12</m:t>
+                                    </m:r>
+                                  </m:sub>
+                                </m:sSub>
+                              </m:e>
+                            </m:mr>
+                            <m:mr>
+                              <m:e>
+                                <m:sSub>
+                                  <m:e>
+                                    <m:r>
+                                      <m:t>a</m:t>
+                                    </m:r>
+                                  </m:e>
+                                  <m:sub>
+                                    <m:r>
+                                      <m:t>21</m:t>
+                                    </m:r>
+                                  </m:sub>
+                                </m:sSub>
+                              </m:e>
+                              <m:e>
+                                <m:sSub>
+                                  <m:e>
+                                    <m:r>
+                                      <m:t>a</m:t>
+                                    </m:r>
+                                  </m:e>
+                                  <m:sub>
+                                    <m:r>
+                                      <m:t>22</m:t>
+                                    </m:r>
+                                  </m:sub>
+                                </m:sSub>
+                              </m:e>
+                            </m:mr>
+                          </m:m>
+                        </m:e>
+                      </m:d>
+                      <m:r>
+                        <m:rPr>
+                          <m:sty m:val="p"/>
+                        </m:rPr>
+                        <m:t>⋅</m:t>
+                      </m:r>
+                      <m:d>
+                        <m:dPr>
+                          <m:begChr m:val="["/>
+                          <m:endChr m:val="]"/>
+                          <m:sepChr m:val=""/>
+                          <m:grow/>
+                        </m:dPr>
+                        <m:e>
+                          <m:m>
+                            <m:mPr>
+                              <m:baseJc m:val="center"/>
+                              <m:plcHide m:val="1"/>
+                              <m:mcs>
+                                <m:mc>
+                                  <m:mcPr>
+                                    <m:mcJc m:val="center"/>
+                                    <m:count m:val="1"/>
+                                  </m:mcPr>
+                                </m:mc>
+                                <m:mc>
+                                  <m:mcPr>
+                                    <m:mcJc m:val="center"/>
+                                    <m:count m:val="1"/>
+                                  </m:mcPr>
+                                </m:mc>
+                              </m:mcs>
+                            </m:mPr>
+                            <m:mr>
+                              <m:e>
+                                <m:sSub>
+                                  <m:e>
+                                    <m:r>
+                                      <m:t>b</m:t>
+                                    </m:r>
+                                  </m:e>
+                                  <m:sub>
+                                    <m:r>
+                                      <m:t>11</m:t>
+                                    </m:r>
+                                  </m:sub>
+                                </m:sSub>
+                              </m:e>
+                              <m:e>
+                                <m:sSub>
+                                  <m:e>
+                                    <m:r>
+                                      <m:t>b</m:t>
+                                    </m:r>
+                                  </m:e>
+                                  <m:sub>
+                                    <m:r>
+                                      <m:t>12</m:t>
+                                    </m:r>
+                                  </m:sub>
+                                </m:sSub>
+                              </m:e>
+                            </m:mr>
+                            <m:mr>
+                              <m:e>
+                                <m:sSub>
+                                  <m:e>
+                                    <m:r>
+                                      <m:t>b</m:t>
+                                    </m:r>
+                                  </m:e>
+                                  <m:sub>
+                                    <m:r>
+                                      <m:t>21</m:t>
+                                    </m:r>
+                                  </m:sub>
+                                </m:sSub>
+                              </m:e>
+                              <m:e>
+                                <m:sSub>
+                                  <m:e>
+                                    <m:r>
+                                      <m:t>b</m:t>
+                                    </m:r>
+                                  </m:e>
+                                  <m:sub>
+                                    <m:r>
+                                      <m:t>22</m:t>
+                                    </m:r>
+                                  </m:sub>
+                                </m:sSub>
+                              </m:e>
+                            </m:mr>
+                          </m:m>
+                        </m:e>
+                      </m:d>
+                    </m:oMath>
+                  </m:oMathPara>
+                </a14:m>
+              </a:p>
+              <a:p>
+                <a:pPr lvl="0" indent="0" marL="0">
+                  <a:buNone/>
+                </a:pPr>
+                <a14:m>
+                  <m:oMathPara xmlns:m="http://schemas.openxmlformats.org/officeDocument/2006/math">
+                    <m:oMathParaPr>
+                      <m:jc m:val="center"/>
+                    </m:oMathParaPr>
+                    <m:oMath>
+                      <m:r>
+                        <m:rPr>
+                          <m:nor/>
+                          <m:sty m:val="p"/>
+                        </m:rPr>
+                        <m:t>8 mults and 4 adds of (n/2)*(n/2) submatrices</m:t>
+                      </m:r>
+                      <m:r>
+                        <m:rPr>
+                          <m:sty m:val="p"/>
+                        </m:rPr>
+                        <m:t>=</m:t>
+                      </m:r>
+                      <m:d>
+                        <m:dPr>
+                          <m:begChr m:val="{"/>
+                          <m:endChr m:val=""/>
+                          <m:sepChr m:val=""/>
+                          <m:grow/>
+                        </m:dPr>
+                        <m:e>
+                          <m:m>
+                            <m:mPr>
+                              <m:baseJc m:val="center"/>
+                              <m:plcHide m:val="1"/>
+                              <m:mcs>
+                                <m:mc>
+                                  <m:mcPr>
+                                    <m:mcJc m:val="left"/>
+                                    <m:count m:val="1"/>
+                                  </m:mcPr>
+                                </m:mc>
+                              </m:mcs>
+                            </m:mPr>
+                            <m:mr>
+                              <m:e>
+                                <m:sSub>
+                                  <m:e>
+                                    <m:r>
+                                      <m:t>c</m:t>
+                                    </m:r>
+                                  </m:e>
+                                  <m:sub>
+                                    <m:r>
+                                      <m:t>11</m:t>
+                                    </m:r>
+                                  </m:sub>
+                                </m:sSub>
+                                <m:r>
+                                  <m:rPr>
+                                    <m:sty m:val="p"/>
+                                  </m:rPr>
+                                  <m:t>=</m:t>
+                                </m:r>
+                                <m:sSub>
+                                  <m:e>
+                                    <m:r>
+                                      <m:t>a</m:t>
+                                    </m:r>
+                                  </m:e>
+                                  <m:sub>
+                                    <m:r>
+                                      <m:t>11</m:t>
+                                    </m:r>
+                                  </m:sub>
+                                </m:sSub>
+                                <m:sSub>
+                                  <m:e>
+                                    <m:r>
+                                      <m:t>b</m:t>
+                                    </m:r>
+                                  </m:e>
+                                  <m:sub>
+                                    <m:r>
+                                      <m:t>11</m:t>
+                                    </m:r>
+                                  </m:sub>
+                                </m:sSub>
+                                <m:r>
+                                  <m:rPr>
+                                    <m:sty m:val="p"/>
+                                  </m:rPr>
+                                  <m:t>+</m:t>
+                                </m:r>
+                                <m:sSub>
+                                  <m:e>
+                                    <m:r>
+                                      <m:t>a</m:t>
+                                    </m:r>
+                                  </m:e>
+                                  <m:sub>
+                                    <m:r>
+                                      <m:t>12</m:t>
+                                    </m:r>
+                                  </m:sub>
+                                </m:sSub>
+                                <m:sSub>
+                                  <m:e>
+                                    <m:r>
+                                      <m:t>b</m:t>
+                                    </m:r>
+                                  </m:e>
+                                  <m:sub>
+                                    <m:r>
+                                      <m:t>21</m:t>
+                                    </m:r>
+                                  </m:sub>
+                                </m:sSub>
+                              </m:e>
+                            </m:mr>
+                            <m:mr>
+                              <m:e>
+                                <m:sSub>
+                                  <m:e>
+                                    <m:r>
+                                      <m:t>c</m:t>
+                                    </m:r>
+                                  </m:e>
+                                  <m:sub>
+                                    <m:r>
+                                      <m:t>21</m:t>
+                                    </m:r>
+                                  </m:sub>
+                                </m:sSub>
+                                <m:r>
+                                  <m:rPr>
+                                    <m:sty m:val="p"/>
+                                  </m:rPr>
+                                  <m:t>=</m:t>
+                                </m:r>
+                                <m:sSub>
+                                  <m:e>
+                                    <m:r>
+                                      <m:t>a</m:t>
+                                    </m:r>
+                                  </m:e>
+                                  <m:sub>
+                                    <m:r>
+                                      <m:t>21</m:t>
+                                    </m:r>
+                                  </m:sub>
+                                </m:sSub>
+                                <m:sSub>
+                                  <m:e>
+                                    <m:r>
+                                      <m:t>b</m:t>
+                                    </m:r>
+                                  </m:e>
+                                  <m:sub>
+                                    <m:r>
+                                      <m:t>11</m:t>
+                                    </m:r>
+                                  </m:sub>
+                                </m:sSub>
+                                <m:r>
+                                  <m:rPr>
+                                    <m:sty m:val="p"/>
+                                  </m:rPr>
+                                  <m:t>+</m:t>
+                                </m:r>
+                                <m:sSub>
+                                  <m:e>
+                                    <m:r>
+                                      <m:t>a</m:t>
+                                    </m:r>
+                                  </m:e>
+                                  <m:sub>
+                                    <m:r>
+                                      <m:t>22</m:t>
+                                    </m:r>
+                                  </m:sub>
+                                </m:sSub>
+                                <m:sSub>
+                                  <m:e>
+                                    <m:r>
+                                      <m:t>b</m:t>
+                                    </m:r>
+                                  </m:e>
+                                  <m:sub>
+                                    <m:r>
+                                      <m:t>21</m:t>
+                                    </m:r>
+                                  </m:sub>
+                                </m:sSub>
+                              </m:e>
+                            </m:mr>
+                            <m:mr>
+                              <m:e>
+                                <m:sSub>
+                                  <m:e>
+                                    <m:r>
+                                      <m:t>c</m:t>
+                                    </m:r>
+                                  </m:e>
+                                  <m:sub>
+                                    <m:r>
+                                      <m:t>12</m:t>
+                                    </m:r>
+                                  </m:sub>
+                                </m:sSub>
+                                <m:r>
+                                  <m:rPr>
+                                    <m:sty m:val="p"/>
+                                  </m:rPr>
+                                  <m:t>=</m:t>
+                                </m:r>
+                                <m:sSub>
+                                  <m:e>
+                                    <m:r>
+                                      <m:t>a</m:t>
+                                    </m:r>
+                                  </m:e>
+                                  <m:sub>
+                                    <m:r>
+                                      <m:t>11</m:t>
+                                    </m:r>
+                                  </m:sub>
+                                </m:sSub>
+                                <m:sSub>
+                                  <m:e>
+                                    <m:r>
+                                      <m:t>b</m:t>
+                                    </m:r>
+                                  </m:e>
+                                  <m:sub>
+                                    <m:r>
+                                      <m:t>12</m:t>
+                                    </m:r>
+                                  </m:sub>
+                                </m:sSub>
+                                <m:r>
+                                  <m:rPr>
+                                    <m:sty m:val="p"/>
+                                  </m:rPr>
+                                  <m:t>+</m:t>
+                                </m:r>
+                                <m:sSub>
+                                  <m:e>
+                                    <m:r>
+                                      <m:t>a</m:t>
+                                    </m:r>
+                                  </m:e>
+                                  <m:sub>
+                                    <m:r>
+                                      <m:t>12</m:t>
+                                    </m:r>
+                                  </m:sub>
+                                </m:sSub>
+                                <m:sSub>
+                                  <m:e>
+                                    <m:r>
+                                      <m:t>b</m:t>
+                                    </m:r>
+                                  </m:e>
+                                  <m:sub>
+                                    <m:r>
+                                      <m:t>22</m:t>
+                                    </m:r>
+                                  </m:sub>
+                                </m:sSub>
+                              </m:e>
+                            </m:mr>
+                            <m:mr>
+                              <m:e>
+                                <m:sSub>
+                                  <m:e>
+                                    <m:r>
+                                      <m:t>c</m:t>
+                                    </m:r>
+                                  </m:e>
+                                  <m:sub>
+                                    <m:r>
+                                      <m:t>22</m:t>
+                                    </m:r>
+                                  </m:sub>
+                                </m:sSub>
+                                <m:r>
+                                  <m:rPr>
+                                    <m:sty m:val="p"/>
+                                  </m:rPr>
+                                  <m:t>=</m:t>
+                                </m:r>
+                                <m:sSub>
+                                  <m:e>
+                                    <m:r>
+                                      <m:t>a</m:t>
+                                    </m:r>
+                                  </m:e>
+                                  <m:sub>
+                                    <m:r>
+                                      <m:t>21</m:t>
+                                    </m:r>
+                                  </m:sub>
+                                </m:sSub>
+                                <m:sSub>
+                                  <m:e>
+                                    <m:r>
+                                      <m:t>b</m:t>
+                                    </m:r>
+                                  </m:e>
+                                  <m:sub>
+                                    <m:r>
+                                      <m:t>12</m:t>
+                                    </m:r>
+                                  </m:sub>
+                                </m:sSub>
+                                <m:r>
+                                  <m:rPr>
+                                    <m:sty m:val="p"/>
+                                  </m:rPr>
+                                  <m:t>+</m:t>
+                                </m:r>
+                                <m:sSub>
+                                  <m:e>
+                                    <m:r>
+                                      <m:t>a</m:t>
+                                    </m:r>
+                                  </m:e>
+                                  <m:sub>
+                                    <m:r>
+                                      <m:t>22</m:t>
+                                    </m:r>
+                                  </m:sub>
+                                </m:sSub>
+                                <m:sSub>
+                                  <m:e>
+                                    <m:r>
+                                      <m:t>b</m:t>
+                                    </m:r>
+                                  </m:e>
+                                  <m:sub>
+                                    <m:r>
+                                      <m:t>22</m:t>
+                                    </m:r>
+                                  </m:sub>
+                                </m:sSub>
+                              </m:e>
+                            </m:mr>
+                          </m:m>
+                        </m:e>
+                      </m:d>
+                    </m:oMath>
+                  </m:oMathPara>
+                </a14:m>
+              </a:p>
+            </p:txBody>
+          </p:sp>
+        </mc:Choice>
+      </mc:AlternateContent>
+    </p:spTree>
+  </p:cSld>
+</p:sld>
+</file>
+
+<file path=ppt/slides/slide14.xml><?xml version="1.0" encoding="utf-8"?>
+<p:sld xmlns:a="http://schemas.openxmlformats.org/drawingml/2006/main" xmlns:r="http://schemas.openxmlformats.org/officeDocument/2006/relationships" xmlns:p="http://schemas.openxmlformats.org/presentationml/2006/main">
+  <p:cSld>
+    <p:spTree>
+      <p:nvGrpSpPr>
+        <p:cNvPr id="1" name=""/>
+        <p:cNvGrpSpPr/>
+        <p:nvPr/>
+      </p:nvGrpSpPr>
+      <p:grpSpPr>
+        <a:xfrm>
+          <a:off x="0" y="0"/>
+          <a:ext cx="0" cy="0"/>
+          <a:chOff x="0" y="0"/>
+          <a:chExt cx="0" cy="0"/>
+        </a:xfrm>
+      </p:grpSpPr>
+      <p:sp>
+        <p:nvSpPr>
+          <p:cNvPr id="2" name="Title 1"/>
+          <p:cNvSpPr>
+            <a:spLocks noGrp="1"/>
+          </p:cNvSpPr>
+          <p:nvPr>
+            <p:ph type="title"/>
+          </p:nvPr>
+        </p:nvSpPr>
+        <p:spPr/>
+        <p:txBody>
+          <a:bodyPr/>
+          <a:lstStyle/>
+          <a:p>
+            <a:pPr lvl="0" indent="0" marL="0">
+              <a:buNone/>
+            </a:pPr>
+            <a:r>
+              <a:rPr/>
+              <a:t>Matrix Multiplication: Divide &amp; Conquer</a:t>
+            </a:r>
+          </a:p>
+        </p:txBody>
+      </p:sp>
+      <p:sp>
+        <p:nvSpPr>
+          <p:cNvPr id="3" name="Content Placeholder 2"/>
+          <p:cNvSpPr>
+            <a:spLocks noGrp="1"/>
+          </p:cNvSpPr>
+          <p:nvPr>
+            <p:ph idx="1"/>
+          </p:nvPr>
+        </p:nvSpPr>
+        <p:spPr/>
+        <p:txBody>
+          <a:bodyPr/>
+          <a:lstStyle/>
+          <a:p>
+            <a:pPr lvl="0" indent="0">
+              <a:buNone/>
+            </a:pPr>
+            <a:r>
+              <a:rPr>
+                <a:latin typeface="Courier"/>
+              </a:rPr>
+              <a:t>MATRIX</a:t>
+            </a:r>
+            <a:r>
+              <a:rPr>
+                <a:solidFill>
+                  <a:srgbClr val="4070A0"/>
+                </a:solidFill>
+                <a:latin typeface="Courier"/>
+              </a:rPr>
+              <a:t>-</a:t>
+            </a:r>
+            <a:r>
+              <a:rPr>
+                <a:solidFill>
+                  <a:srgbClr val="06287E"/>
+                </a:solidFill>
+                <a:latin typeface="Courier"/>
+              </a:rPr>
+              <a:t>MULTIPLY</a:t>
+            </a:r>
+            <a:r>
+              <a:rPr>
+                <a:latin typeface="Courier"/>
+              </a:rPr>
+              <a:t>(A, B)</a:t>
+            </a:r>
+            <a:br/>
+            <a:r>
+              <a:rPr>
+                <a:latin typeface="Courier"/>
+              </a:rPr>
+              <a:t>    </a:t>
+            </a:r>
+            <a:r>
+              <a:rPr>
+                <a:solidFill>
+                  <a:srgbClr val="4070A0"/>
+                </a:solidFill>
+                <a:latin typeface="Courier"/>
+              </a:rPr>
+              <a:t>/</a:t>
+            </a:r>
+            <a:r>
+              <a:rPr b="1">
+                <a:solidFill>
+                  <a:srgbClr val="FF0000"/>
+                </a:solidFill>
+                <a:latin typeface="Courier"/>
+              </a:rPr>
+              <a:t>/</a:t>
+            </a:r>
+            <a:r>
+              <a:rPr>
+                <a:latin typeface="Courier"/>
+              </a:rPr>
+              <a:t> Assuming that both A and B are nxn matrices</a:t>
+            </a:r>
+            <a:br/>
+            <a:r>
+              <a:rPr>
+                <a:latin typeface="Courier"/>
+              </a:rPr>
+              <a:t>    </a:t>
+            </a:r>
+            <a:r>
+              <a:rPr b="1">
+                <a:solidFill>
+                  <a:srgbClr val="007020"/>
+                </a:solidFill>
+                <a:latin typeface="Courier"/>
+              </a:rPr>
+              <a:t>if</a:t>
+            </a:r>
+            <a:r>
+              <a:rPr>
+                <a:latin typeface="Courier"/>
+              </a:rPr>
+              <a:t> n </a:t>
+            </a:r>
+            <a:r>
+              <a:rPr>
+                <a:solidFill>
+                  <a:srgbClr val="4070A0"/>
+                </a:solidFill>
+                <a:latin typeface="Courier"/>
+              </a:rPr>
+              <a:t>==</a:t>
+            </a:r>
+            <a:r>
+              <a:rPr>
+                <a:latin typeface="Courier"/>
+              </a:rPr>
+              <a:t> </a:t>
+            </a:r>
+            <a:r>
+              <a:rPr>
+                <a:solidFill>
+                  <a:srgbClr val="40A070"/>
+                </a:solidFill>
+                <a:latin typeface="Courier"/>
+              </a:rPr>
+              <a:t>1</a:t>
+            </a:r>
+            <a:r>
+              <a:rPr>
+                <a:latin typeface="Courier"/>
+              </a:rPr>
+              <a:t> then </a:t>
+            </a:r>
+            <a:br/>
+            <a:r>
+              <a:rPr>
+                <a:latin typeface="Courier"/>
+              </a:rPr>
+              <a:t>        return A </a:t>
+            </a:r>
+            <a:r>
+              <a:rPr>
+                <a:solidFill>
+                  <a:srgbClr val="4070A0"/>
+                </a:solidFill>
+                <a:latin typeface="Courier"/>
+              </a:rPr>
+              <a:t>*</a:t>
+            </a:r>
+            <a:r>
+              <a:rPr>
+                <a:latin typeface="Courier"/>
+              </a:rPr>
+              <a:t> B</a:t>
+            </a:r>
+            <a:br/>
+            <a:r>
+              <a:rPr>
+                <a:latin typeface="Courier"/>
+              </a:rPr>
+              <a:t>    </a:t>
+            </a:r>
+            <a:r>
+              <a:rPr b="1">
+                <a:solidFill>
+                  <a:srgbClr val="007020"/>
+                </a:solidFill>
+                <a:latin typeface="Courier"/>
+              </a:rPr>
+              <a:t>else</a:t>
+            </a:r>
+            <a:r>
+              <a:rPr>
+                <a:latin typeface="Courier"/>
+              </a:rPr>
+              <a:t>  </a:t>
+            </a:r>
+            <a:br/>
+            <a:r>
+              <a:rPr>
+                <a:latin typeface="Courier"/>
+              </a:rPr>
+              <a:t>        </a:t>
+            </a:r>
+            <a:r>
+              <a:rPr>
+                <a:solidFill>
+                  <a:srgbClr val="4070A0"/>
+                </a:solidFill>
+                <a:latin typeface="Courier"/>
+              </a:rPr>
+              <a:t>/</a:t>
+            </a:r>
+            <a:r>
+              <a:rPr b="1">
+                <a:solidFill>
+                  <a:srgbClr val="FF0000"/>
+                </a:solidFill>
+                <a:latin typeface="Courier"/>
+              </a:rPr>
+              <a:t>/</a:t>
+            </a:r>
+            <a:r>
+              <a:rPr>
+                <a:latin typeface="Courier"/>
+              </a:rPr>
+              <a:t>partition A, B, and C as shown before</a:t>
+            </a:r>
+            <a:br/>
+            <a:r>
+              <a:rPr>
+                <a:latin typeface="Courier"/>
+              </a:rPr>
+              <a:t>        C[</a:t>
+            </a:r>
+            <a:r>
+              <a:rPr>
+                <a:solidFill>
+                  <a:srgbClr val="40A070"/>
+                </a:solidFill>
+                <a:latin typeface="Courier"/>
+              </a:rPr>
+              <a:t>1</a:t>
+            </a:r>
+            <a:r>
+              <a:rPr>
+                <a:latin typeface="Courier"/>
+              </a:rPr>
+              <a:t>,</a:t>
+            </a:r>
+            <a:r>
+              <a:rPr>
+                <a:solidFill>
+                  <a:srgbClr val="40A070"/>
+                </a:solidFill>
+                <a:latin typeface="Courier"/>
+              </a:rPr>
+              <a:t>1</a:t>
+            </a:r>
+            <a:r>
+              <a:rPr>
+                <a:latin typeface="Courier"/>
+              </a:rPr>
+              <a:t>] </a:t>
+            </a:r>
+            <a:r>
+              <a:rPr>
+                <a:solidFill>
+                  <a:srgbClr val="007020"/>
+                </a:solidFill>
+                <a:latin typeface="Courier"/>
+              </a:rPr>
+              <a:t>=</a:t>
+            </a:r>
+            <a:r>
+              <a:rPr>
+                <a:latin typeface="Courier"/>
+              </a:rPr>
+              <a:t> MATRIX</a:t>
+            </a:r>
+            <a:r>
+              <a:rPr>
+                <a:solidFill>
+                  <a:srgbClr val="4070A0"/>
+                </a:solidFill>
+                <a:latin typeface="Courier"/>
+              </a:rPr>
+              <a:t>-</a:t>
+            </a:r>
+            <a:r>
+              <a:rPr>
+                <a:solidFill>
+                  <a:srgbClr val="06287E"/>
+                </a:solidFill>
+                <a:latin typeface="Courier"/>
+              </a:rPr>
+              <a:t>MULTIPLY</a:t>
+            </a:r>
+            <a:r>
+              <a:rPr>
+                <a:latin typeface="Courier"/>
+              </a:rPr>
+              <a:t> (A[</a:t>
+            </a:r>
+            <a:r>
+              <a:rPr>
+                <a:solidFill>
+                  <a:srgbClr val="40A070"/>
+                </a:solidFill>
+                <a:latin typeface="Courier"/>
+              </a:rPr>
+              <a:t>1</a:t>
+            </a:r>
+            <a:r>
+              <a:rPr>
+                <a:latin typeface="Courier"/>
+              </a:rPr>
+              <a:t>,</a:t>
+            </a:r>
+            <a:r>
+              <a:rPr>
+                <a:solidFill>
+                  <a:srgbClr val="40A070"/>
+                </a:solidFill>
+                <a:latin typeface="Courier"/>
+              </a:rPr>
+              <a:t>1</a:t>
+            </a:r>
+            <a:r>
+              <a:rPr>
+                <a:latin typeface="Courier"/>
+              </a:rPr>
+              <a:t>], B[</a:t>
+            </a:r>
+            <a:r>
+              <a:rPr>
+                <a:solidFill>
+                  <a:srgbClr val="40A070"/>
+                </a:solidFill>
+                <a:latin typeface="Courier"/>
+              </a:rPr>
+              <a:t>1</a:t>
+            </a:r>
+            <a:r>
+              <a:rPr>
+                <a:latin typeface="Courier"/>
+              </a:rPr>
+              <a:t>,</a:t>
+            </a:r>
+            <a:r>
+              <a:rPr>
+                <a:solidFill>
+                  <a:srgbClr val="40A070"/>
+                </a:solidFill>
+                <a:latin typeface="Courier"/>
+              </a:rPr>
+              <a:t>1</a:t>
+            </a:r>
+            <a:r>
+              <a:rPr>
+                <a:latin typeface="Courier"/>
+              </a:rPr>
+              <a:t>]) </a:t>
+            </a:r>
+            <a:r>
+              <a:rPr>
+                <a:solidFill>
+                  <a:srgbClr val="4070A0"/>
+                </a:solidFill>
+                <a:latin typeface="Courier"/>
+              </a:rPr>
+              <a:t>+</a:t>
+            </a:r>
+            <a:r>
+              <a:rPr>
+                <a:latin typeface="Courier"/>
+              </a:rPr>
+              <a:t> </a:t>
+            </a:r>
+            <a:br/>
+            <a:r>
+              <a:rPr>
+                <a:latin typeface="Courier"/>
+              </a:rPr>
+              <a:t>                 MATRIX</a:t>
+            </a:r>
+            <a:r>
+              <a:rPr>
+                <a:solidFill>
+                  <a:srgbClr val="4070A0"/>
+                </a:solidFill>
+                <a:latin typeface="Courier"/>
+              </a:rPr>
+              <a:t>-</a:t>
+            </a:r>
+            <a:r>
+              <a:rPr>
+                <a:solidFill>
+                  <a:srgbClr val="06287E"/>
+                </a:solidFill>
+                <a:latin typeface="Courier"/>
+              </a:rPr>
+              <a:t>MULTIPLY</a:t>
+            </a:r>
+            <a:r>
+              <a:rPr>
+                <a:latin typeface="Courier"/>
+              </a:rPr>
+              <a:t> (A[</a:t>
+            </a:r>
+            <a:r>
+              <a:rPr>
+                <a:solidFill>
+                  <a:srgbClr val="40A070"/>
+                </a:solidFill>
+                <a:latin typeface="Courier"/>
+              </a:rPr>
+              <a:t>1</a:t>
+            </a:r>
+            <a:r>
+              <a:rPr>
+                <a:latin typeface="Courier"/>
+              </a:rPr>
+              <a:t>,</a:t>
+            </a:r>
+            <a:r>
+              <a:rPr>
+                <a:solidFill>
+                  <a:srgbClr val="40A070"/>
+                </a:solidFill>
+                <a:latin typeface="Courier"/>
+              </a:rPr>
+              <a:t>2</a:t>
+            </a:r>
+            <a:r>
+              <a:rPr>
+                <a:latin typeface="Courier"/>
+              </a:rPr>
+              <a:t>], B[</a:t>
+            </a:r>
+            <a:r>
+              <a:rPr>
+                <a:solidFill>
+                  <a:srgbClr val="40A070"/>
+                </a:solidFill>
+                <a:latin typeface="Courier"/>
+              </a:rPr>
+              <a:t>2</a:t>
+            </a:r>
+            <a:r>
+              <a:rPr>
+                <a:latin typeface="Courier"/>
+              </a:rPr>
+              <a:t>,</a:t>
+            </a:r>
+            <a:r>
+              <a:rPr>
+                <a:solidFill>
+                  <a:srgbClr val="40A070"/>
+                </a:solidFill>
+                <a:latin typeface="Courier"/>
+              </a:rPr>
+              <a:t>1</a:t>
+            </a:r>
+            <a:r>
+              <a:rPr>
+                <a:latin typeface="Courier"/>
+              </a:rPr>
+              <a:t>]); </a:t>
+            </a:r>
+            <a:br/>
+            <a:br/>
+            <a:r>
+              <a:rPr>
+                <a:latin typeface="Courier"/>
+              </a:rPr>
+              <a:t>        C[</a:t>
+            </a:r>
+            <a:r>
+              <a:rPr>
+                <a:solidFill>
+                  <a:srgbClr val="40A070"/>
+                </a:solidFill>
+                <a:latin typeface="Courier"/>
+              </a:rPr>
+              <a:t>1</a:t>
+            </a:r>
+            <a:r>
+              <a:rPr>
+                <a:latin typeface="Courier"/>
+              </a:rPr>
+              <a:t>,</a:t>
+            </a:r>
+            <a:r>
+              <a:rPr>
+                <a:solidFill>
+                  <a:srgbClr val="40A070"/>
+                </a:solidFill>
+                <a:latin typeface="Courier"/>
+              </a:rPr>
+              <a:t>2</a:t>
+            </a:r>
+            <a:r>
+              <a:rPr>
+                <a:latin typeface="Courier"/>
+              </a:rPr>
+              <a:t>] </a:t>
+            </a:r>
+            <a:r>
+              <a:rPr>
+                <a:solidFill>
+                  <a:srgbClr val="007020"/>
+                </a:solidFill>
+                <a:latin typeface="Courier"/>
+              </a:rPr>
+              <a:t>=</a:t>
+            </a:r>
+            <a:r>
+              <a:rPr>
+                <a:latin typeface="Courier"/>
+              </a:rPr>
+              <a:t> MATRIX</a:t>
+            </a:r>
+            <a:r>
+              <a:rPr>
+                <a:solidFill>
+                  <a:srgbClr val="4070A0"/>
+                </a:solidFill>
+                <a:latin typeface="Courier"/>
+              </a:rPr>
+              <a:t>-</a:t>
+            </a:r>
+            <a:r>
+              <a:rPr>
+                <a:solidFill>
+                  <a:srgbClr val="06287E"/>
+                </a:solidFill>
+                <a:latin typeface="Courier"/>
+              </a:rPr>
+              <a:t>MULTIPLY</a:t>
+            </a:r>
+            <a:r>
+              <a:rPr>
+                <a:latin typeface="Courier"/>
+              </a:rPr>
+              <a:t> (A[</a:t>
+            </a:r>
+            <a:r>
+              <a:rPr>
+                <a:solidFill>
+                  <a:srgbClr val="40A070"/>
+                </a:solidFill>
+                <a:latin typeface="Courier"/>
+              </a:rPr>
+              <a:t>1</a:t>
+            </a:r>
+            <a:r>
+              <a:rPr>
+                <a:latin typeface="Courier"/>
+              </a:rPr>
+              <a:t>,</a:t>
+            </a:r>
+            <a:r>
+              <a:rPr>
+                <a:solidFill>
+                  <a:srgbClr val="40A070"/>
+                </a:solidFill>
+                <a:latin typeface="Courier"/>
+              </a:rPr>
+              <a:t>1</a:t>
+            </a:r>
+            <a:r>
+              <a:rPr>
+                <a:latin typeface="Courier"/>
+              </a:rPr>
+              <a:t>], B[</a:t>
+            </a:r>
+            <a:r>
+              <a:rPr>
+                <a:solidFill>
+                  <a:srgbClr val="40A070"/>
+                </a:solidFill>
+                <a:latin typeface="Courier"/>
+              </a:rPr>
+              <a:t>1</a:t>
+            </a:r>
+            <a:r>
+              <a:rPr>
+                <a:latin typeface="Courier"/>
+              </a:rPr>
+              <a:t>,</a:t>
+            </a:r>
+            <a:r>
+              <a:rPr>
+                <a:solidFill>
+                  <a:srgbClr val="40A070"/>
+                </a:solidFill>
+                <a:latin typeface="Courier"/>
+              </a:rPr>
+              <a:t>2</a:t>
+            </a:r>
+            <a:r>
+              <a:rPr>
+                <a:latin typeface="Courier"/>
+              </a:rPr>
+              <a:t>]) </a:t>
+            </a:r>
+            <a:r>
+              <a:rPr>
+                <a:solidFill>
+                  <a:srgbClr val="4070A0"/>
+                </a:solidFill>
+                <a:latin typeface="Courier"/>
+              </a:rPr>
+              <a:t>+</a:t>
+            </a:r>
+            <a:r>
+              <a:rPr>
+                <a:latin typeface="Courier"/>
+              </a:rPr>
+              <a:t> </a:t>
+            </a:r>
+            <a:br/>
+            <a:r>
+              <a:rPr>
+                <a:latin typeface="Courier"/>
+              </a:rPr>
+              <a:t>                MATRIX</a:t>
+            </a:r>
+            <a:r>
+              <a:rPr>
+                <a:solidFill>
+                  <a:srgbClr val="4070A0"/>
+                </a:solidFill>
+                <a:latin typeface="Courier"/>
+              </a:rPr>
+              <a:t>-</a:t>
+            </a:r>
+            <a:r>
+              <a:rPr>
+                <a:solidFill>
+                  <a:srgbClr val="06287E"/>
+                </a:solidFill>
+                <a:latin typeface="Courier"/>
+              </a:rPr>
+              <a:t>MULTIPLY</a:t>
+            </a:r>
+            <a:r>
+              <a:rPr>
+                <a:latin typeface="Courier"/>
+              </a:rPr>
+              <a:t> (A[</a:t>
+            </a:r>
+            <a:r>
+              <a:rPr>
+                <a:solidFill>
+                  <a:srgbClr val="40A070"/>
+                </a:solidFill>
+                <a:latin typeface="Courier"/>
+              </a:rPr>
+              <a:t>1</a:t>
+            </a:r>
+            <a:r>
+              <a:rPr>
+                <a:latin typeface="Courier"/>
+              </a:rPr>
+              <a:t>,</a:t>
+            </a:r>
+            <a:r>
+              <a:rPr>
+                <a:solidFill>
+                  <a:srgbClr val="40A070"/>
+                </a:solidFill>
+                <a:latin typeface="Courier"/>
+              </a:rPr>
+              <a:t>2</a:t>
+            </a:r>
+            <a:r>
+              <a:rPr>
+                <a:latin typeface="Courier"/>
+              </a:rPr>
+              <a:t>], B[</a:t>
+            </a:r>
+            <a:r>
+              <a:rPr>
+                <a:solidFill>
+                  <a:srgbClr val="40A070"/>
+                </a:solidFill>
+                <a:latin typeface="Courier"/>
+              </a:rPr>
+              <a:t>2</a:t>
+            </a:r>
+            <a:r>
+              <a:rPr>
+                <a:latin typeface="Courier"/>
+              </a:rPr>
+              <a:t>,</a:t>
+            </a:r>
+            <a:r>
+              <a:rPr>
+                <a:solidFill>
+                  <a:srgbClr val="40A070"/>
+                </a:solidFill>
+                <a:latin typeface="Courier"/>
+              </a:rPr>
+              <a:t>2</a:t>
+            </a:r>
+            <a:r>
+              <a:rPr>
+                <a:latin typeface="Courier"/>
+              </a:rPr>
+              <a:t>]); </a:t>
+            </a:r>
+            <a:br/>
+            <a:br/>
+            <a:r>
+              <a:rPr>
+                <a:latin typeface="Courier"/>
+              </a:rPr>
+              <a:t>        C[</a:t>
+            </a:r>
+            <a:r>
+              <a:rPr>
+                <a:solidFill>
+                  <a:srgbClr val="40A070"/>
+                </a:solidFill>
+                <a:latin typeface="Courier"/>
+              </a:rPr>
+              <a:t>2</a:t>
+            </a:r>
+            <a:r>
+              <a:rPr>
+                <a:latin typeface="Courier"/>
+              </a:rPr>
+              <a:t>,</a:t>
+            </a:r>
+            <a:r>
+              <a:rPr>
+                <a:solidFill>
+                  <a:srgbClr val="40A070"/>
+                </a:solidFill>
+                <a:latin typeface="Courier"/>
+              </a:rPr>
+              <a:t>1</a:t>
+            </a:r>
+            <a:r>
+              <a:rPr>
+                <a:latin typeface="Courier"/>
+              </a:rPr>
+              <a:t>] </a:t>
+            </a:r>
+            <a:r>
+              <a:rPr>
+                <a:solidFill>
+                  <a:srgbClr val="007020"/>
+                </a:solidFill>
+                <a:latin typeface="Courier"/>
+              </a:rPr>
+              <a:t>=</a:t>
+            </a:r>
+            <a:r>
+              <a:rPr>
+                <a:latin typeface="Courier"/>
+              </a:rPr>
+              <a:t> MATRIX</a:t>
+            </a:r>
+            <a:r>
+              <a:rPr>
+                <a:solidFill>
+                  <a:srgbClr val="4070A0"/>
+                </a:solidFill>
+                <a:latin typeface="Courier"/>
+              </a:rPr>
+              <a:t>-</a:t>
+            </a:r>
+            <a:r>
+              <a:rPr>
+                <a:solidFill>
+                  <a:srgbClr val="06287E"/>
+                </a:solidFill>
+                <a:latin typeface="Courier"/>
+              </a:rPr>
+              <a:t>MULTIPLY</a:t>
+            </a:r>
+            <a:r>
+              <a:rPr>
+                <a:latin typeface="Courier"/>
+              </a:rPr>
+              <a:t> (A[</a:t>
+            </a:r>
+            <a:r>
+              <a:rPr>
+                <a:solidFill>
+                  <a:srgbClr val="40A070"/>
+                </a:solidFill>
+                <a:latin typeface="Courier"/>
+              </a:rPr>
+              <a:t>2</a:t>
+            </a:r>
+            <a:r>
+              <a:rPr>
+                <a:latin typeface="Courier"/>
+              </a:rPr>
+              <a:t>,</a:t>
+            </a:r>
+            <a:r>
+              <a:rPr>
+                <a:solidFill>
+                  <a:srgbClr val="40A070"/>
+                </a:solidFill>
+                <a:latin typeface="Courier"/>
+              </a:rPr>
+              <a:t>1</a:t>
+            </a:r>
+            <a:r>
+              <a:rPr>
+                <a:latin typeface="Courier"/>
+              </a:rPr>
+              <a:t>], B[</a:t>
+            </a:r>
+            <a:r>
+              <a:rPr>
+                <a:solidFill>
+                  <a:srgbClr val="40A070"/>
+                </a:solidFill>
+                <a:latin typeface="Courier"/>
+              </a:rPr>
+              <a:t>1</a:t>
+            </a:r>
+            <a:r>
+              <a:rPr>
+                <a:latin typeface="Courier"/>
+              </a:rPr>
+              <a:t>,</a:t>
+            </a:r>
+            <a:r>
+              <a:rPr>
+                <a:solidFill>
+                  <a:srgbClr val="40A070"/>
+                </a:solidFill>
+                <a:latin typeface="Courier"/>
+              </a:rPr>
+              <a:t>1</a:t>
+            </a:r>
+            <a:r>
+              <a:rPr>
+                <a:latin typeface="Courier"/>
+              </a:rPr>
+              <a:t>]) </a:t>
+            </a:r>
+            <a:r>
+              <a:rPr>
+                <a:solidFill>
+                  <a:srgbClr val="4070A0"/>
+                </a:solidFill>
+                <a:latin typeface="Courier"/>
+              </a:rPr>
+              <a:t>+</a:t>
+            </a:r>
+            <a:r>
+              <a:rPr>
+                <a:latin typeface="Courier"/>
+              </a:rPr>
+              <a:t> </a:t>
+            </a:r>
+            <a:br/>
+            <a:r>
+              <a:rPr>
+                <a:latin typeface="Courier"/>
+              </a:rPr>
+              <a:t>        MATRIX</a:t>
+            </a:r>
+            <a:r>
+              <a:rPr>
+                <a:solidFill>
+                  <a:srgbClr val="4070A0"/>
+                </a:solidFill>
+                <a:latin typeface="Courier"/>
+              </a:rPr>
+              <a:t>-</a:t>
+            </a:r>
+            <a:r>
+              <a:rPr>
+                <a:solidFill>
+                  <a:srgbClr val="06287E"/>
+                </a:solidFill>
+                <a:latin typeface="Courier"/>
+              </a:rPr>
+              <a:t>MULTIPLY</a:t>
+            </a:r>
+            <a:r>
+              <a:rPr>
+                <a:latin typeface="Courier"/>
+              </a:rPr>
+              <a:t> (A[</a:t>
+            </a:r>
+            <a:r>
+              <a:rPr>
+                <a:solidFill>
+                  <a:srgbClr val="40A070"/>
+                </a:solidFill>
+                <a:latin typeface="Courier"/>
+              </a:rPr>
+              <a:t>2</a:t>
+            </a:r>
+            <a:r>
+              <a:rPr>
+                <a:latin typeface="Courier"/>
+              </a:rPr>
+              <a:t>,</a:t>
+            </a:r>
+            <a:r>
+              <a:rPr>
+                <a:solidFill>
+                  <a:srgbClr val="40A070"/>
+                </a:solidFill>
+                <a:latin typeface="Courier"/>
+              </a:rPr>
+              <a:t>2</a:t>
+            </a:r>
+            <a:r>
+              <a:rPr>
+                <a:latin typeface="Courier"/>
+              </a:rPr>
+              <a:t>], B[</a:t>
+            </a:r>
+            <a:r>
+              <a:rPr>
+                <a:solidFill>
+                  <a:srgbClr val="40A070"/>
+                </a:solidFill>
+                <a:latin typeface="Courier"/>
+              </a:rPr>
+              <a:t>2</a:t>
+            </a:r>
+            <a:r>
+              <a:rPr>
+                <a:latin typeface="Courier"/>
+              </a:rPr>
+              <a:t>,</a:t>
+            </a:r>
+            <a:r>
+              <a:rPr>
+                <a:solidFill>
+                  <a:srgbClr val="40A070"/>
+                </a:solidFill>
+                <a:latin typeface="Courier"/>
+              </a:rPr>
+              <a:t>1</a:t>
+            </a:r>
+            <a:r>
+              <a:rPr>
+                <a:latin typeface="Courier"/>
+              </a:rPr>
+              <a:t>]);</a:t>
+            </a:r>
+            <a:br/>
+            <a:br/>
+            <a:r>
+              <a:rPr>
+                <a:latin typeface="Courier"/>
+              </a:rPr>
+              <a:t>        C[</a:t>
+            </a:r>
+            <a:r>
+              <a:rPr>
+                <a:solidFill>
+                  <a:srgbClr val="40A070"/>
+                </a:solidFill>
+                <a:latin typeface="Courier"/>
+              </a:rPr>
+              <a:t>2</a:t>
+            </a:r>
+            <a:r>
+              <a:rPr>
+                <a:latin typeface="Courier"/>
+              </a:rPr>
+              <a:t>,</a:t>
+            </a:r>
+            <a:r>
+              <a:rPr>
+                <a:solidFill>
+                  <a:srgbClr val="40A070"/>
+                </a:solidFill>
+                <a:latin typeface="Courier"/>
+              </a:rPr>
+              <a:t>2</a:t>
+            </a:r>
+            <a:r>
+              <a:rPr>
+                <a:latin typeface="Courier"/>
+              </a:rPr>
+              <a:t>] </a:t>
+            </a:r>
+            <a:r>
+              <a:rPr>
+                <a:solidFill>
+                  <a:srgbClr val="007020"/>
+                </a:solidFill>
+                <a:latin typeface="Courier"/>
+              </a:rPr>
+              <a:t>=</a:t>
+            </a:r>
+            <a:r>
+              <a:rPr>
+                <a:latin typeface="Courier"/>
+              </a:rPr>
+              <a:t> MATRIX</a:t>
+            </a:r>
+            <a:r>
+              <a:rPr>
+                <a:solidFill>
+                  <a:srgbClr val="4070A0"/>
+                </a:solidFill>
+                <a:latin typeface="Courier"/>
+              </a:rPr>
+              <a:t>-</a:t>
+            </a:r>
+            <a:r>
+              <a:rPr>
+                <a:solidFill>
+                  <a:srgbClr val="06287E"/>
+                </a:solidFill>
+                <a:latin typeface="Courier"/>
+              </a:rPr>
+              <a:t>MULTIPLY</a:t>
+            </a:r>
+            <a:r>
+              <a:rPr>
+                <a:latin typeface="Courier"/>
+              </a:rPr>
+              <a:t> (A[</a:t>
+            </a:r>
+            <a:r>
+              <a:rPr>
+                <a:solidFill>
+                  <a:srgbClr val="40A070"/>
+                </a:solidFill>
+                <a:latin typeface="Courier"/>
+              </a:rPr>
+              <a:t>2</a:t>
+            </a:r>
+            <a:r>
+              <a:rPr>
+                <a:latin typeface="Courier"/>
+              </a:rPr>
+              <a:t>,</a:t>
+            </a:r>
+            <a:r>
+              <a:rPr>
+                <a:solidFill>
+                  <a:srgbClr val="40A070"/>
+                </a:solidFill>
+                <a:latin typeface="Courier"/>
+              </a:rPr>
+              <a:t>1</a:t>
+            </a:r>
+            <a:r>
+              <a:rPr>
+                <a:latin typeface="Courier"/>
+              </a:rPr>
+              <a:t>], B[</a:t>
+            </a:r>
+            <a:r>
+              <a:rPr>
+                <a:solidFill>
+                  <a:srgbClr val="40A070"/>
+                </a:solidFill>
+                <a:latin typeface="Courier"/>
+              </a:rPr>
+              <a:t>1</a:t>
+            </a:r>
+            <a:r>
+              <a:rPr>
+                <a:latin typeface="Courier"/>
+              </a:rPr>
+              <a:t>,</a:t>
+            </a:r>
+            <a:r>
+              <a:rPr>
+                <a:solidFill>
+                  <a:srgbClr val="40A070"/>
+                </a:solidFill>
+                <a:latin typeface="Courier"/>
+              </a:rPr>
+              <a:t>2</a:t>
+            </a:r>
+            <a:r>
+              <a:rPr>
+                <a:latin typeface="Courier"/>
+              </a:rPr>
+              <a:t>]) </a:t>
+            </a:r>
+            <a:r>
+              <a:rPr>
+                <a:solidFill>
+                  <a:srgbClr val="4070A0"/>
+                </a:solidFill>
+                <a:latin typeface="Courier"/>
+              </a:rPr>
+              <a:t>+</a:t>
+            </a:r>
+            <a:r>
+              <a:rPr>
+                <a:latin typeface="Courier"/>
+              </a:rPr>
+              <a:t> </a:t>
+            </a:r>
+            <a:br/>
+            <a:r>
+              <a:rPr>
+                <a:latin typeface="Courier"/>
+              </a:rPr>
+              <a:t>        MATRIX</a:t>
+            </a:r>
+            <a:r>
+              <a:rPr>
+                <a:solidFill>
+                  <a:srgbClr val="4070A0"/>
+                </a:solidFill>
+                <a:latin typeface="Courier"/>
+              </a:rPr>
+              <a:t>-</a:t>
+            </a:r>
+            <a:r>
+              <a:rPr>
+                <a:solidFill>
+                  <a:srgbClr val="06287E"/>
+                </a:solidFill>
+                <a:latin typeface="Courier"/>
+              </a:rPr>
+              <a:t>MULTIPLY</a:t>
+            </a:r>
+            <a:r>
+              <a:rPr>
+                <a:latin typeface="Courier"/>
+              </a:rPr>
+              <a:t> (A[</a:t>
+            </a:r>
+            <a:r>
+              <a:rPr>
+                <a:solidFill>
+                  <a:srgbClr val="40A070"/>
+                </a:solidFill>
+                <a:latin typeface="Courier"/>
+              </a:rPr>
+              <a:t>2</a:t>
+            </a:r>
+            <a:r>
+              <a:rPr>
+                <a:latin typeface="Courier"/>
+              </a:rPr>
+              <a:t>,</a:t>
+            </a:r>
+            <a:r>
+              <a:rPr>
+                <a:solidFill>
+                  <a:srgbClr val="40A070"/>
+                </a:solidFill>
+                <a:latin typeface="Courier"/>
+              </a:rPr>
+              <a:t>2</a:t>
+            </a:r>
+            <a:r>
+              <a:rPr>
+                <a:latin typeface="Courier"/>
+              </a:rPr>
+              <a:t>], B[</a:t>
+            </a:r>
+            <a:r>
+              <a:rPr>
+                <a:solidFill>
+                  <a:srgbClr val="40A070"/>
+                </a:solidFill>
+                <a:latin typeface="Courier"/>
+              </a:rPr>
+              <a:t>2</a:t>
+            </a:r>
+            <a:r>
+              <a:rPr>
+                <a:latin typeface="Courier"/>
+              </a:rPr>
+              <a:t>,</a:t>
+            </a:r>
+            <a:r>
+              <a:rPr>
+                <a:solidFill>
+                  <a:srgbClr val="40A070"/>
+                </a:solidFill>
+                <a:latin typeface="Courier"/>
+              </a:rPr>
+              <a:t>2</a:t>
+            </a:r>
+            <a:r>
+              <a:rPr>
+                <a:latin typeface="Courier"/>
+              </a:rPr>
+              <a:t>]);</a:t>
+            </a:r>
+            <a:br/>
+            <a:r>
+              <a:rPr>
+                <a:latin typeface="Courier"/>
+              </a:rPr>
+              <a:t>    endif      </a:t>
+            </a:r>
+            <a:br/>
+            <a:br/>
+            <a:r>
+              <a:rPr>
+                <a:latin typeface="Courier"/>
+              </a:rPr>
+              <a:t>    return C</a:t>
+            </a:r>
+          </a:p>
+        </p:txBody>
+      </p:sp>
+    </p:spTree>
+  </p:cSld>
+</p:sld>
+</file>
+
+<file path=ppt/slides/slide15.xml><?xml version="1.0" encoding="utf-8"?>
+<p:sld xmlns:a="http://schemas.openxmlformats.org/drawingml/2006/main" xmlns:r="http://schemas.openxmlformats.org/officeDocument/2006/relationships" xmlns:p="http://schemas.openxmlformats.org/presentationml/2006/main">
+  <p:cSld>
+    <p:spTree>
+      <p:nvGrpSpPr>
+        <p:cNvPr id="1" name=""/>
+        <p:cNvGrpSpPr/>
+        <p:nvPr/>
+      </p:nvGrpSpPr>
+      <p:grpSpPr>
+        <a:xfrm>
+          <a:off x="0" y="0"/>
+          <a:ext cx="0" cy="0"/>
+          <a:chOff x="0" y="0"/>
+          <a:chExt cx="0" cy="0"/>
+        </a:xfrm>
+      </p:grpSpPr>
+      <p:sp>
+        <p:nvSpPr>
+          <p:cNvPr id="2" name="Title 1"/>
+          <p:cNvSpPr>
+            <a:spLocks noGrp="1"/>
+          </p:cNvSpPr>
+          <p:nvPr>
+            <p:ph type="title"/>
+          </p:nvPr>
+        </p:nvSpPr>
+        <p:spPr/>
+        <p:txBody>
+          <a:bodyPr/>
+          <a:lstStyle/>
+          <a:p>
+            <a:pPr lvl="0" indent="0" marL="0">
+              <a:buNone/>
+            </a:pPr>
+            <a:r>
+              <a:rPr/>
+              <a:t>Matrix Multiplication: Divide &amp; Conquer Analysis</a:t>
+            </a:r>
+          </a:p>
+        </p:txBody>
+      </p:sp>
+      <mc:AlternateContent xmlns:mc="http://schemas.openxmlformats.org/markup-compatibility/2006">
+        <mc:Choice xmlns:a14="http://schemas.microsoft.com/office/drawing/2010/main" Requires="a14">
+          <p:sp>
+            <p:nvSpPr>
+              <p:cNvPr id="3" name="Content Placeholder 2"/>
+              <p:cNvSpPr>
+                <a:spLocks noGrp="1"/>
+              </p:cNvSpPr>
+              <p:nvPr>
+                <p:ph idx="1"/>
+              </p:nvPr>
+            </p:nvSpPr>
+            <p:spPr/>
+            <p:txBody>
+              <a:bodyPr/>
+              <a:lstStyle/>
+              <a:p>
+                <a:pPr lvl="0" indent="0" marL="0">
+                  <a:buNone/>
+                </a:pPr>
+                <a14:m>
+                  <m:oMath xmlns:m="http://schemas.openxmlformats.org/officeDocument/2006/math">
+                    <m:r>
+                      <m:t>T</m:t>
+                    </m:r>
+                    <m:d>
+                      <m:dPr>
+                        <m:begChr m:val="("/>
+                        <m:endChr m:val=")"/>
+                        <m:sepChr m:val=""/>
+                        <m:grow/>
+                      </m:dPr>
+                      <m:e>
+                        <m:r>
+                          <m:t>n</m:t>
+                        </m:r>
+                      </m:e>
+                    </m:d>
+                    <m:r>
+                      <m:rPr>
+                        <m:sty m:val="p"/>
+                      </m:rPr>
+                      <m:t>=</m:t>
+                    </m:r>
+                    <m:r>
+                      <m:t>8</m:t>
+                    </m:r>
+                    <m:r>
+                      <m:t>T</m:t>
+                    </m:r>
+                    <m:d>
+                      <m:dPr>
+                        <m:begChr m:val="("/>
+                        <m:endChr m:val=")"/>
+                        <m:sepChr m:val=""/>
+                        <m:grow/>
+                      </m:dPr>
+                      <m:e>
+                        <m:r>
+                          <m:t>n</m:t>
+                        </m:r>
+                        <m:r>
+                          <m:rPr>
+                            <m:sty m:val="p"/>
+                          </m:rPr>
+                          <m:t>/</m:t>
+                        </m:r>
+                        <m:r>
+                          <m:t>2</m:t>
+                        </m:r>
+                      </m:e>
+                    </m:d>
+                    <m:r>
+                      <m:rPr>
+                        <m:sty m:val="p"/>
+                      </m:rPr>
+                      <m:t>+</m:t>
+                    </m:r>
+                    <m:r>
+                      <m:t>Θ</m:t>
+                    </m:r>
+                    <m:d>
+                      <m:dPr>
+                        <m:begChr m:val="("/>
+                        <m:endChr m:val=")"/>
+                        <m:sepChr m:val=""/>
+                        <m:grow/>
+                      </m:dPr>
+                      <m:e>
+                        <m:sSup>
+                          <m:e>
+                            <m:r>
+                              <m:t>n</m:t>
+                            </m:r>
+                          </m:e>
+                          <m:sup>
+                            <m:r>
+                              <m:t>2</m:t>
+                            </m:r>
+                          </m:sup>
+                        </m:sSup>
+                      </m:e>
+                    </m:d>
+                  </m:oMath>
+                </a14:m>
+              </a:p>
+              <a:p>
+                <a:pPr lvl="0"/>
+                <a14:m>
+                  <m:oMath xmlns:m="http://schemas.openxmlformats.org/officeDocument/2006/math">
+                    <m:r>
+                      <m:t>8</m:t>
+                    </m:r>
+                  </m:oMath>
+                </a14:m>
+                <a:r>
+                  <a:rPr/>
+                  <a:t> recursive calls </a:t>
+                </a:r>
+                <a14:m>
+                  <m:oMath xmlns:m="http://schemas.openxmlformats.org/officeDocument/2006/math">
+                    <m:r>
+                      <m:rPr>
+                        <m:sty m:val="p"/>
+                      </m:rPr>
+                      <m:t>⇒</m:t>
+                    </m:r>
+                    <m:r>
+                      <m:t>8</m:t>
+                    </m:r>
+                    <m:r>
+                      <m:t>T</m:t>
+                    </m:r>
+                    <m:d>
+                      <m:dPr>
+                        <m:begChr m:val="("/>
+                        <m:endChr m:val=")"/>
+                        <m:sepChr m:val=""/>
+                        <m:grow/>
+                      </m:dPr>
+                      <m:e>
+                        <m:r>
+                          <m:rPr>
+                            <m:sty m:val="p"/>
+                          </m:rPr>
+                          <m:t>⋯</m:t>
+                        </m:r>
+                      </m:e>
+                    </m:d>
+                  </m:oMath>
+                </a14:m>
+              </a:p>
+              <a:p>
+                <a:pPr lvl="0"/>
+                <a:r>
+                  <a:rPr/>
+                  <a:t>each problem has size </a:t>
+                </a:r>
+                <a14:m>
+                  <m:oMath xmlns:m="http://schemas.openxmlformats.org/officeDocument/2006/math">
+                    <m:r>
+                      <m:t>n</m:t>
+                    </m:r>
+                    <m:r>
+                      <m:rPr>
+                        <m:sty m:val="p"/>
+                      </m:rPr>
+                      <m:t>/</m:t>
+                    </m:r>
+                    <m:r>
+                      <m:t>2</m:t>
+                    </m:r>
+                  </m:oMath>
+                </a14:m>
+                <a:r>
+                  <a:rPr/>
+                  <a:t> </a:t>
+                </a:r>
+                <a14:m>
+                  <m:oMath xmlns:m="http://schemas.openxmlformats.org/officeDocument/2006/math">
+                    <m:r>
+                      <m:rPr>
+                        <m:sty m:val="p"/>
+                      </m:rPr>
+                      <m:t>⇒</m:t>
+                    </m:r>
+                    <m:r>
+                      <m:rPr>
+                        <m:sty m:val="p"/>
+                      </m:rPr>
+                      <m:t>⋯</m:t>
+                    </m:r>
+                    <m:r>
+                      <m:t>T</m:t>
+                    </m:r>
+                    <m:d>
+                      <m:dPr>
+                        <m:begChr m:val="("/>
+                        <m:endChr m:val=")"/>
+                        <m:sepChr m:val=""/>
+                        <m:grow/>
+                      </m:dPr>
+                      <m:e>
+                        <m:r>
+                          <m:t>n</m:t>
+                        </m:r>
+                        <m:r>
+                          <m:rPr>
+                            <m:sty m:val="p"/>
+                          </m:rPr>
+                          <m:t>/</m:t>
+                        </m:r>
+                        <m:r>
+                          <m:t>2</m:t>
+                        </m:r>
+                      </m:e>
+                    </m:d>
+                  </m:oMath>
+                </a14:m>
+              </a:p>
+              <a:p>
+                <a:pPr lvl="0"/>
+                <a:r>
+                  <a:rPr/>
+                  <a:t>Submatrix addition </a:t>
+                </a:r>
+                <a14:m>
+                  <m:oMath xmlns:m="http://schemas.openxmlformats.org/officeDocument/2006/math">
+                    <m:r>
+                      <m:rPr>
+                        <m:sty m:val="p"/>
+                      </m:rPr>
+                      <m:t>⇒</m:t>
+                    </m:r>
+                    <m:r>
+                      <m:t>Θ</m:t>
+                    </m:r>
+                    <m:d>
+                      <m:dPr>
+                        <m:begChr m:val="("/>
+                        <m:endChr m:val=")"/>
+                        <m:sepChr m:val=""/>
+                        <m:grow/>
+                      </m:dPr>
+                      <m:e>
+                        <m:sSup>
+                          <m:e>
+                            <m:r>
+                              <m:t>n</m:t>
+                            </m:r>
+                          </m:e>
+                          <m:sup>
+                            <m:r>
+                              <m:t>2</m:t>
+                            </m:r>
+                          </m:sup>
+                        </m:sSup>
+                      </m:e>
+                    </m:d>
+                  </m:oMath>
+                </a14:m>
+              </a:p>
+            </p:txBody>
+          </p:sp>
+        </mc:Choice>
+      </mc:AlternateContent>
+    </p:spTree>
+  </p:cSld>
+</p:sld>
+</file>
+
+<file path=ppt/slides/slide16.xml><?xml version="1.0" encoding="utf-8"?>
+<p:sld xmlns:a="http://schemas.openxmlformats.org/drawingml/2006/main" xmlns:r="http://schemas.openxmlformats.org/officeDocument/2006/relationships" xmlns:p="http://schemas.openxmlformats.org/presentationml/2006/main">
+  <p:cSld>
+    <p:spTree>
+      <p:nvGrpSpPr>
+        <p:cNvPr id="1" name=""/>
+        <p:cNvGrpSpPr/>
+        <p:nvPr/>
+      </p:nvGrpSpPr>
+      <p:grpSpPr>
+        <a:xfrm>
+          <a:off x="0" y="0"/>
+          <a:ext cx="0" cy="0"/>
+          <a:chOff x="0" y="0"/>
+          <a:chExt cx="0" cy="0"/>
+        </a:xfrm>
+      </p:grpSpPr>
+      <p:sp>
+        <p:nvSpPr>
+          <p:cNvPr id="2" name="Title 1"/>
+          <p:cNvSpPr>
+            <a:spLocks noGrp="1"/>
+          </p:cNvSpPr>
+          <p:nvPr>
+            <p:ph type="title"/>
+          </p:nvPr>
+        </p:nvSpPr>
+        <p:spPr/>
+        <p:txBody>
+          <a:bodyPr/>
+          <a:lstStyle/>
+          <a:p>
+            <a:pPr lvl="0" indent="0" marL="0">
+              <a:buNone/>
+            </a:pPr>
+            <a:r>
+              <a:rPr/>
+              <a:t>Matrix Multiplication: Solving the Recurrence</a:t>
+            </a:r>
+          </a:p>
+        </p:txBody>
+      </p:sp>
+      <mc:AlternateContent xmlns:mc="http://schemas.openxmlformats.org/markup-compatibility/2006">
+        <mc:Choice xmlns:a14="http://schemas.microsoft.com/office/drawing/2010/main" Requires="a14">
+          <p:sp>
+            <p:nvSpPr>
+              <p:cNvPr id="3" name="Content Placeholder 2"/>
+              <p:cNvSpPr>
+                <a:spLocks noGrp="1"/>
+              </p:cNvSpPr>
+              <p:nvPr>
+                <p:ph idx="1"/>
+              </p:nvPr>
+            </p:nvSpPr>
+            <p:spPr/>
+            <p:txBody>
+              <a:bodyPr/>
+              <a:lstStyle/>
+              <a:p>
+                <a:pPr lvl="0"/>
+                <a14:m>
+                  <m:oMath xmlns:m="http://schemas.openxmlformats.org/officeDocument/2006/math">
+                    <m:r>
+                      <m:t>T</m:t>
+                    </m:r>
+                    <m:d>
+                      <m:dPr>
+                        <m:begChr m:val="("/>
+                        <m:endChr m:val=")"/>
+                        <m:sepChr m:val=""/>
+                        <m:grow/>
+                      </m:dPr>
+                      <m:e>
+                        <m:r>
+                          <m:t>n</m:t>
+                        </m:r>
+                      </m:e>
+                    </m:d>
+                    <m:r>
+                      <m:rPr>
+                        <m:sty m:val="p"/>
+                      </m:rPr>
+                      <m:t>=</m:t>
+                    </m:r>
+                    <m:r>
+                      <m:t>8</m:t>
+                    </m:r>
+                    <m:r>
+                      <m:t>T</m:t>
+                    </m:r>
+                    <m:d>
+                      <m:dPr>
+                        <m:begChr m:val="("/>
+                        <m:endChr m:val=")"/>
+                        <m:sepChr m:val=""/>
+                        <m:grow/>
+                      </m:dPr>
+                      <m:e>
+                        <m:r>
+                          <m:t>n</m:t>
+                        </m:r>
+                        <m:r>
+                          <m:rPr>
+                            <m:sty m:val="p"/>
+                          </m:rPr>
+                          <m:t>/</m:t>
+                        </m:r>
+                        <m:r>
+                          <m:t>2</m:t>
+                        </m:r>
+                      </m:e>
+                    </m:d>
+                    <m:r>
+                      <m:rPr>
+                        <m:sty m:val="p"/>
+                      </m:rPr>
+                      <m:t>+</m:t>
+                    </m:r>
+                    <m:r>
+                      <m:t>Θ</m:t>
+                    </m:r>
+                    <m:d>
+                      <m:dPr>
+                        <m:begChr m:val="("/>
+                        <m:endChr m:val=")"/>
+                        <m:sepChr m:val=""/>
+                        <m:grow/>
+                      </m:dPr>
+                      <m:e>
+                        <m:sSup>
+                          <m:e>
+                            <m:r>
+                              <m:t>n</m:t>
+                            </m:r>
+                          </m:e>
+                          <m:sup>
+                            <m:r>
+                              <m:t>2</m:t>
+                            </m:r>
+                          </m:sup>
+                        </m:sSup>
+                      </m:e>
+                    </m:d>
+                  </m:oMath>
+                </a14:m>
+              </a:p>
+              <a:p>
+                <a:pPr lvl="1"/>
+                <a14:m>
+                  <m:oMath xmlns:m="http://schemas.openxmlformats.org/officeDocument/2006/math">
+                    <m:r>
+                      <m:t>a</m:t>
+                    </m:r>
+                    <m:r>
+                      <m:rPr>
+                        <m:sty m:val="p"/>
+                      </m:rPr>
+                      <m:t>=</m:t>
+                    </m:r>
+                    <m:r>
+                      <m:t>8</m:t>
+                    </m:r>
+                  </m:oMath>
+                </a14:m>
+                <a:r>
+                  <a:rPr/>
+                  <a:t>, </a:t>
+                </a:r>
+                <a14:m>
+                  <m:oMath xmlns:m="http://schemas.openxmlformats.org/officeDocument/2006/math">
+                    <m:r>
+                      <m:t>b</m:t>
+                    </m:r>
+                    <m:r>
+                      <m:rPr>
+                        <m:sty m:val="p"/>
+                      </m:rPr>
+                      <m:t>=</m:t>
+                    </m:r>
+                    <m:r>
+                      <m:t>2</m:t>
+                    </m:r>
+                  </m:oMath>
+                </a14:m>
+              </a:p>
+              <a:p>
+                <a:pPr lvl="1"/>
+                <a14:m>
+                  <m:oMath xmlns:m="http://schemas.openxmlformats.org/officeDocument/2006/math">
+                    <m:r>
+                      <m:t>f</m:t>
+                    </m:r>
+                    <m:d>
+                      <m:dPr>
+                        <m:begChr m:val="("/>
+                        <m:endChr m:val=")"/>
+                        <m:sepChr m:val=""/>
+                        <m:grow/>
+                      </m:dPr>
+                      <m:e>
+                        <m:r>
+                          <m:t>n</m:t>
+                        </m:r>
+                      </m:e>
+                    </m:d>
+                    <m:r>
+                      <m:rPr>
+                        <m:sty m:val="p"/>
+                      </m:rPr>
+                      <m:t>=</m:t>
+                    </m:r>
+                    <m:r>
+                      <m:t>Θ</m:t>
+                    </m:r>
+                    <m:d>
+                      <m:dPr>
+                        <m:begChr m:val="("/>
+                        <m:endChr m:val=")"/>
+                        <m:sepChr m:val=""/>
+                        <m:grow/>
+                      </m:dPr>
+                      <m:e>
+                        <m:sSup>
+                          <m:e>
+                            <m:r>
+                              <m:t>n</m:t>
+                            </m:r>
+                          </m:e>
+                          <m:sup>
+                            <m:r>
+                              <m:t>2</m:t>
+                            </m:r>
+                          </m:sup>
+                        </m:sSup>
+                      </m:e>
+                    </m:d>
+                  </m:oMath>
+                </a14:m>
+              </a:p>
+              <a:p>
+                <a:pPr lvl="1"/>
+                <a14:m>
+                  <m:oMath xmlns:m="http://schemas.openxmlformats.org/officeDocument/2006/math">
+                    <m:sSup>
+                      <m:e>
+                        <m:r>
+                          <m:t>n</m:t>
+                        </m:r>
+                      </m:e>
+                      <m:sup>
+                        <m:r>
+                          <m:t>l</m:t>
+                        </m:r>
+                        <m:r>
+                          <m:t>o</m:t>
+                        </m:r>
+                        <m:sSubSup>
+                          <m:e>
+                            <m:r>
+                              <m:t>g</m:t>
+                            </m:r>
+                          </m:e>
+                          <m:sub>
+                            <m:r>
+                              <m:t>b</m:t>
+                            </m:r>
+                          </m:sub>
+                          <m:sup>
+                            <m:r>
+                              <m:t>a</m:t>
+                            </m:r>
+                          </m:sup>
+                        </m:sSubSup>
+                      </m:sup>
+                    </m:sSup>
+                    <m:r>
+                      <m:rPr>
+                        <m:sty m:val="p"/>
+                      </m:rPr>
+                      <m:t>=</m:t>
+                    </m:r>
+                    <m:sSup>
+                      <m:e>
+                        <m:r>
+                          <m:t>n</m:t>
+                        </m:r>
+                      </m:e>
+                      <m:sup>
+                        <m:r>
+                          <m:t>3</m:t>
+                        </m:r>
+                      </m:sup>
+                    </m:sSup>
+                  </m:oMath>
+                </a14:m>
+              </a:p>
+              <a:p>
+                <a:pPr lvl="0"/>
+                <a:r>
+                  <a:rPr/>
+                  <a:t>Case 1: </a:t>
+                </a:r>
+                <a14:m>
+                  <m:oMath xmlns:m="http://schemas.openxmlformats.org/officeDocument/2006/math">
+                    <m:f>
+                      <m:fPr>
+                        <m:type m:val="bar"/>
+                      </m:fPr>
+                      <m:num>
+                        <m:sSup>
+                          <m:e>
+                            <m:r>
+                              <m:t>n</m:t>
+                            </m:r>
+                          </m:e>
+                          <m:sup>
+                            <m:r>
+                              <m:t>l</m:t>
+                            </m:r>
+                            <m:r>
+                              <m:t>o</m:t>
+                            </m:r>
+                            <m:sSubSup>
+                              <m:e>
+                                <m:r>
+                                  <m:t>g</m:t>
+                                </m:r>
+                              </m:e>
+                              <m:sub>
+                                <m:r>
+                                  <m:t>b</m:t>
+                                </m:r>
+                              </m:sub>
+                              <m:sup>
+                                <m:r>
+                                  <m:t>a</m:t>
+                                </m:r>
+                              </m:sup>
+                            </m:sSubSup>
+                          </m:sup>
+                        </m:sSup>
+                      </m:num>
+                      <m:den>
+                        <m:r>
+                          <m:t>f</m:t>
+                        </m:r>
+                        <m:d>
+                          <m:dPr>
+                            <m:begChr m:val="("/>
+                            <m:endChr m:val=")"/>
+                            <m:sepChr m:val=""/>
+                            <m:grow/>
+                          </m:dPr>
+                          <m:e>
+                            <m:r>
+                              <m:t>n</m:t>
+                            </m:r>
+                          </m:e>
+                        </m:d>
+                      </m:den>
+                    </m:f>
+                    <m:r>
+                      <m:rPr>
+                        <m:sty m:val="p"/>
+                      </m:rPr>
+                      <m:t>=</m:t>
+                    </m:r>
+                    <m:r>
+                      <m:t>Ω</m:t>
+                    </m:r>
+                    <m:d>
+                      <m:dPr>
+                        <m:begChr m:val="("/>
+                        <m:endChr m:val=")"/>
+                        <m:sepChr m:val=""/>
+                        <m:grow/>
+                      </m:dPr>
+                      <m:e>
+                        <m:sSup>
+                          <m:e>
+                            <m:r>
+                              <m:t>n</m:t>
+                            </m:r>
+                          </m:e>
+                          <m:sup>
+                            <m:r>
+                              <m:t>ε</m:t>
+                            </m:r>
+                          </m:sup>
+                        </m:sSup>
+                      </m:e>
+                    </m:d>
+                    <m:r>
+                      <m:rPr>
+                        <m:sty m:val="p"/>
+                      </m:rPr>
+                      <m:t>⇒</m:t>
+                    </m:r>
+                    <m:r>
+                      <m:t>T</m:t>
+                    </m:r>
+                    <m:d>
+                      <m:dPr>
+                        <m:begChr m:val="("/>
+                        <m:endChr m:val=")"/>
+                        <m:sepChr m:val=""/>
+                        <m:grow/>
+                      </m:dPr>
+                      <m:e>
+                        <m:r>
+                          <m:t>n</m:t>
+                        </m:r>
+                      </m:e>
+                    </m:d>
+                    <m:r>
+                      <m:rPr>
+                        <m:sty m:val="p"/>
+                      </m:rPr>
+                      <m:t>=</m:t>
+                    </m:r>
+                    <m:r>
+                      <m:t>Θ</m:t>
+                    </m:r>
+                    <m:d>
+                      <m:dPr>
+                        <m:begChr m:val="("/>
+                        <m:endChr m:val=")"/>
+                        <m:sepChr m:val=""/>
+                        <m:grow/>
+                      </m:dPr>
+                      <m:e>
+                        <m:sSup>
+                          <m:e>
+                            <m:r>
+                              <m:t>n</m:t>
+                            </m:r>
+                          </m:e>
+                          <m:sup>
+                            <m:r>
+                              <m:t>l</m:t>
+                            </m:r>
+                            <m:r>
+                              <m:t>o</m:t>
+                            </m:r>
+                            <m:sSubSup>
+                              <m:e>
+                                <m:r>
+                                  <m:t>g</m:t>
+                                </m:r>
+                              </m:e>
+                              <m:sub>
+                                <m:r>
+                                  <m:t>b</m:t>
+                                </m:r>
+                              </m:sub>
+                              <m:sup>
+                                <m:r>
+                                  <m:t>a</m:t>
+                                </m:r>
+                              </m:sup>
+                            </m:sSubSup>
+                          </m:sup>
+                        </m:sSup>
+                      </m:e>
+                    </m:d>
+                  </m:oMath>
+                </a14:m>
+              </a:p>
+              <a:p>
+                <a:pPr lvl="0" indent="0" marL="0">
+                  <a:buNone/>
+                </a:pPr>
+                <a:r>
+                  <a:rPr/>
+                  <a:t>Similar with ordinary (iterative) algorithm.</a:t>
+                </a:r>
+              </a:p>
+            </p:txBody>
+          </p:sp>
+        </mc:Choice>
+      </mc:AlternateContent>
+    </p:spTree>
+  </p:cSld>
+</p:sld>
+</file>
+
+<file path=ppt/slides/slide17.xml><?xml version="1.0" encoding="utf-8"?>
+<p:sld xmlns:a="http://schemas.openxmlformats.org/drawingml/2006/main" xmlns:r="http://schemas.openxmlformats.org/officeDocument/2006/relationships" xmlns:p="http://schemas.openxmlformats.org/presentationml/2006/main">
+  <p:cSld>
+    <p:spTree>
+      <p:nvGrpSpPr>
+        <p:cNvPr id="1" name=""/>
+        <p:cNvGrpSpPr/>
+        <p:nvPr/>
+      </p:nvGrpSpPr>
+      <p:grpSpPr>
+        <a:xfrm>
+          <a:off x="0" y="0"/>
+          <a:ext cx="0" cy="0"/>
+          <a:chOff x="0" y="0"/>
+          <a:chExt cx="0" cy="0"/>
+        </a:xfrm>
+      </p:grpSpPr>
+      <p:sp>
+        <p:nvSpPr>
+          <p:cNvPr id="2" name="Title 1"/>
+          <p:cNvSpPr>
+            <a:spLocks noGrp="1"/>
+          </p:cNvSpPr>
+          <p:nvPr>
+            <p:ph type="title"/>
+          </p:nvPr>
+        </p:nvSpPr>
+        <p:spPr/>
+        <p:txBody>
+          <a:bodyPr/>
+          <a:lstStyle/>
+          <a:p>
+            <a:pPr lvl="0" indent="0" marL="0">
+              <a:buNone/>
+            </a:pPr>
+            <a:r>
+              <a:rPr/>
+              <a:t>Matrix Multiplication: Strassen’s Idea</a:t>
+            </a:r>
+          </a:p>
+        </p:txBody>
+      </p:sp>
+      <mc:AlternateContent xmlns:mc="http://schemas.openxmlformats.org/markup-compatibility/2006">
+        <mc:Choice xmlns:a14="http://schemas.microsoft.com/office/drawing/2010/main" Requires="a14">
+          <p:sp>
+            <p:nvSpPr>
+              <p:cNvPr id="3" name="Content Placeholder 2"/>
+              <p:cNvSpPr>
+                <a:spLocks noGrp="1"/>
+              </p:cNvSpPr>
+              <p:nvPr>
+                <p:ph idx="1"/>
+              </p:nvPr>
+            </p:nvSpPr>
+            <p:spPr/>
+            <p:txBody>
+              <a:bodyPr/>
+              <a:lstStyle/>
+              <a:p>
+                <a:pPr lvl="0" indent="0" marL="0">
+                  <a:buNone/>
+                </a:pPr>
+                <a:r>
+                  <a:rPr/>
+                  <a:t>Compute </a:t>
+                </a:r>
+                <a14:m>
+                  <m:oMath xmlns:m="http://schemas.openxmlformats.org/officeDocument/2006/math">
+                    <m:sSub>
+                      <m:e>
+                        <m:r>
+                          <m:t>c</m:t>
+                        </m:r>
+                      </m:e>
+                      <m:sub>
+                        <m:r>
+                          <m:t>11</m:t>
+                        </m:r>
+                      </m:sub>
+                    </m:sSub>
+                    <m:r>
+                      <m:rPr>
+                        <m:sty m:val="p"/>
+                      </m:rPr>
+                      <m:t>,</m:t>
+                    </m:r>
+                    <m:sSub>
+                      <m:e>
+                        <m:r>
+                          <m:t>c</m:t>
+                        </m:r>
+                      </m:e>
+                      <m:sub>
+                        <m:r>
+                          <m:t>12</m:t>
+                        </m:r>
+                      </m:sub>
+                    </m:sSub>
+                    <m:r>
+                      <m:rPr>
+                        <m:sty m:val="p"/>
+                      </m:rPr>
+                      <m:t>,</m:t>
+                    </m:r>
+                    <m:sSub>
+                      <m:e>
+                        <m:r>
+                          <m:t>c</m:t>
+                        </m:r>
+                      </m:e>
+                      <m:sub>
+                        <m:r>
+                          <m:t>21</m:t>
+                        </m:r>
+                      </m:sub>
+                    </m:sSub>
+                    <m:r>
+                      <m:rPr>
+                        <m:sty m:val="p"/>
+                      </m:rPr>
+                      <m:t>,</m:t>
+                    </m:r>
+                    <m:sSub>
+                      <m:e>
+                        <m:r>
+                          <m:t>c</m:t>
+                        </m:r>
+                      </m:e>
+                      <m:sub>
+                        <m:r>
+                          <m:t>22</m:t>
+                        </m:r>
+                      </m:sub>
+                    </m:sSub>
+                  </m:oMath>
+                </a14:m>
+                <a:r>
+                  <a:rPr/>
+                  <a:t> using </a:t>
+                </a:r>
+                <a14:m>
+                  <m:oMath xmlns:m="http://schemas.openxmlformats.org/officeDocument/2006/math">
+                    <m:r>
+                      <m:t>7</m:t>
+                    </m:r>
+                  </m:oMath>
+                </a14:m>
+                <a:r>
+                  <a:rPr/>
+                  <a:t> recursive multiplications.</a:t>
+                </a:r>
+              </a:p>
+              <a:p>
+                <a:pPr lvl="0" indent="0" marL="0">
+                  <a:buNone/>
+                </a:pPr>
+                <a:r>
+                  <a:rPr/>
+                  <a:t>In normal case we need </a:t>
+                </a:r>
+                <a14:m>
+                  <m:oMath xmlns:m="http://schemas.openxmlformats.org/officeDocument/2006/math">
+                    <m:r>
+                      <m:t>8</m:t>
+                    </m:r>
+                  </m:oMath>
+                </a14:m>
+                <a:r>
+                  <a:rPr/>
+                  <a:t> as below.</a:t>
+                </a:r>
+              </a:p>
+              <a:p>
+                <a:pPr lvl="0" indent="0" marL="0">
+                  <a:buNone/>
+                </a:pPr>
+                <a14:m>
+                  <m:oMathPara xmlns:m="http://schemas.openxmlformats.org/officeDocument/2006/math">
+                    <m:oMathParaPr>
+                      <m:jc m:val="center"/>
+                    </m:oMathParaPr>
+                    <m:oMath>
+                      <m:d>
+                        <m:dPr>
+                          <m:begChr m:val="["/>
+                          <m:endChr m:val="]"/>
+                          <m:sepChr m:val=""/>
+                          <m:grow/>
+                        </m:dPr>
+                        <m:e>
+                          <m:m>
+                            <m:mPr>
+                              <m:baseJc m:val="center"/>
+                              <m:plcHide m:val="1"/>
+                              <m:mcs>
+                                <m:mc>
+                                  <m:mcPr>
+                                    <m:mcJc m:val="center"/>
+                                    <m:count m:val="1"/>
+                                  </m:mcPr>
+                                </m:mc>
+                                <m:mc>
+                                  <m:mcPr>
+                                    <m:mcJc m:val="center"/>
+                                    <m:count m:val="1"/>
+                                  </m:mcPr>
+                                </m:mc>
+                              </m:mcs>
+                            </m:mPr>
+                            <m:mr>
+                              <m:e>
+                                <m:sSub>
+                                  <m:e>
+                                    <m:r>
+                                      <m:t>c</m:t>
+                                    </m:r>
+                                  </m:e>
+                                  <m:sub>
+                                    <m:r>
+                                      <m:t>11</m:t>
+                                    </m:r>
+                                  </m:sub>
+                                </m:sSub>
+                              </m:e>
+                              <m:e>
+                                <m:sSub>
+                                  <m:e>
+                                    <m:r>
+                                      <m:t>c</m:t>
+                                    </m:r>
+                                  </m:e>
+                                  <m:sub>
+                                    <m:r>
+                                      <m:t>12</m:t>
+                                    </m:r>
+                                  </m:sub>
+                                </m:sSub>
+                              </m:e>
+                            </m:mr>
+                            <m:mr>
+                              <m:e>
+                                <m:sSub>
+                                  <m:e>
+                                    <m:r>
+                                      <m:t>c</m:t>
+                                    </m:r>
+                                  </m:e>
+                                  <m:sub>
+                                    <m:r>
+                                      <m:t>21</m:t>
+                                    </m:r>
+                                  </m:sub>
+                                </m:sSub>
+                              </m:e>
+                              <m:e>
+                                <m:sSub>
+                                  <m:e>
+                                    <m:r>
+                                      <m:t>c</m:t>
+                                    </m:r>
+                                  </m:e>
+                                  <m:sub>
+                                    <m:r>
+                                      <m:t>22</m:t>
+                                    </m:r>
+                                  </m:sub>
+                                </m:sSub>
+                              </m:e>
+                            </m:mr>
+                          </m:m>
+                        </m:e>
+                      </m:d>
+                      <m:r>
+                        <m:rPr>
+                          <m:sty m:val="p"/>
+                        </m:rPr>
+                        <m:t>=</m:t>
+                      </m:r>
+                      <m:d>
+                        <m:dPr>
+                          <m:begChr m:val="["/>
+                          <m:endChr m:val="]"/>
+                          <m:sepChr m:val=""/>
+                          <m:grow/>
+                        </m:dPr>
+                        <m:e>
+                          <m:m>
+                            <m:mPr>
+                              <m:baseJc m:val="center"/>
+                              <m:plcHide m:val="1"/>
+                              <m:mcs>
+                                <m:mc>
+                                  <m:mcPr>
+                                    <m:mcJc m:val="center"/>
+                                    <m:count m:val="1"/>
+                                  </m:mcPr>
+                                </m:mc>
+                                <m:mc>
+                                  <m:mcPr>
+                                    <m:mcJc m:val="center"/>
+                                    <m:count m:val="1"/>
+                                  </m:mcPr>
+                                </m:mc>
+                              </m:mcs>
+                            </m:mPr>
+                            <m:mr>
+                              <m:e>
+                                <m:sSub>
+                                  <m:e>
+                                    <m:r>
+                                      <m:t>a</m:t>
+                                    </m:r>
+                                  </m:e>
+                                  <m:sub>
+                                    <m:r>
+                                      <m:t>11</m:t>
+                                    </m:r>
+                                  </m:sub>
+                                </m:sSub>
+                              </m:e>
+                              <m:e>
+                                <m:sSub>
+                                  <m:e>
+                                    <m:r>
+                                      <m:t>a</m:t>
+                                    </m:r>
+                                  </m:e>
+                                  <m:sub>
+                                    <m:r>
+                                      <m:t>12</m:t>
+                                    </m:r>
+                                  </m:sub>
+                                </m:sSub>
+                              </m:e>
+                            </m:mr>
+                            <m:mr>
+                              <m:e>
+                                <m:sSub>
+                                  <m:e>
+                                    <m:r>
+                                      <m:t>a</m:t>
+                                    </m:r>
+                                  </m:e>
+                                  <m:sub>
+                                    <m:r>
+                                      <m:t>21</m:t>
+                                    </m:r>
+                                  </m:sub>
+                                </m:sSub>
+                              </m:e>
+                              <m:e>
+                                <m:sSub>
+                                  <m:e>
+                                    <m:r>
+                                      <m:t>a</m:t>
+                                    </m:r>
+                                  </m:e>
+                                  <m:sub>
+                                    <m:r>
+                                      <m:t>22</m:t>
+                                    </m:r>
+                                  </m:sub>
+                                </m:sSub>
+                              </m:e>
+                            </m:mr>
+                          </m:m>
+                        </m:e>
+                      </m:d>
+                      <m:r>
+                        <m:rPr>
+                          <m:sty m:val="p"/>
+                        </m:rPr>
+                        <m:t>⋅</m:t>
+                      </m:r>
+                      <m:d>
+                        <m:dPr>
+                          <m:begChr m:val="["/>
+                          <m:endChr m:val="]"/>
+                          <m:sepChr m:val=""/>
+                          <m:grow/>
+                        </m:dPr>
+                        <m:e>
+                          <m:m>
+                            <m:mPr>
+                              <m:baseJc m:val="center"/>
+                              <m:plcHide m:val="1"/>
+                              <m:mcs>
+                                <m:mc>
+                                  <m:mcPr>
+                                    <m:mcJc m:val="center"/>
+                                    <m:count m:val="1"/>
+                                  </m:mcPr>
+                                </m:mc>
+                                <m:mc>
+                                  <m:mcPr>
+                                    <m:mcJc m:val="center"/>
+                                    <m:count m:val="1"/>
+                                  </m:mcPr>
+                                </m:mc>
+                              </m:mcs>
+                            </m:mPr>
+                            <m:mr>
+                              <m:e>
+                                <m:sSub>
+                                  <m:e>
+                                    <m:r>
+                                      <m:t>b</m:t>
+                                    </m:r>
+                                  </m:e>
+                                  <m:sub>
+                                    <m:r>
+                                      <m:t>11</m:t>
+                                    </m:r>
+                                  </m:sub>
+                                </m:sSub>
+                              </m:e>
+                              <m:e>
+                                <m:sSub>
+                                  <m:e>
+                                    <m:r>
+                                      <m:t>b</m:t>
+                                    </m:r>
+                                  </m:e>
+                                  <m:sub>
+                                    <m:r>
+                                      <m:t>12</m:t>
+                                    </m:r>
+                                  </m:sub>
+                                </m:sSub>
+                              </m:e>
+                            </m:mr>
+                            <m:mr>
+                              <m:e>
+                                <m:sSub>
+                                  <m:e>
+                                    <m:r>
+                                      <m:t>b</m:t>
+                                    </m:r>
+                                  </m:e>
+                                  <m:sub>
+                                    <m:r>
+                                      <m:t>21</m:t>
+                                    </m:r>
+                                  </m:sub>
+                                </m:sSub>
+                              </m:e>
+                              <m:e>
+                                <m:sSub>
+                                  <m:e>
+                                    <m:r>
+                                      <m:t>b</m:t>
+                                    </m:r>
+                                  </m:e>
+                                  <m:sub>
+                                    <m:r>
+                                      <m:t>22</m:t>
+                                    </m:r>
+                                  </m:sub>
+                                </m:sSub>
+                              </m:e>
+                            </m:mr>
+                          </m:m>
+                        </m:e>
+                      </m:d>
+                    </m:oMath>
+                  </m:oMathPara>
+                </a14:m>
+              </a:p>
+              <a:p>
+                <a:pPr lvl="0" indent="0" marL="0">
+                  <a:buNone/>
+                </a:pPr>
+                <a14:m>
+                  <m:oMathPara xmlns:m="http://schemas.openxmlformats.org/officeDocument/2006/math">
+                    <m:oMathParaPr>
+                      <m:jc m:val="center"/>
+                    </m:oMathParaPr>
+                    <m:oMath>
+                      <m:r>
+                        <m:rPr>
+                          <m:nor/>
+                          <m:sty m:val="p"/>
+                        </m:rPr>
+                        <m:t>8 mults and 4 adds of (n/2)*(n/2) submatrices</m:t>
+                      </m:r>
+                      <m:r>
+                        <m:rPr>
+                          <m:sty m:val="p"/>
+                        </m:rPr>
+                        <m:t>=</m:t>
+                      </m:r>
+                      <m:d>
+                        <m:dPr>
+                          <m:begChr m:val="{"/>
+                          <m:endChr m:val=""/>
+                          <m:sepChr m:val=""/>
+                          <m:grow/>
+                        </m:dPr>
+                        <m:e>
+                          <m:m>
+                            <m:mPr>
+                              <m:baseJc m:val="center"/>
+                              <m:plcHide m:val="1"/>
+                              <m:mcs>
+                                <m:mc>
+                                  <m:mcPr>
+                                    <m:mcJc m:val="left"/>
+                                    <m:count m:val="1"/>
+                                  </m:mcPr>
+                                </m:mc>
+                              </m:mcs>
+                            </m:mPr>
+                            <m:mr>
+                              <m:e>
+                                <m:sSub>
+                                  <m:e>
+                                    <m:r>
+                                      <m:t>c</m:t>
+                                    </m:r>
+                                  </m:e>
+                                  <m:sub>
+                                    <m:r>
+                                      <m:t>11</m:t>
+                                    </m:r>
+                                  </m:sub>
+                                </m:sSub>
+                                <m:r>
+                                  <m:rPr>
+                                    <m:sty m:val="p"/>
+                                  </m:rPr>
+                                  <m:t>=</m:t>
+                                </m:r>
+                                <m:sSub>
+                                  <m:e>
+                                    <m:r>
+                                      <m:t>a</m:t>
+                                    </m:r>
+                                  </m:e>
+                                  <m:sub>
+                                    <m:r>
+                                      <m:t>11</m:t>
+                                    </m:r>
+                                  </m:sub>
+                                </m:sSub>
+                                <m:sSub>
+                                  <m:e>
+                                    <m:r>
+                                      <m:t>b</m:t>
+                                    </m:r>
+                                  </m:e>
+                                  <m:sub>
+                                    <m:r>
+                                      <m:t>11</m:t>
+                                    </m:r>
+                                  </m:sub>
+                                </m:sSub>
+                                <m:r>
+                                  <m:rPr>
+                                    <m:sty m:val="p"/>
+                                  </m:rPr>
+                                  <m:t>+</m:t>
+                                </m:r>
+                                <m:sSub>
+                                  <m:e>
+                                    <m:r>
+                                      <m:t>a</m:t>
+                                    </m:r>
+                                  </m:e>
+                                  <m:sub>
+                                    <m:r>
+                                      <m:t>12</m:t>
+                                    </m:r>
+                                  </m:sub>
+                                </m:sSub>
+                                <m:sSub>
+                                  <m:e>
+                                    <m:r>
+                                      <m:t>b</m:t>
+                                    </m:r>
+                                  </m:e>
+                                  <m:sub>
+                                    <m:r>
+                                      <m:t>21</m:t>
+                                    </m:r>
+                                  </m:sub>
+                                </m:sSub>
+                              </m:e>
+                            </m:mr>
+                            <m:mr>
+                              <m:e>
+                                <m:sSub>
+                                  <m:e>
+                                    <m:r>
+                                      <m:t>c</m:t>
+                                    </m:r>
+                                  </m:e>
+                                  <m:sub>
+                                    <m:r>
+                                      <m:t>21</m:t>
+                                    </m:r>
+                                  </m:sub>
+                                </m:sSub>
+                                <m:r>
+                                  <m:rPr>
+                                    <m:sty m:val="p"/>
+                                  </m:rPr>
+                                  <m:t>=</m:t>
+                                </m:r>
+                                <m:sSub>
+                                  <m:e>
+                                    <m:r>
+                                      <m:t>a</m:t>
+                                    </m:r>
+                                  </m:e>
+                                  <m:sub>
+                                    <m:r>
+                                      <m:t>21</m:t>
+                                    </m:r>
+                                  </m:sub>
+                                </m:sSub>
+                                <m:sSub>
+                                  <m:e>
+                                    <m:r>
+                                      <m:t>b</m:t>
+                                    </m:r>
+                                  </m:e>
+                                  <m:sub>
+                                    <m:r>
+                                      <m:t>11</m:t>
+                                    </m:r>
+                                  </m:sub>
+                                </m:sSub>
+                                <m:r>
+                                  <m:rPr>
+                                    <m:sty m:val="p"/>
+                                  </m:rPr>
+                                  <m:t>+</m:t>
+                                </m:r>
+                                <m:sSub>
+                                  <m:e>
+                                    <m:r>
+                                      <m:t>a</m:t>
+                                    </m:r>
+                                  </m:e>
+                                  <m:sub>
+                                    <m:r>
+                                      <m:t>22</m:t>
+                                    </m:r>
+                                  </m:sub>
+                                </m:sSub>
+                                <m:sSub>
+                                  <m:e>
+                                    <m:r>
+                                      <m:t>b</m:t>
+                                    </m:r>
+                                  </m:e>
+                                  <m:sub>
+                                    <m:r>
+                                      <m:t>21</m:t>
+                                    </m:r>
+                                  </m:sub>
+                                </m:sSub>
+                              </m:e>
+                            </m:mr>
+                            <m:mr>
+                              <m:e>
+                                <m:sSub>
+                                  <m:e>
+                                    <m:r>
+                                      <m:t>c</m:t>
+                                    </m:r>
+                                  </m:e>
+                                  <m:sub>
+                                    <m:r>
+                                      <m:t>12</m:t>
+                                    </m:r>
+                                  </m:sub>
+                                </m:sSub>
+                                <m:r>
+                                  <m:rPr>
+                                    <m:sty m:val="p"/>
+                                  </m:rPr>
+                                  <m:t>=</m:t>
+                                </m:r>
+                                <m:sSub>
+                                  <m:e>
+                                    <m:r>
+                                      <m:t>a</m:t>
+                                    </m:r>
+                                  </m:e>
+                                  <m:sub>
+                                    <m:r>
+                                      <m:t>11</m:t>
+                                    </m:r>
+                                  </m:sub>
+                                </m:sSub>
+                                <m:sSub>
+                                  <m:e>
+                                    <m:r>
+                                      <m:t>b</m:t>
+                                    </m:r>
+                                  </m:e>
+                                  <m:sub>
+                                    <m:r>
+                                      <m:t>12</m:t>
+                                    </m:r>
+                                  </m:sub>
+                                </m:sSub>
+                                <m:r>
+                                  <m:rPr>
+                                    <m:sty m:val="p"/>
+                                  </m:rPr>
+                                  <m:t>+</m:t>
+                                </m:r>
+                                <m:sSub>
+                                  <m:e>
+                                    <m:r>
+                                      <m:t>a</m:t>
+                                    </m:r>
+                                  </m:e>
+                                  <m:sub>
+                                    <m:r>
+                                      <m:t>12</m:t>
+                                    </m:r>
+                                  </m:sub>
+                                </m:sSub>
+                                <m:sSub>
+                                  <m:e>
+                                    <m:r>
+                                      <m:t>b</m:t>
+                                    </m:r>
+                                  </m:e>
+                                  <m:sub>
+                                    <m:r>
+                                      <m:t>22</m:t>
+                                    </m:r>
+                                  </m:sub>
+                                </m:sSub>
+                              </m:e>
+                            </m:mr>
+                            <m:mr>
+                              <m:e>
+                                <m:sSub>
+                                  <m:e>
+                                    <m:r>
+                                      <m:t>c</m:t>
+                                    </m:r>
+                                  </m:e>
+                                  <m:sub>
+                                    <m:r>
+                                      <m:t>22</m:t>
+                                    </m:r>
+                                  </m:sub>
+                                </m:sSub>
+                                <m:r>
+                                  <m:rPr>
+                                    <m:sty m:val="p"/>
+                                  </m:rPr>
+                                  <m:t>=</m:t>
+                                </m:r>
+                                <m:sSub>
+                                  <m:e>
+                                    <m:r>
+                                      <m:t>a</m:t>
+                                    </m:r>
+                                  </m:e>
+                                  <m:sub>
+                                    <m:r>
+                                      <m:t>21</m:t>
+                                    </m:r>
+                                  </m:sub>
+                                </m:sSub>
+                                <m:sSub>
+                                  <m:e>
+                                    <m:r>
+                                      <m:t>b</m:t>
+                                    </m:r>
+                                  </m:e>
+                                  <m:sub>
+                                    <m:r>
+                                      <m:t>12</m:t>
+                                    </m:r>
+                                  </m:sub>
+                                </m:sSub>
+                                <m:r>
+                                  <m:rPr>
+                                    <m:sty m:val="p"/>
+                                  </m:rPr>
+                                  <m:t>+</m:t>
+                                </m:r>
+                                <m:sSub>
+                                  <m:e>
+                                    <m:r>
+                                      <m:t>a</m:t>
+                                    </m:r>
+                                  </m:e>
+                                  <m:sub>
+                                    <m:r>
+                                      <m:t>22</m:t>
+                                    </m:r>
+                                  </m:sub>
+                                </m:sSub>
+                                <m:sSub>
+                                  <m:e>
+                                    <m:r>
+                                      <m:t>b</m:t>
+                                    </m:r>
+                                  </m:e>
+                                  <m:sub>
+                                    <m:r>
+                                      <m:t>22</m:t>
+                                    </m:r>
+                                  </m:sub>
+                                </m:sSub>
+                              </m:e>
+                            </m:mr>
+                          </m:m>
+                        </m:e>
+                      </m:d>
+                    </m:oMath>
+                  </m:oMathPara>
+                </a14:m>
+              </a:p>
+            </p:txBody>
+          </p:sp>
+        </mc:Choice>
+      </mc:AlternateContent>
+    </p:spTree>
+  </p:cSld>
+</p:sld>
+</file>
+
+<file path=ppt/slides/slide18.xml><?xml version="1.0" encoding="utf-8"?>
+<p:sld xmlns:a="http://schemas.openxmlformats.org/drawingml/2006/main" xmlns:r="http://schemas.openxmlformats.org/officeDocument/2006/relationships" xmlns:p="http://schemas.openxmlformats.org/presentationml/2006/main">
+  <p:cSld>
+    <p:spTree>
+      <p:nvGrpSpPr>
+        <p:cNvPr id="1" name=""/>
+        <p:cNvGrpSpPr/>
+        <p:nvPr/>
+      </p:nvGrpSpPr>
+      <p:grpSpPr>
+        <a:xfrm>
+          <a:off x="0" y="0"/>
+          <a:ext cx="0" cy="0"/>
+          <a:chOff x="0" y="0"/>
+          <a:chExt cx="0" cy="0"/>
+        </a:xfrm>
+      </p:grpSpPr>
+      <p:sp>
+        <p:nvSpPr>
+          <p:cNvPr id="2" name="Title 1"/>
+          <p:cNvSpPr>
+            <a:spLocks noGrp="1"/>
+          </p:cNvSpPr>
+          <p:nvPr>
+            <p:ph type="title"/>
+          </p:nvPr>
+        </p:nvSpPr>
+        <p:spPr/>
+        <p:txBody>
+          <a:bodyPr/>
+          <a:lstStyle/>
+          <a:p>
+            <a:pPr lvl="0" indent="0" marL="0">
+              <a:buNone/>
+            </a:pPr>
+            <a:r>
+              <a:rPr/>
+              <a:t>Matrix Multiplication: Strassen’s Idea</a:t>
+            </a:r>
+          </a:p>
+        </p:txBody>
+      </p:sp>
+      <mc:AlternateContent xmlns:mc="http://schemas.openxmlformats.org/markup-compatibility/2006">
+        <mc:Choice xmlns:a14="http://schemas.microsoft.com/office/drawing/2010/main" Requires="a14">
+          <p:sp>
+            <p:nvSpPr>
+              <p:cNvPr id="3" name="Content Placeholder 2"/>
+              <p:cNvSpPr>
+                <a:spLocks noGrp="1"/>
+              </p:cNvSpPr>
+              <p:nvPr>
+                <p:ph idx="1"/>
+              </p:nvPr>
+            </p:nvSpPr>
+            <p:spPr/>
+            <p:txBody>
+              <a:bodyPr/>
+              <a:lstStyle/>
+              <a:p>
+                <a:pPr lvl="0"/>
+                <a:r>
+                  <a:rPr b="1"/>
+                  <a:t>Reminder:</a:t>
+                </a:r>
+              </a:p>
+              <a:p>
+                <a:pPr lvl="1"/>
+                <a:r>
+                  <a:rPr/>
+                  <a:t>Each submatrix is of size </a:t>
+                </a:r>
+                <a14:m>
+                  <m:oMath xmlns:m="http://schemas.openxmlformats.org/officeDocument/2006/math">
+                    <m:d>
+                      <m:dPr>
+                        <m:begChr m:val="("/>
+                        <m:endChr m:val=")"/>
+                        <m:sepChr m:val=""/>
+                        <m:grow/>
+                      </m:dPr>
+                      <m:e>
+                        <m:r>
+                          <m:t>n</m:t>
+                        </m:r>
+                        <m:r>
+                          <m:rPr>
+                            <m:sty m:val="p"/>
+                          </m:rPr>
+                          <m:t>/</m:t>
+                        </m:r>
+                        <m:r>
+                          <m:t>2</m:t>
+                        </m:r>
+                      </m:e>
+                    </m:d>
+                    <m:r>
+                      <m:rPr>
+                        <m:sty m:val="p"/>
+                      </m:rPr>
+                      <m:t>*</m:t>
+                    </m:r>
+                    <m:d>
+                      <m:dPr>
+                        <m:begChr m:val="("/>
+                        <m:endChr m:val=")"/>
+                        <m:sepChr m:val=""/>
+                        <m:grow/>
+                      </m:dPr>
+                      <m:e>
+                        <m:r>
+                          <m:t>n</m:t>
+                        </m:r>
+                        <m:r>
+                          <m:rPr>
+                            <m:sty m:val="p"/>
+                          </m:rPr>
+                          <m:t>/</m:t>
+                        </m:r>
+                        <m:r>
+                          <m:t>2</m:t>
+                        </m:r>
+                      </m:e>
+                    </m:d>
+                  </m:oMath>
+                </a14:m>
+              </a:p>
+              <a:p>
+                <a:pPr lvl="1"/>
+                <a:r>
+                  <a:rPr/>
+                  <a:t>Each add/sub operation takes </a:t>
+                </a:r>
+                <a14:m>
+                  <m:oMath xmlns:m="http://schemas.openxmlformats.org/officeDocument/2006/math">
+                    <m:r>
+                      <m:t>Θ</m:t>
+                    </m:r>
+                    <m:d>
+                      <m:dPr>
+                        <m:begChr m:val="("/>
+                        <m:endChr m:val=")"/>
+                        <m:sepChr m:val=""/>
+                        <m:grow/>
+                      </m:dPr>
+                      <m:e>
+                        <m:sSup>
+                          <m:e>
+                            <m:r>
+                              <m:t>n</m:t>
+                            </m:r>
+                          </m:e>
+                          <m:sup>
+                            <m:r>
+                              <m:t>2</m:t>
+                            </m:r>
+                          </m:sup>
+                        </m:sSup>
+                      </m:e>
+                    </m:d>
+                  </m:oMath>
+                </a14:m>
+                <a:r>
+                  <a:rPr/>
+                  <a:t> time</a:t>
+                </a:r>
+              </a:p>
+              <a:p>
+                <a:pPr lvl="0"/>
+                <a:r>
+                  <a:rPr/>
+                  <a:t>Compute </a:t>
+                </a:r>
+                <a14:m>
+                  <m:oMath xmlns:m="http://schemas.openxmlformats.org/officeDocument/2006/math">
+                    <m:r>
+                      <m:t>P</m:t>
+                    </m:r>
+                    <m:r>
+                      <m:t>1</m:t>
+                    </m:r>
+                    <m:r>
+                      <m:rPr>
+                        <m:sty m:val="p"/>
+                      </m:rPr>
+                      <m:t>…</m:t>
+                    </m:r>
+                    <m:r>
+                      <m:t>P</m:t>
+                    </m:r>
+                    <m:r>
+                      <m:t>7</m:t>
+                    </m:r>
+                  </m:oMath>
+                </a14:m>
+                <a:r>
+                  <a:rPr/>
+                  <a:t> using </a:t>
+                </a:r>
+                <a14:m>
+                  <m:oMath xmlns:m="http://schemas.openxmlformats.org/officeDocument/2006/math">
+                    <m:r>
+                      <m:t>7</m:t>
+                    </m:r>
+                  </m:oMath>
+                </a14:m>
+                <a:r>
+                  <a:rPr/>
+                  <a:t> recursive calls to matrix-multiply</a:t>
+                </a:r>
+              </a:p>
+              <a:p>
+                <a:pPr lvl="0" indent="0" marL="0">
+                  <a:buNone/>
+                </a:pPr>
+                <a:r>
+                  <a:rPr/>
+                  <a:t>$P_1 = a_{11} * (b_{12} - b_{22} ) \\ P_2 = (a_{11} + a_{12} ) * b_{22} \\ P_3 = (a_{21} + a_{22} ) * b_{11} \\ P_4 = a_{22} * (b_{21} - b_{11} ) \\ P_5 = (a_{11} + a_{22} ) * (b_{11} + b_{22} ) \\ P_6 = (a_{12} - a_{22} ) * (b_{21} + b_{22} ) \\ P_7 = ( a_{11} - a_{21} ) * (b_{11} + b_{12} )$</a:t>
+                </a:r>
+              </a:p>
+            </p:txBody>
+          </p:sp>
+        </mc:Choice>
+      </mc:AlternateContent>
+    </p:spTree>
+  </p:cSld>
+</p:sld>
+</file>
+
+<file path=ppt/slides/slide19.xml><?xml version="1.0" encoding="utf-8"?>
+<p:sld xmlns:a="http://schemas.openxmlformats.org/drawingml/2006/main" xmlns:r="http://schemas.openxmlformats.org/officeDocument/2006/relationships" xmlns:p="http://schemas.openxmlformats.org/presentationml/2006/main">
+  <p:cSld>
+    <p:spTree>
+      <p:nvGrpSpPr>
+        <p:cNvPr id="1" name=""/>
+        <p:cNvGrpSpPr/>
+        <p:nvPr/>
+      </p:nvGrpSpPr>
+      <p:grpSpPr>
+        <a:xfrm>
+          <a:off x="0" y="0"/>
+          <a:ext cx="0" cy="0"/>
+          <a:chOff x="0" y="0"/>
+          <a:chExt cx="0" cy="0"/>
+        </a:xfrm>
+      </p:grpSpPr>
+      <p:sp>
+        <p:nvSpPr>
+          <p:cNvPr id="2" name="Title 1"/>
+          <p:cNvSpPr>
+            <a:spLocks noGrp="1"/>
+          </p:cNvSpPr>
+          <p:nvPr>
+            <p:ph type="title"/>
+          </p:nvPr>
+        </p:nvSpPr>
+        <p:spPr/>
+        <p:txBody>
+          <a:bodyPr/>
+          <a:lstStyle/>
+          <a:p>
+            <a:pPr lvl="0" indent="0" marL="0">
+              <a:buNone/>
+            </a:pPr>
+            <a:r>
+              <a:rPr/>
+              <a:t>Matrix Multiplication: Strassen’s Idea</a:t>
+            </a:r>
+          </a:p>
+        </p:txBody>
+      </p:sp>
+      <mc:AlternateContent xmlns:mc="http://schemas.openxmlformats.org/markup-compatibility/2006">
+        <mc:Choice xmlns:a14="http://schemas.microsoft.com/office/drawing/2010/main" Requires="a14">
+          <p:sp>
+            <p:nvSpPr>
+              <p:cNvPr id="3" name="Content Placeholder 2"/>
+              <p:cNvSpPr>
+                <a:spLocks noGrp="1"/>
+              </p:cNvSpPr>
+              <p:nvPr>
+                <p:ph idx="1"/>
+              </p:nvPr>
+            </p:nvSpPr>
+            <p:spPr/>
+            <p:txBody>
+              <a:bodyPr/>
+              <a:lstStyle/>
+              <a:p>
+                <a:pPr lvl="0" indent="0" marL="0">
+                  <a:buNone/>
+                </a:pPr>
+                <a:r>
+                  <a:rPr/>
+                  <a:t>$P_1 = a_{11} * (b_{12} - b_{22} ) \\ P_2 = (a_{11} + a_{12} ) * b_{22} \\ P_3 = (a_{21} + a_{22} ) * b_{11} \\ P_4 = a_{22} * (b_{21} - b_{11} ) \\ P_5 = (a_{11} + a_{22} ) * (b_{11} + b_{22} ) \\ P_6 = (a_{12} - a_{22} ) * (b_{21} + b_{22} ) \\ P_7 = ( a_{11} - a_{21} ) * (b_{11} + b_{12} )$</a:t>
+                </a:r>
+              </a:p>
+              <a:p>
+                <a:pPr lvl="0"/>
+                <a:r>
+                  <a:rPr/>
+                  <a:t>How to compute </a:t>
+                </a:r>
+                <a14:m>
+                  <m:oMath xmlns:m="http://schemas.openxmlformats.org/officeDocument/2006/math">
+                    <m:sSub>
+                      <m:e>
+                        <m:r>
+                          <m:t>c</m:t>
+                        </m:r>
+                      </m:e>
+                      <m:sub>
+                        <m:r>
+                          <m:t>i</m:t>
+                        </m:r>
+                        <m:r>
+                          <m:t>j</m:t>
+                        </m:r>
+                      </m:sub>
+                    </m:sSub>
+                  </m:oMath>
+                </a14:m>
+                <a:r>
+                  <a:rPr/>
+                  <a:t> using </a:t>
+                </a:r>
+                <a14:m>
+                  <m:oMath xmlns:m="http://schemas.openxmlformats.org/officeDocument/2006/math">
+                    <m:r>
+                      <m:t>P</m:t>
+                    </m:r>
+                    <m:r>
+                      <m:t>1</m:t>
+                    </m:r>
+                    <m:r>
+                      <m:rPr>
+                        <m:sty m:val="p"/>
+                      </m:rPr>
+                      <m:t>…</m:t>
+                    </m:r>
+                    <m:r>
+                      <m:t>P</m:t>
+                    </m:r>
+                    <m:r>
+                      <m:t>7</m:t>
+                    </m:r>
+                  </m:oMath>
+                </a14:m>
+                <a:r>
+                  <a:rPr/>
+                  <a:t> ?</a:t>
+                </a:r>
+              </a:p>
+              <a:p>
+                <a:pPr lvl="0" indent="0" marL="0">
+                  <a:buNone/>
+                </a:pPr>
+                <a:r>
+                  <a:rPr/>
+                  <a:t>$c_{11} = P_5 + P_4 – P_2 + P_6 \\ c_{12} = P_1 + P_2 \\ c_{21} = P_3 + P_4 \\ c_{22} = P_5 + P_1 – P_3 – P_7$</a:t>
+                </a:r>
+              </a:p>
+            </p:txBody>
+          </p:sp>
+        </mc:Choice>
+      </mc:AlternateContent>
     </p:spTree>
   </p:cSld>
 </p:sld>
@@ -3251,6 +7959,2459 @@
             <a:r>
               <a:rPr/>
               <a:t>CE100 Algorithms and Programming II</a:t>
+            </a:r>
+          </a:p>
+        </p:txBody>
+      </p:sp>
+    </p:spTree>
+  </p:cSld>
+</p:sld>
+</file>
+
+<file path=ppt/slides/slide20.xml><?xml version="1.0" encoding="utf-8"?>
+<p:sld xmlns:a="http://schemas.openxmlformats.org/drawingml/2006/main" xmlns:r="http://schemas.openxmlformats.org/officeDocument/2006/relationships" xmlns:p="http://schemas.openxmlformats.org/presentationml/2006/main">
+  <p:cSld>
+    <p:spTree>
+      <p:nvGrpSpPr>
+        <p:cNvPr id="1" name=""/>
+        <p:cNvGrpSpPr/>
+        <p:nvPr/>
+      </p:nvGrpSpPr>
+      <p:grpSpPr>
+        <a:xfrm>
+          <a:off x="0" y="0"/>
+          <a:ext cx="0" cy="0"/>
+          <a:chOff x="0" y="0"/>
+          <a:chExt cx="0" cy="0"/>
+        </a:xfrm>
+      </p:grpSpPr>
+      <p:sp>
+        <p:nvSpPr>
+          <p:cNvPr id="2" name="Title 1"/>
+          <p:cNvSpPr>
+            <a:spLocks noGrp="1"/>
+          </p:cNvSpPr>
+          <p:nvPr>
+            <p:ph type="title"/>
+          </p:nvPr>
+        </p:nvSpPr>
+        <p:spPr/>
+        <p:txBody>
+          <a:bodyPr/>
+          <a:lstStyle/>
+          <a:p>
+            <a:pPr lvl="0" indent="0" marL="0">
+              <a:buNone/>
+            </a:pPr>
+            <a:r>
+              <a:rPr/>
+              <a:t>Matrix Multiplication: Strassen’s Idea</a:t>
+            </a:r>
+          </a:p>
+        </p:txBody>
+      </p:sp>
+      <mc:AlternateContent xmlns:mc="http://schemas.openxmlformats.org/markup-compatibility/2006">
+        <mc:Choice xmlns:a14="http://schemas.microsoft.com/office/drawing/2010/main" Requires="a14">
+          <p:sp>
+            <p:nvSpPr>
+              <p:cNvPr id="3" name="Content Placeholder 2"/>
+              <p:cNvSpPr>
+                <a:spLocks noGrp="1"/>
+              </p:cNvSpPr>
+              <p:nvPr>
+                <p:ph idx="1"/>
+              </p:nvPr>
+            </p:nvSpPr>
+            <p:spPr/>
+            <p:txBody>
+              <a:bodyPr/>
+              <a:lstStyle/>
+              <a:p>
+                <a:pPr lvl="0"/>
+                <a14:m>
+                  <m:oMath xmlns:m="http://schemas.openxmlformats.org/officeDocument/2006/math">
+                    <m:r>
+                      <m:t>7</m:t>
+                    </m:r>
+                  </m:oMath>
+                </a14:m>
+                <a:r>
+                  <a:rPr/>
+                  <a:t> recursive multiply calls</a:t>
+                </a:r>
+              </a:p>
+              <a:p>
+                <a:pPr lvl="0"/>
+                <a14:m>
+                  <m:oMath xmlns:m="http://schemas.openxmlformats.org/officeDocument/2006/math">
+                    <m:r>
+                      <m:t>18</m:t>
+                    </m:r>
+                  </m:oMath>
+                </a14:m>
+                <a:r>
+                  <a:rPr/>
+                  <a:t> add/sub operations</a:t>
+                </a:r>
+              </a:p>
+            </p:txBody>
+          </p:sp>
+        </mc:Choice>
+      </mc:AlternateContent>
+    </p:spTree>
+  </p:cSld>
+</p:sld>
+</file>
+
+<file path=ppt/slides/slide21.xml><?xml version="1.0" encoding="utf-8"?>
+<p:sld xmlns:a="http://schemas.openxmlformats.org/drawingml/2006/main" xmlns:r="http://schemas.openxmlformats.org/officeDocument/2006/relationships" xmlns:p="http://schemas.openxmlformats.org/presentationml/2006/main">
+  <p:cSld>
+    <p:spTree>
+      <p:nvGrpSpPr>
+        <p:cNvPr id="1" name=""/>
+        <p:cNvGrpSpPr/>
+        <p:nvPr/>
+      </p:nvGrpSpPr>
+      <p:grpSpPr>
+        <a:xfrm>
+          <a:off x="0" y="0"/>
+          <a:ext cx="0" cy="0"/>
+          <a:chOff x="0" y="0"/>
+          <a:chExt cx="0" cy="0"/>
+        </a:xfrm>
+      </p:grpSpPr>
+      <p:sp>
+        <p:nvSpPr>
+          <p:cNvPr id="2" name="Title 1"/>
+          <p:cNvSpPr>
+            <a:spLocks noGrp="1"/>
+          </p:cNvSpPr>
+          <p:nvPr>
+            <p:ph type="title"/>
+          </p:nvPr>
+        </p:nvSpPr>
+        <p:spPr/>
+        <p:txBody>
+          <a:bodyPr/>
+          <a:lstStyle/>
+          <a:p>
+            <a:pPr lvl="0" indent="0" marL="0">
+              <a:buNone/>
+            </a:pPr>
+            <a:r>
+              <a:rPr/>
+              <a:t>Matrix Multiplication: Strassen’s Idea</a:t>
+            </a:r>
+          </a:p>
+        </p:txBody>
+      </p:sp>
+      <mc:AlternateContent xmlns:mc="http://schemas.openxmlformats.org/markup-compatibility/2006">
+        <mc:Choice xmlns:a14="http://schemas.microsoft.com/office/drawing/2010/main" Requires="a14">
+          <p:sp>
+            <p:nvSpPr>
+              <p:cNvPr id="3" name="Content Placeholder 2"/>
+              <p:cNvSpPr>
+                <a:spLocks noGrp="1"/>
+              </p:cNvSpPr>
+              <p:nvPr>
+                <p:ph idx="1"/>
+              </p:nvPr>
+            </p:nvSpPr>
+            <p:spPr/>
+            <p:txBody>
+              <a:bodyPr/>
+              <a:lstStyle/>
+              <a:p>
+                <a:pPr lvl="0" indent="0" marL="0">
+                  <a:buNone/>
+                </a:pPr>
+                <a:r>
+                  <a:rPr/>
+                  <a:t>e.g. Show that </a:t>
+                </a:r>
+                <a14:m>
+                  <m:oMath xmlns:m="http://schemas.openxmlformats.org/officeDocument/2006/math">
+                    <m:sSub>
+                      <m:e>
+                        <m:r>
+                          <m:t>c</m:t>
+                        </m:r>
+                      </m:e>
+                      <m:sub>
+                        <m:r>
+                          <m:t>12</m:t>
+                        </m:r>
+                      </m:sub>
+                    </m:sSub>
+                    <m:r>
+                      <m:rPr>
+                        <m:sty m:val="p"/>
+                      </m:rPr>
+                      <m:t>=</m:t>
+                    </m:r>
+                    <m:sSub>
+                      <m:e>
+                        <m:r>
+                          <m:t>P</m:t>
+                        </m:r>
+                      </m:e>
+                      <m:sub>
+                        <m:r>
+                          <m:t>1</m:t>
+                        </m:r>
+                      </m:sub>
+                    </m:sSub>
+                    <m:r>
+                      <m:rPr>
+                        <m:sty m:val="p"/>
+                      </m:rPr>
+                      <m:t>+</m:t>
+                    </m:r>
+                    <m:sSub>
+                      <m:e>
+                        <m:r>
+                          <m:t>P</m:t>
+                        </m:r>
+                      </m:e>
+                      <m:sub>
+                        <m:r>
+                          <m:t>2</m:t>
+                        </m:r>
+                      </m:sub>
+                    </m:sSub>
+                  </m:oMath>
+                </a14:m>
+              </a:p>
+              <a:p>
+                <a:pPr lvl="0" indent="0" marL="0">
+                  <a:buNone/>
+                </a:pPr>
+                <a:r>
+                  <a:rPr/>
+                  <a:t>$c_{12} = P_1 + P_2 \\  = a_{11}(b_{12}–b_{22})+(a_{11}+a_{12})b_{22} \\  = a_{11}b_{12}-a_{11}b_{22}+a_{11}b_{22}+a_{12}b_{22} \\  = a_{11}b_{12}+a_{12}b_{22}$</a:t>
+                </a:r>
+              </a:p>
+            </p:txBody>
+          </p:sp>
+        </mc:Choice>
+      </mc:AlternateContent>
+    </p:spTree>
+  </p:cSld>
+</p:sld>
+</file>
+
+<file path=ppt/slides/slide22.xml><?xml version="1.0" encoding="utf-8"?>
+<p:sld xmlns:a="http://schemas.openxmlformats.org/drawingml/2006/main" xmlns:r="http://schemas.openxmlformats.org/officeDocument/2006/relationships" xmlns:p="http://schemas.openxmlformats.org/presentationml/2006/main">
+  <p:cSld>
+    <p:spTree>
+      <p:nvGrpSpPr>
+        <p:cNvPr id="1" name=""/>
+        <p:cNvGrpSpPr/>
+        <p:nvPr/>
+      </p:nvGrpSpPr>
+      <p:grpSpPr>
+        <a:xfrm>
+          <a:off x="0" y="0"/>
+          <a:ext cx="0" cy="0"/>
+          <a:chOff x="0" y="0"/>
+          <a:chExt cx="0" cy="0"/>
+        </a:xfrm>
+      </p:grpSpPr>
+      <p:sp>
+        <p:nvSpPr>
+          <p:cNvPr id="2" name="Title 1"/>
+          <p:cNvSpPr>
+            <a:spLocks noGrp="1"/>
+          </p:cNvSpPr>
+          <p:nvPr>
+            <p:ph type="title"/>
+          </p:nvPr>
+        </p:nvSpPr>
+        <p:spPr/>
+        <p:txBody>
+          <a:bodyPr/>
+          <a:lstStyle/>
+          <a:p>
+            <a:pPr lvl="0" indent="0" marL="0">
+              <a:buNone/>
+            </a:pPr>
+            <a:r>
+              <a:rPr/>
+              <a:t>Strassen’s Algorithm</a:t>
+            </a:r>
+          </a:p>
+        </p:txBody>
+      </p:sp>
+      <mc:AlternateContent xmlns:mc="http://schemas.openxmlformats.org/markup-compatibility/2006">
+        <mc:Choice xmlns:a14="http://schemas.microsoft.com/office/drawing/2010/main" Requires="a14">
+          <p:sp>
+            <p:nvSpPr>
+              <p:cNvPr id="3" name="Content Placeholder 2"/>
+              <p:cNvSpPr>
+                <a:spLocks noGrp="1"/>
+              </p:cNvSpPr>
+              <p:nvPr>
+                <p:ph idx="1"/>
+              </p:nvPr>
+            </p:nvSpPr>
+            <p:spPr/>
+            <p:txBody>
+              <a:bodyPr/>
+              <a:lstStyle/>
+              <a:p>
+                <a:pPr lvl="0"/>
+                <a:r>
+                  <a:rPr b="1"/>
+                  <a:t>Divide:</a:t>
+                </a:r>
+                <a:r>
+                  <a:rPr/>
+                  <a:t> Partition </a:t>
+                </a:r>
+                <a14:m>
+                  <m:oMath xmlns:m="http://schemas.openxmlformats.org/officeDocument/2006/math">
+                    <m:r>
+                      <m:t>A</m:t>
+                    </m:r>
+                  </m:oMath>
+                </a14:m>
+                <a:r>
+                  <a:rPr/>
+                  <a:t> and </a:t>
+                </a:r>
+                <a14:m>
+                  <m:oMath xmlns:m="http://schemas.openxmlformats.org/officeDocument/2006/math">
+                    <m:r>
+                      <m:t>B</m:t>
+                    </m:r>
+                  </m:oMath>
+                </a14:m>
+                <a:r>
+                  <a:rPr/>
+                  <a:t> into </a:t>
+                </a:r>
+                <a14:m>
+                  <m:oMath xmlns:m="http://schemas.openxmlformats.org/officeDocument/2006/math">
+                    <m:d>
+                      <m:dPr>
+                        <m:begChr m:val="("/>
+                        <m:endChr m:val=")"/>
+                        <m:sepChr m:val=""/>
+                        <m:grow/>
+                      </m:dPr>
+                      <m:e>
+                        <m:r>
+                          <m:t>n</m:t>
+                        </m:r>
+                        <m:r>
+                          <m:rPr>
+                            <m:sty m:val="p"/>
+                          </m:rPr>
+                          <m:t>/</m:t>
+                        </m:r>
+                        <m:r>
+                          <m:t>2</m:t>
+                        </m:r>
+                      </m:e>
+                    </m:d>
+                    <m:r>
+                      <m:rPr>
+                        <m:sty m:val="p"/>
+                      </m:rPr>
+                      <m:t>*</m:t>
+                    </m:r>
+                    <m:d>
+                      <m:dPr>
+                        <m:begChr m:val="("/>
+                        <m:endChr m:val=")"/>
+                        <m:sepChr m:val=""/>
+                        <m:grow/>
+                      </m:dPr>
+                      <m:e>
+                        <m:r>
+                          <m:t>n</m:t>
+                        </m:r>
+                        <m:r>
+                          <m:rPr>
+                            <m:sty m:val="p"/>
+                          </m:rPr>
+                          <m:t>/</m:t>
+                        </m:r>
+                        <m:r>
+                          <m:t>2</m:t>
+                        </m:r>
+                      </m:e>
+                    </m:d>
+                  </m:oMath>
+                </a14:m>
+                <a:r>
+                  <a:rPr/>
+                  <a:t> submatrices. Form terms to be multiplied using </a:t>
+                </a:r>
+                <a14:m>
+                  <m:oMath xmlns:m="http://schemas.openxmlformats.org/officeDocument/2006/math">
+                    <m:r>
+                      <m:rPr>
+                        <m:sty m:val="p"/>
+                      </m:rPr>
+                      <m:t>+</m:t>
+                    </m:r>
+                  </m:oMath>
+                </a14:m>
+                <a:r>
+                  <a:rPr/>
+                  <a:t> and </a:t>
+                </a:r>
+                <a14:m>
+                  <m:oMath xmlns:m="http://schemas.openxmlformats.org/officeDocument/2006/math">
+                    <m:r>
+                      <m:rPr>
+                        <m:sty m:val="p"/>
+                      </m:rPr>
+                      <m:t>−</m:t>
+                    </m:r>
+                  </m:oMath>
+                </a14:m>
+                <a:r>
+                  <a:rPr/>
+                  <a:t>.</a:t>
+                </a:r>
+              </a:p>
+              <a:p>
+                <a:pPr lvl="0"/>
+                <a:r>
+                  <a:rPr b="1"/>
+                  <a:t>Conquer:</a:t>
+                </a:r>
+                <a:r>
+                  <a:rPr/>
+                  <a:t> Perform </a:t>
+                </a:r>
+                <a14:m>
+                  <m:oMath xmlns:m="http://schemas.openxmlformats.org/officeDocument/2006/math">
+                    <m:r>
+                      <m:t>7</m:t>
+                    </m:r>
+                  </m:oMath>
+                </a14:m>
+                <a:r>
+                  <a:rPr/>
+                  <a:t> multiplications of </a:t>
+                </a:r>
+                <a14:m>
+                  <m:oMath xmlns:m="http://schemas.openxmlformats.org/officeDocument/2006/math">
+                    <m:d>
+                      <m:dPr>
+                        <m:begChr m:val="("/>
+                        <m:endChr m:val=")"/>
+                        <m:sepChr m:val=""/>
+                        <m:grow/>
+                      </m:dPr>
+                      <m:e>
+                        <m:r>
+                          <m:t>n</m:t>
+                        </m:r>
+                        <m:r>
+                          <m:rPr>
+                            <m:sty m:val="p"/>
+                          </m:rPr>
+                          <m:t>/</m:t>
+                        </m:r>
+                        <m:r>
+                          <m:t>2</m:t>
+                        </m:r>
+                      </m:e>
+                    </m:d>
+                    <m:r>
+                      <m:rPr>
+                        <m:sty m:val="p"/>
+                      </m:rPr>
+                      <m:t>*</m:t>
+                    </m:r>
+                    <m:d>
+                      <m:dPr>
+                        <m:begChr m:val="("/>
+                        <m:endChr m:val=")"/>
+                        <m:sepChr m:val=""/>
+                        <m:grow/>
+                      </m:dPr>
+                      <m:e>
+                        <m:r>
+                          <m:t>n</m:t>
+                        </m:r>
+                        <m:r>
+                          <m:rPr>
+                            <m:sty m:val="p"/>
+                          </m:rPr>
+                          <m:t>/</m:t>
+                        </m:r>
+                        <m:r>
+                          <m:t>2</m:t>
+                        </m:r>
+                      </m:e>
+                    </m:d>
+                  </m:oMath>
+                </a14:m>
+                <a:r>
+                  <a:rPr/>
+                  <a:t> submatrices recursively.</a:t>
+                </a:r>
+              </a:p>
+              <a:p>
+                <a:pPr lvl="0"/>
+                <a:r>
+                  <a:rPr b="1"/>
+                  <a:t>Combine:</a:t>
+                </a:r>
+                <a:r>
+                  <a:rPr/>
+                  <a:t> Form </a:t>
+                </a:r>
+                <a14:m>
+                  <m:oMath xmlns:m="http://schemas.openxmlformats.org/officeDocument/2006/math">
+                    <m:r>
+                      <m:t>C</m:t>
+                    </m:r>
+                  </m:oMath>
+                </a14:m>
+                <a:r>
+                  <a:rPr/>
+                  <a:t> using </a:t>
+                </a:r>
+                <a14:m>
+                  <m:oMath xmlns:m="http://schemas.openxmlformats.org/officeDocument/2006/math">
+                    <m:r>
+                      <m:rPr>
+                        <m:sty m:val="p"/>
+                      </m:rPr>
+                      <m:t>+</m:t>
+                    </m:r>
+                  </m:oMath>
+                </a14:m>
+                <a:r>
+                  <a:rPr/>
+                  <a:t> and </a:t>
+                </a:r>
+                <a14:m>
+                  <m:oMath xmlns:m="http://schemas.openxmlformats.org/officeDocument/2006/math">
+                    <m:r>
+                      <m:rPr>
+                        <m:sty m:val="p"/>
+                      </m:rPr>
+                      <m:t>–</m:t>
+                    </m:r>
+                  </m:oMath>
+                </a14:m>
+                <a:r>
+                  <a:rPr/>
+                  <a:t> on </a:t>
+                </a:r>
+                <a14:m>
+                  <m:oMath xmlns:m="http://schemas.openxmlformats.org/officeDocument/2006/math">
+                    <m:d>
+                      <m:dPr>
+                        <m:begChr m:val="("/>
+                        <m:endChr m:val=")"/>
+                        <m:sepChr m:val=""/>
+                        <m:grow/>
+                      </m:dPr>
+                      <m:e>
+                        <m:r>
+                          <m:t>n</m:t>
+                        </m:r>
+                        <m:r>
+                          <m:rPr>
+                            <m:sty m:val="p"/>
+                          </m:rPr>
+                          <m:t>/</m:t>
+                        </m:r>
+                        <m:r>
+                          <m:t>2</m:t>
+                        </m:r>
+                      </m:e>
+                    </m:d>
+                    <m:r>
+                      <m:rPr>
+                        <m:sty m:val="p"/>
+                      </m:rPr>
+                      <m:t>*</m:t>
+                    </m:r>
+                    <m:d>
+                      <m:dPr>
+                        <m:begChr m:val="("/>
+                        <m:endChr m:val=")"/>
+                        <m:sepChr m:val=""/>
+                        <m:grow/>
+                      </m:dPr>
+                      <m:e>
+                        <m:r>
+                          <m:t>n</m:t>
+                        </m:r>
+                        <m:r>
+                          <m:rPr>
+                            <m:sty m:val="p"/>
+                          </m:rPr>
+                          <m:t>/</m:t>
+                        </m:r>
+                        <m:r>
+                          <m:t>2</m:t>
+                        </m:r>
+                      </m:e>
+                    </m:d>
+                  </m:oMath>
+                </a14:m>
+                <a:r>
+                  <a:rPr/>
+                  <a:t>submatrices.</a:t>
+                </a:r>
+              </a:p>
+              <a:p>
+                <a:pPr lvl="0" indent="0" marL="0">
+                  <a:buNone/>
+                </a:pPr>
+                <a:r>
+                  <a:rPr b="1"/>
+                  <a:t>Recurrence:</a:t>
+                </a:r>
+                <a:r>
+                  <a:rPr/>
+                  <a:t> </a:t>
+                </a:r>
+                <a14:m>
+                  <m:oMath xmlns:m="http://schemas.openxmlformats.org/officeDocument/2006/math">
+                    <m:r>
+                      <m:t>T</m:t>
+                    </m:r>
+                    <m:d>
+                      <m:dPr>
+                        <m:begChr m:val="("/>
+                        <m:endChr m:val=")"/>
+                        <m:sepChr m:val=""/>
+                        <m:grow/>
+                      </m:dPr>
+                      <m:e>
+                        <m:r>
+                          <m:t>n</m:t>
+                        </m:r>
+                      </m:e>
+                    </m:d>
+                    <m:r>
+                      <m:rPr>
+                        <m:sty m:val="p"/>
+                      </m:rPr>
+                      <m:t>=</m:t>
+                    </m:r>
+                    <m:r>
+                      <m:t>7</m:t>
+                    </m:r>
+                    <m:r>
+                      <m:t>T</m:t>
+                    </m:r>
+                    <m:d>
+                      <m:dPr>
+                        <m:begChr m:val="("/>
+                        <m:endChr m:val=")"/>
+                        <m:sepChr m:val=""/>
+                        <m:grow/>
+                      </m:dPr>
+                      <m:e>
+                        <m:r>
+                          <m:t>n</m:t>
+                        </m:r>
+                        <m:r>
+                          <m:rPr>
+                            <m:sty m:val="p"/>
+                          </m:rPr>
+                          <m:t>/</m:t>
+                        </m:r>
+                        <m:r>
+                          <m:t>2</m:t>
+                        </m:r>
+                      </m:e>
+                    </m:d>
+                    <m:r>
+                      <m:rPr>
+                        <m:sty m:val="p"/>
+                      </m:rPr>
+                      <m:t>+</m:t>
+                    </m:r>
+                    <m:r>
+                      <m:t>Θ</m:t>
+                    </m:r>
+                    <m:d>
+                      <m:dPr>
+                        <m:begChr m:val="("/>
+                        <m:endChr m:val=")"/>
+                        <m:sepChr m:val=""/>
+                        <m:grow/>
+                      </m:dPr>
+                      <m:e>
+                        <m:sSup>
+                          <m:e>
+                            <m:r>
+                              <m:t>n</m:t>
+                            </m:r>
+                          </m:e>
+                          <m:sup>
+                            <m:r>
+                              <m:t>2</m:t>
+                            </m:r>
+                          </m:sup>
+                        </m:sSup>
+                      </m:e>
+                    </m:d>
+                  </m:oMath>
+                </a14:m>
+              </a:p>
+            </p:txBody>
+          </p:sp>
+        </mc:Choice>
+      </mc:AlternateContent>
+    </p:spTree>
+  </p:cSld>
+</p:sld>
+</file>
+
+<file path=ppt/slides/slide23.xml><?xml version="1.0" encoding="utf-8"?>
+<p:sld xmlns:a="http://schemas.openxmlformats.org/drawingml/2006/main" xmlns:r="http://schemas.openxmlformats.org/officeDocument/2006/relationships" xmlns:p="http://schemas.openxmlformats.org/presentationml/2006/main">
+  <p:cSld>
+    <p:spTree>
+      <p:nvGrpSpPr>
+        <p:cNvPr id="1" name=""/>
+        <p:cNvGrpSpPr/>
+        <p:nvPr/>
+      </p:nvGrpSpPr>
+      <p:grpSpPr>
+        <a:xfrm>
+          <a:off x="0" y="0"/>
+          <a:ext cx="0" cy="0"/>
+          <a:chOff x="0" y="0"/>
+          <a:chExt cx="0" cy="0"/>
+        </a:xfrm>
+      </p:grpSpPr>
+      <p:sp>
+        <p:nvSpPr>
+          <p:cNvPr id="2" name="Title 1"/>
+          <p:cNvSpPr>
+            <a:spLocks noGrp="1"/>
+          </p:cNvSpPr>
+          <p:nvPr>
+            <p:ph type="title"/>
+          </p:nvPr>
+        </p:nvSpPr>
+        <p:spPr/>
+        <p:txBody>
+          <a:bodyPr/>
+          <a:lstStyle/>
+          <a:p>
+            <a:pPr lvl="0" indent="0" marL="0">
+              <a:buNone/>
+            </a:pPr>
+            <a:r>
+              <a:rPr/>
+              <a:t>Strassen’s Algorithm: Solving the Recurrence</a:t>
+            </a:r>
+          </a:p>
+        </p:txBody>
+      </p:sp>
+      <mc:AlternateContent xmlns:mc="http://schemas.openxmlformats.org/markup-compatibility/2006">
+        <mc:Choice xmlns:a14="http://schemas.microsoft.com/office/drawing/2010/main" Requires="a14">
+          <p:sp>
+            <p:nvSpPr>
+              <p:cNvPr id="3" name="Content Placeholder 2"/>
+              <p:cNvSpPr>
+                <a:spLocks noGrp="1"/>
+              </p:cNvSpPr>
+              <p:nvPr>
+                <p:ph idx="1"/>
+              </p:nvPr>
+            </p:nvSpPr>
+            <p:spPr/>
+            <p:txBody>
+              <a:bodyPr/>
+              <a:lstStyle/>
+              <a:p>
+                <a:pPr lvl="0"/>
+                <a14:m>
+                  <m:oMath xmlns:m="http://schemas.openxmlformats.org/officeDocument/2006/math">
+                    <m:r>
+                      <m:t>T</m:t>
+                    </m:r>
+                    <m:d>
+                      <m:dPr>
+                        <m:begChr m:val="("/>
+                        <m:endChr m:val=")"/>
+                        <m:sepChr m:val=""/>
+                        <m:grow/>
+                      </m:dPr>
+                      <m:e>
+                        <m:r>
+                          <m:t>n</m:t>
+                        </m:r>
+                      </m:e>
+                    </m:d>
+                    <m:r>
+                      <m:rPr>
+                        <m:sty m:val="p"/>
+                      </m:rPr>
+                      <m:t>=</m:t>
+                    </m:r>
+                    <m:r>
+                      <m:t>7</m:t>
+                    </m:r>
+                    <m:r>
+                      <m:t>T</m:t>
+                    </m:r>
+                    <m:d>
+                      <m:dPr>
+                        <m:begChr m:val="("/>
+                        <m:endChr m:val=")"/>
+                        <m:sepChr m:val=""/>
+                        <m:grow/>
+                      </m:dPr>
+                      <m:e>
+                        <m:r>
+                          <m:t>n</m:t>
+                        </m:r>
+                        <m:r>
+                          <m:rPr>
+                            <m:sty m:val="p"/>
+                          </m:rPr>
+                          <m:t>/</m:t>
+                        </m:r>
+                        <m:r>
+                          <m:t>2</m:t>
+                        </m:r>
+                      </m:e>
+                    </m:d>
+                    <m:r>
+                      <m:rPr>
+                        <m:sty m:val="p"/>
+                      </m:rPr>
+                      <m:t>+</m:t>
+                    </m:r>
+                    <m:r>
+                      <m:t>Θ</m:t>
+                    </m:r>
+                    <m:d>
+                      <m:dPr>
+                        <m:begChr m:val="("/>
+                        <m:endChr m:val=")"/>
+                        <m:sepChr m:val=""/>
+                        <m:grow/>
+                      </m:dPr>
+                      <m:e>
+                        <m:sSup>
+                          <m:e>
+                            <m:r>
+                              <m:t>n</m:t>
+                            </m:r>
+                          </m:e>
+                          <m:sup>
+                            <m:r>
+                              <m:t>2</m:t>
+                            </m:r>
+                          </m:sup>
+                        </m:sSup>
+                      </m:e>
+                    </m:d>
+                  </m:oMath>
+                </a14:m>
+              </a:p>
+              <a:p>
+                <a:pPr lvl="1"/>
+                <a14:m>
+                  <m:oMath xmlns:m="http://schemas.openxmlformats.org/officeDocument/2006/math">
+                    <m:r>
+                      <m:t>a</m:t>
+                    </m:r>
+                    <m:r>
+                      <m:rPr>
+                        <m:sty m:val="p"/>
+                      </m:rPr>
+                      <m:t>=</m:t>
+                    </m:r>
+                    <m:r>
+                      <m:t>7</m:t>
+                    </m:r>
+                  </m:oMath>
+                </a14:m>
+                <a:r>
+                  <a:rPr/>
+                  <a:t>, </a:t>
+                </a:r>
+                <a14:m>
+                  <m:oMath xmlns:m="http://schemas.openxmlformats.org/officeDocument/2006/math">
+                    <m:r>
+                      <m:t>b</m:t>
+                    </m:r>
+                    <m:r>
+                      <m:rPr>
+                        <m:sty m:val="p"/>
+                      </m:rPr>
+                      <m:t>=</m:t>
+                    </m:r>
+                    <m:r>
+                      <m:t>2</m:t>
+                    </m:r>
+                  </m:oMath>
+                </a14:m>
+              </a:p>
+              <a:p>
+                <a:pPr lvl="1"/>
+                <a14:m>
+                  <m:oMath xmlns:m="http://schemas.openxmlformats.org/officeDocument/2006/math">
+                    <m:r>
+                      <m:t>f</m:t>
+                    </m:r>
+                    <m:d>
+                      <m:dPr>
+                        <m:begChr m:val="("/>
+                        <m:endChr m:val=")"/>
+                        <m:sepChr m:val=""/>
+                        <m:grow/>
+                      </m:dPr>
+                      <m:e>
+                        <m:r>
+                          <m:t>n</m:t>
+                        </m:r>
+                      </m:e>
+                    </m:d>
+                    <m:r>
+                      <m:rPr>
+                        <m:sty m:val="p"/>
+                      </m:rPr>
+                      <m:t>=</m:t>
+                    </m:r>
+                    <m:r>
+                      <m:t>Θ</m:t>
+                    </m:r>
+                    <m:d>
+                      <m:dPr>
+                        <m:begChr m:val="("/>
+                        <m:endChr m:val=")"/>
+                        <m:sepChr m:val=""/>
+                        <m:grow/>
+                      </m:dPr>
+                      <m:e>
+                        <m:sSup>
+                          <m:e>
+                            <m:r>
+                              <m:t>n</m:t>
+                            </m:r>
+                          </m:e>
+                          <m:sup>
+                            <m:r>
+                              <m:t>2</m:t>
+                            </m:r>
+                          </m:sup>
+                        </m:sSup>
+                      </m:e>
+                    </m:d>
+                  </m:oMath>
+                </a14:m>
+              </a:p>
+              <a:p>
+                <a:pPr lvl="1"/>
+                <a14:m>
+                  <m:oMath xmlns:m="http://schemas.openxmlformats.org/officeDocument/2006/math">
+                    <m:sSup>
+                      <m:e>
+                        <m:r>
+                          <m:t>n</m:t>
+                        </m:r>
+                      </m:e>
+                      <m:sup>
+                        <m:r>
+                          <m:t>l</m:t>
+                        </m:r>
+                        <m:r>
+                          <m:t>o</m:t>
+                        </m:r>
+                        <m:sSubSup>
+                          <m:e>
+                            <m:r>
+                              <m:t>g</m:t>
+                            </m:r>
+                          </m:e>
+                          <m:sub>
+                            <m:r>
+                              <m:t>b</m:t>
+                            </m:r>
+                          </m:sub>
+                          <m:sup>
+                            <m:r>
+                              <m:t>a</m:t>
+                            </m:r>
+                          </m:sup>
+                        </m:sSubSup>
+                      </m:sup>
+                    </m:sSup>
+                    <m:r>
+                      <m:rPr>
+                        <m:sty m:val="p"/>
+                      </m:rPr>
+                      <m:t>=</m:t>
+                    </m:r>
+                    <m:sSup>
+                      <m:e>
+                        <m:r>
+                          <m:t>n</m:t>
+                        </m:r>
+                      </m:e>
+                      <m:sup>
+                        <m:r>
+                          <m:t>l</m:t>
+                        </m:r>
+                        <m:r>
+                          <m:t>g</m:t>
+                        </m:r>
+                        <m:r>
+                          <m:t>7</m:t>
+                        </m:r>
+                      </m:sup>
+                    </m:sSup>
+                  </m:oMath>
+                </a14:m>
+              </a:p>
+              <a:p>
+                <a:pPr lvl="0"/>
+                <a:r>
+                  <a:rPr/>
+                  <a:t>Case 1: </a:t>
+                </a:r>
+                <a14:m>
+                  <m:oMath xmlns:m="http://schemas.openxmlformats.org/officeDocument/2006/math">
+                    <m:f>
+                      <m:fPr>
+                        <m:type m:val="bar"/>
+                      </m:fPr>
+                      <m:num>
+                        <m:sSup>
+                          <m:e>
+                            <m:r>
+                              <m:t>n</m:t>
+                            </m:r>
+                          </m:e>
+                          <m:sup>
+                            <m:r>
+                              <m:t>l</m:t>
+                            </m:r>
+                            <m:r>
+                              <m:t>o</m:t>
+                            </m:r>
+                            <m:sSubSup>
+                              <m:e>
+                                <m:r>
+                                  <m:t>g</m:t>
+                                </m:r>
+                              </m:e>
+                              <m:sub>
+                                <m:r>
+                                  <m:t>b</m:t>
+                                </m:r>
+                              </m:sub>
+                              <m:sup>
+                                <m:r>
+                                  <m:t>a</m:t>
+                                </m:r>
+                              </m:sup>
+                            </m:sSubSup>
+                          </m:sup>
+                        </m:sSup>
+                      </m:num>
+                      <m:den>
+                        <m:r>
+                          <m:t>f</m:t>
+                        </m:r>
+                        <m:d>
+                          <m:dPr>
+                            <m:begChr m:val="("/>
+                            <m:endChr m:val=")"/>
+                            <m:sepChr m:val=""/>
+                            <m:grow/>
+                          </m:dPr>
+                          <m:e>
+                            <m:r>
+                              <m:t>n</m:t>
+                            </m:r>
+                          </m:e>
+                        </m:d>
+                      </m:den>
+                    </m:f>
+                    <m:r>
+                      <m:rPr>
+                        <m:sty m:val="p"/>
+                      </m:rPr>
+                      <m:t>=</m:t>
+                    </m:r>
+                    <m:r>
+                      <m:t>Ω</m:t>
+                    </m:r>
+                    <m:d>
+                      <m:dPr>
+                        <m:begChr m:val="("/>
+                        <m:endChr m:val=")"/>
+                        <m:sepChr m:val=""/>
+                        <m:grow/>
+                      </m:dPr>
+                      <m:e>
+                        <m:sSup>
+                          <m:e>
+                            <m:r>
+                              <m:t>n</m:t>
+                            </m:r>
+                          </m:e>
+                          <m:sup>
+                            <m:r>
+                              <m:t>ε</m:t>
+                            </m:r>
+                          </m:sup>
+                        </m:sSup>
+                      </m:e>
+                    </m:d>
+                    <m:r>
+                      <m:rPr>
+                        <m:sty m:val="p"/>
+                      </m:rPr>
+                      <m:t>⇒</m:t>
+                    </m:r>
+                    <m:r>
+                      <m:t>T</m:t>
+                    </m:r>
+                    <m:d>
+                      <m:dPr>
+                        <m:begChr m:val="("/>
+                        <m:endChr m:val=")"/>
+                        <m:sepChr m:val=""/>
+                        <m:grow/>
+                      </m:dPr>
+                      <m:e>
+                        <m:r>
+                          <m:t>n</m:t>
+                        </m:r>
+                      </m:e>
+                    </m:d>
+                    <m:r>
+                      <m:rPr>
+                        <m:sty m:val="p"/>
+                      </m:rPr>
+                      <m:t>=</m:t>
+                    </m:r>
+                    <m:r>
+                      <m:t>Θ</m:t>
+                    </m:r>
+                    <m:d>
+                      <m:dPr>
+                        <m:begChr m:val="("/>
+                        <m:endChr m:val=")"/>
+                        <m:sepChr m:val=""/>
+                        <m:grow/>
+                      </m:dPr>
+                      <m:e>
+                        <m:sSup>
+                          <m:e>
+                            <m:r>
+                              <m:t>n</m:t>
+                            </m:r>
+                          </m:e>
+                          <m:sup>
+                            <m:r>
+                              <m:t>l</m:t>
+                            </m:r>
+                            <m:r>
+                              <m:t>o</m:t>
+                            </m:r>
+                            <m:sSubSup>
+                              <m:e>
+                                <m:r>
+                                  <m:t>g</m:t>
+                                </m:r>
+                              </m:e>
+                              <m:sub>
+                                <m:r>
+                                  <m:t>b</m:t>
+                                </m:r>
+                              </m:sub>
+                              <m:sup>
+                                <m:r>
+                                  <m:t>a</m:t>
+                                </m:r>
+                              </m:sup>
+                            </m:sSubSup>
+                          </m:sup>
+                        </m:sSup>
+                      </m:e>
+                    </m:d>
+                  </m:oMath>
+                </a14:m>
+              </a:p>
+              <a:p>
+                <a:pPr lvl="0" indent="0" marL="0">
+                  <a:buNone/>
+                </a:pPr>
+                <a14:m>
+                  <m:oMath xmlns:m="http://schemas.openxmlformats.org/officeDocument/2006/math">
+                    <m:r>
+                      <m:t>T</m:t>
+                    </m:r>
+                    <m:d>
+                      <m:dPr>
+                        <m:begChr m:val="("/>
+                        <m:endChr m:val=")"/>
+                        <m:sepChr m:val=""/>
+                        <m:grow/>
+                      </m:dPr>
+                      <m:e>
+                        <m:r>
+                          <m:t>n</m:t>
+                        </m:r>
+                      </m:e>
+                    </m:d>
+                    <m:r>
+                      <m:rPr>
+                        <m:sty m:val="p"/>
+                      </m:rPr>
+                      <m:t>=</m:t>
+                    </m:r>
+                    <m:r>
+                      <m:t>Θ</m:t>
+                    </m:r>
+                    <m:d>
+                      <m:dPr>
+                        <m:begChr m:val="("/>
+                        <m:endChr m:val=")"/>
+                        <m:sepChr m:val=""/>
+                        <m:grow/>
+                      </m:dPr>
+                      <m:e>
+                        <m:sSup>
+                          <m:e>
+                            <m:r>
+                              <m:t>n</m:t>
+                            </m:r>
+                          </m:e>
+                          <m:sup>
+                            <m:r>
+                              <m:t>l</m:t>
+                            </m:r>
+                            <m:r>
+                              <m:t>o</m:t>
+                            </m:r>
+                            <m:sSubSup>
+                              <m:e>
+                                <m:r>
+                                  <m:t>g</m:t>
+                                </m:r>
+                              </m:e>
+                              <m:sub>
+                                <m:r>
+                                  <m:t>2</m:t>
+                                </m:r>
+                              </m:sub>
+                              <m:sup>
+                                <m:r>
+                                  <m:t>7</m:t>
+                                </m:r>
+                              </m:sup>
+                            </m:sSubSup>
+                          </m:sup>
+                        </m:sSup>
+                      </m:e>
+                    </m:d>
+                  </m:oMath>
+                </a14:m>
+              </a:p>
+              <a:p>
+                <a:pPr lvl="0" indent="0" marL="0">
+                  <a:buNone/>
+                </a:pPr>
+                <a14:m>
+                  <m:oMath xmlns:m="http://schemas.openxmlformats.org/officeDocument/2006/math">
+                    <m:sSup>
+                      <m:e>
+                        <m:r>
+                          <m:t>2</m:t>
+                        </m:r>
+                      </m:e>
+                      <m:sup>
+                        <m:r>
+                          <m:t>3</m:t>
+                        </m:r>
+                      </m:sup>
+                    </m:sSup>
+                    <m:r>
+                      <m:rPr>
+                        <m:sty m:val="p"/>
+                      </m:rPr>
+                      <m:t>=</m:t>
+                    </m:r>
+                    <m:r>
+                      <m:t>8</m:t>
+                    </m:r>
+                    <m:r>
+                      <m:rPr>
+                        <m:sty m:val="p"/>
+                      </m:rPr>
+                      <m:t>,</m:t>
+                    </m:r>
+                    <m:sSup>
+                      <m:e>
+                        <m:r>
+                          <m:t>2</m:t>
+                        </m:r>
+                      </m:e>
+                      <m:sup>
+                        <m:r>
+                          <m:t>2</m:t>
+                        </m:r>
+                      </m:sup>
+                    </m:sSup>
+                    <m:r>
+                      <m:rPr>
+                        <m:sty m:val="p"/>
+                      </m:rPr>
+                      <m:t>=</m:t>
+                    </m:r>
+                    <m:r>
+                      <m:t>4</m:t>
+                    </m:r>
+                  </m:oMath>
+                </a14:m>
+                <a:r>
+                  <a:rPr/>
+                  <a:t> so </a:t>
+                </a:r>
+                <a14:m>
+                  <m:oMath xmlns:m="http://schemas.openxmlformats.org/officeDocument/2006/math">
+                    <m:r>
+                      <m:rPr>
+                        <m:sty m:val="p"/>
+                      </m:rPr>
+                      <m:t>⇒</m:t>
+                    </m:r>
+                    <m:r>
+                      <m:t>l</m:t>
+                    </m:r>
+                    <m:r>
+                      <m:t>o</m:t>
+                    </m:r>
+                    <m:sSubSup>
+                      <m:e>
+                        <m:r>
+                          <m:t>g</m:t>
+                        </m:r>
+                      </m:e>
+                      <m:sub>
+                        <m:r>
+                          <m:t>2</m:t>
+                        </m:r>
+                      </m:sub>
+                      <m:sup>
+                        <m:r>
+                          <m:t>7</m:t>
+                        </m:r>
+                      </m:sup>
+                    </m:sSubSup>
+                    <m:r>
+                      <m:rPr>
+                        <m:sty m:val="p"/>
+                      </m:rPr>
+                      <m:t>≈</m:t>
+                    </m:r>
+                    <m:r>
+                      <m:t>2.81</m:t>
+                    </m:r>
+                  </m:oMath>
+                </a14:m>
+              </a:p>
+              <a:p>
+                <a:pPr lvl="0" indent="0" marL="0">
+                  <a:buNone/>
+                </a:pPr>
+                <a:r>
+                  <a:rPr/>
+                  <a:t>or use https://www.omnicalculator.com/math/log</a:t>
+                </a:r>
+              </a:p>
+            </p:txBody>
+          </p:sp>
+        </mc:Choice>
+      </mc:AlternateContent>
+    </p:spTree>
+  </p:cSld>
+</p:sld>
+</file>
+
+<file path=ppt/slides/slide24.xml><?xml version="1.0" encoding="utf-8"?>
+<p:sld xmlns:a="http://schemas.openxmlformats.org/drawingml/2006/main" xmlns:r="http://schemas.openxmlformats.org/officeDocument/2006/relationships" xmlns:p="http://schemas.openxmlformats.org/presentationml/2006/main">
+  <p:cSld>
+    <p:spTree>
+      <p:nvGrpSpPr>
+        <p:cNvPr id="1" name=""/>
+        <p:cNvGrpSpPr/>
+        <p:nvPr/>
+      </p:nvGrpSpPr>
+      <p:grpSpPr>
+        <a:xfrm>
+          <a:off x="0" y="0"/>
+          <a:ext cx="0" cy="0"/>
+          <a:chOff x="0" y="0"/>
+          <a:chExt cx="0" cy="0"/>
+        </a:xfrm>
+      </p:grpSpPr>
+      <p:sp>
+        <p:nvSpPr>
+          <p:cNvPr id="2" name="Title 1"/>
+          <p:cNvSpPr>
+            <a:spLocks noGrp="1"/>
+          </p:cNvSpPr>
+          <p:nvPr>
+            <p:ph type="title"/>
+          </p:nvPr>
+        </p:nvSpPr>
+        <p:spPr/>
+        <p:txBody>
+          <a:bodyPr/>
+          <a:lstStyle/>
+          <a:p>
+            <a:pPr lvl="0" indent="0" marL="0">
+              <a:buNone/>
+            </a:pPr>
+            <a:r>
+              <a:rPr/>
+              <a:t>Strassen’s Algorithm</a:t>
+            </a:r>
+          </a:p>
+        </p:txBody>
+      </p:sp>
+      <mc:AlternateContent xmlns:mc="http://schemas.openxmlformats.org/markup-compatibility/2006">
+        <mc:Choice xmlns:a14="http://schemas.microsoft.com/office/drawing/2010/main" Requires="a14">
+          <p:sp>
+            <p:nvSpPr>
+              <p:cNvPr id="3" name="Content Placeholder 2"/>
+              <p:cNvSpPr>
+                <a:spLocks noGrp="1"/>
+              </p:cNvSpPr>
+              <p:nvPr>
+                <p:ph idx="1"/>
+              </p:nvPr>
+            </p:nvSpPr>
+            <p:spPr/>
+            <p:txBody>
+              <a:bodyPr/>
+              <a:lstStyle/>
+              <a:p>
+                <a:pPr lvl="0"/>
+                <a:r>
+                  <a:rPr/>
+                  <a:t>The number </a:t>
+                </a:r>
+                <a14:m>
+                  <m:oMath xmlns:m="http://schemas.openxmlformats.org/officeDocument/2006/math">
+                    <m:r>
+                      <m:t>2.81</m:t>
+                    </m:r>
+                  </m:oMath>
+                </a14:m>
+                <a:r>
+                  <a:rPr/>
+                  <a:t> may not seem much smaller than </a:t>
+                </a:r>
+                <a14:m>
+                  <m:oMath xmlns:m="http://schemas.openxmlformats.org/officeDocument/2006/math">
+                    <m:r>
+                      <m:t>3</m:t>
+                    </m:r>
+                  </m:oMath>
+                </a14:m>
+              </a:p>
+              <a:p>
+                <a:pPr lvl="0"/>
+                <a:r>
+                  <a:rPr/>
+                  <a:t>But, it is significant because the difference is in the exponent.</a:t>
+                </a:r>
+              </a:p>
+              <a:p>
+                <a:pPr lvl="0"/>
+                <a:r>
+                  <a:rPr/>
+                  <a:t>Strassen’s algorithm beats the ordinary algorithm on today’s machines for </a:t>
+                </a:r>
+                <a14:m>
+                  <m:oMath xmlns:m="http://schemas.openxmlformats.org/officeDocument/2006/math">
+                    <m:r>
+                      <m:t>n</m:t>
+                    </m:r>
+                    <m:r>
+                      <m:rPr>
+                        <m:sty m:val="p"/>
+                      </m:rPr>
+                      <m:t>≥</m:t>
+                    </m:r>
+                    <m:r>
+                      <m:t>30</m:t>
+                    </m:r>
+                  </m:oMath>
+                </a14:m>
+                <a:r>
+                  <a:rPr/>
+                  <a:t> or so.</a:t>
+                </a:r>
+              </a:p>
+              <a:p>
+                <a:pPr lvl="0"/>
+                <a:r>
+                  <a:rPr/>
+                  <a:t>Best to date: </a:t>
+                </a:r>
+                <a14:m>
+                  <m:oMath xmlns:m="http://schemas.openxmlformats.org/officeDocument/2006/math">
+                    <m:r>
+                      <m:t>Θ</m:t>
+                    </m:r>
+                    <m:d>
+                      <m:dPr>
+                        <m:begChr m:val="("/>
+                        <m:endChr m:val=")"/>
+                        <m:sepChr m:val=""/>
+                        <m:grow/>
+                      </m:dPr>
+                      <m:e>
+                        <m:sSup>
+                          <m:e>
+                            <m:r>
+                              <m:t>n</m:t>
+                            </m:r>
+                          </m:e>
+                          <m:sup>
+                            <m:r>
+                              <m:t>2.376</m:t>
+                            </m:r>
+                            <m:r>
+                              <m:rPr>
+                                <m:sty m:val="p"/>
+                              </m:rPr>
+                              <m:t>…</m:t>
+                            </m:r>
+                          </m:sup>
+                        </m:sSup>
+                      </m:e>
+                    </m:d>
+                  </m:oMath>
+                </a14:m>
+                <a:r>
+                  <a:rPr/>
+                  <a:t> (of theoretical interest only)</a:t>
+                </a:r>
+              </a:p>
+            </p:txBody>
+          </p:sp>
+        </mc:Choice>
+      </mc:AlternateContent>
+    </p:spTree>
+  </p:cSld>
+</p:sld>
+</file>
+
+<file path=ppt/slides/slide25.xml><?xml version="1.0" encoding="utf-8"?>
+<p:sld xmlns:a="http://schemas.openxmlformats.org/drawingml/2006/main" xmlns:r="http://schemas.openxmlformats.org/officeDocument/2006/relationships" xmlns:p="http://schemas.openxmlformats.org/presentationml/2006/main">
+  <p:cSld>
+    <p:spTree>
+      <p:nvGrpSpPr>
+        <p:cNvPr id="1" name=""/>
+        <p:cNvGrpSpPr/>
+        <p:nvPr/>
+      </p:nvGrpSpPr>
+      <p:grpSpPr>
+        <a:xfrm>
+          <a:off x="0" y="0"/>
+          <a:ext cx="0" cy="0"/>
+          <a:chOff x="0" y="0"/>
+          <a:chExt cx="0" cy="0"/>
+        </a:xfrm>
+      </p:grpSpPr>
+      <p:sp>
+        <p:nvSpPr>
+          <p:cNvPr id="2" name="Title 1"/>
+          <p:cNvSpPr>
+            <a:spLocks noGrp="1"/>
+          </p:cNvSpPr>
+          <p:nvPr>
+            <p:ph type="title"/>
+          </p:nvPr>
+        </p:nvSpPr>
+        <p:spPr/>
+        <p:txBody>
+          <a:bodyPr/>
+          <a:lstStyle/>
+          <a:p>
+            <a:pPr lvl="0" indent="0" marL="0">
+              <a:buNone/>
+            </a:pPr>
+            <a:r>
+              <a:rPr/>
+              <a:t>Maximum Subarray Problem</a:t>
+            </a:r>
+          </a:p>
+        </p:txBody>
+      </p:sp>
+      <mc:AlternateContent xmlns:mc="http://schemas.openxmlformats.org/markup-compatibility/2006">
+        <mc:Choice xmlns:a14="http://schemas.microsoft.com/office/drawing/2010/main" Requires="a14">
+          <p:sp>
+            <p:nvSpPr>
+              <p:cNvPr id="3" name="Content Placeholder 2"/>
+              <p:cNvSpPr>
+                <a:spLocks noGrp="1"/>
+              </p:cNvSpPr>
+              <p:nvPr>
+                <p:ph idx="1"/>
+              </p:nvPr>
+            </p:nvSpPr>
+            <p:spPr/>
+            <p:txBody>
+              <a:bodyPr/>
+              <a:lstStyle/>
+              <a:p>
+                <a:pPr lvl="0" indent="0" marL="0">
+                  <a:buNone/>
+                </a:pPr>
+                <a:r>
+                  <a:rPr b="1"/>
+                  <a:t>Input:</a:t>
+                </a:r>
+                <a:r>
+                  <a:rPr/>
+                  <a:t> An array of values </a:t>
+                </a:r>
+                <a:r>
+                  <a:rPr b="1"/>
+                  <a:t>Output:</a:t>
+                </a:r>
+                <a:r>
+                  <a:rPr/>
+                  <a:t> The contiguous subarray that has the largest sum of elements</a:t>
+                </a:r>
+              </a:p>
+              <a:p>
+                <a:pPr lvl="0"/>
+                <a:r>
+                  <a:rPr/>
+                  <a:t>Input array: </a:t>
+                </a:r>
+                <a14:m>
+                  <m:oMath xmlns:m="http://schemas.openxmlformats.org/officeDocument/2006/math">
+                    <m:d>
+                      <m:dPr>
+                        <m:begChr m:val="["/>
+                        <m:endChr m:val="]"/>
+                        <m:sepChr m:val=""/>
+                        <m:grow/>
+                      </m:dPr>
+                      <m:e>
+                        <m:r>
+                          <m:t>13</m:t>
+                        </m:r>
+                      </m:e>
+                    </m:d>
+                    <m:d>
+                      <m:dPr>
+                        <m:begChr m:val="["/>
+                        <m:endChr m:val="]"/>
+                        <m:sepChr m:val=""/>
+                        <m:grow/>
+                      </m:dPr>
+                      <m:e>
+                        <m:r>
+                          <m:rPr>
+                            <m:sty m:val="p"/>
+                          </m:rPr>
+                          <m:t>−</m:t>
+                        </m:r>
+                        <m:r>
+                          <m:t>3</m:t>
+                        </m:r>
+                      </m:e>
+                    </m:d>
+                    <m:d>
+                      <m:dPr>
+                        <m:begChr m:val="["/>
+                        <m:endChr m:val="]"/>
+                        <m:sepChr m:val=""/>
+                        <m:grow/>
+                      </m:dPr>
+                      <m:e>
+                        <m:r>
+                          <m:rPr>
+                            <m:sty m:val="p"/>
+                          </m:rPr>
+                          <m:t>−</m:t>
+                        </m:r>
+                        <m:r>
+                          <m:t>25</m:t>
+                        </m:r>
+                      </m:e>
+                    </m:d>
+                    <m:d>
+                      <m:dPr>
+                        <m:begChr m:val="["/>
+                        <m:endChr m:val="]"/>
+                        <m:sepChr m:val=""/>
+                        <m:grow/>
+                      </m:dPr>
+                      <m:e>
+                        <m:r>
+                          <m:t>20</m:t>
+                        </m:r>
+                      </m:e>
+                    </m:d>
+                    <m:d>
+                      <m:dPr>
+                        <m:begChr m:val="["/>
+                        <m:endChr m:val="]"/>
+                        <m:sepChr m:val=""/>
+                        <m:grow/>
+                      </m:dPr>
+                      <m:e>
+                        <m:r>
+                          <m:rPr>
+                            <m:sty m:val="p"/>
+                          </m:rPr>
+                          <m:t>−</m:t>
+                        </m:r>
+                        <m:r>
+                          <m:t>3</m:t>
+                        </m:r>
+                      </m:e>
+                    </m:d>
+                    <m:d>
+                      <m:dPr>
+                        <m:begChr m:val="["/>
+                        <m:endChr m:val="]"/>
+                        <m:sepChr m:val=""/>
+                        <m:grow/>
+                      </m:dPr>
+                      <m:e>
+                        <m:r>
+                          <m:rPr>
+                            <m:sty m:val="p"/>
+                          </m:rPr>
+                          <m:t>−</m:t>
+                        </m:r>
+                        <m:r>
+                          <m:t>16</m:t>
+                        </m:r>
+                      </m:e>
+                    </m:d>
+                    <m:d>
+                      <m:dPr>
+                        <m:begChr m:val="["/>
+                        <m:endChr m:val="]"/>
+                        <m:sepChr m:val=""/>
+                        <m:grow/>
+                      </m:dPr>
+                      <m:e>
+                        <m:r>
+                          <m:rPr>
+                            <m:sty m:val="p"/>
+                          </m:rPr>
+                          <m:t>−</m:t>
+                        </m:r>
+                        <m:r>
+                          <m:t>23</m:t>
+                        </m:r>
+                      </m:e>
+                    </m:d>
+                    <m:limUpp>
+                      <m:e>
+                        <m:groupChr>
+                          <m:groupChrPr>
+                            <m:chr m:val="⏞"/>
+                            <m:pos m:val="top"/>
+                            <m:vertJc m:val="bot"/>
+                          </m:groupChrPr>
+                          <m:e>
+                            <m:d>
+                              <m:dPr>
+                                <m:begChr m:val="["/>
+                                <m:endChr m:val="]"/>
+                                <m:sepChr m:val=""/>
+                                <m:grow/>
+                              </m:dPr>
+                              <m:e>
+                                <m:r>
+                                  <m:t>18</m:t>
+                                </m:r>
+                              </m:e>
+                            </m:d>
+                            <m:d>
+                              <m:dPr>
+                                <m:begChr m:val="["/>
+                                <m:endChr m:val="]"/>
+                                <m:sepChr m:val=""/>
+                                <m:grow/>
+                              </m:dPr>
+                              <m:e>
+                                <m:r>
+                                  <m:t>20</m:t>
+                                </m:r>
+                              </m:e>
+                            </m:d>
+                            <m:d>
+                              <m:dPr>
+                                <m:begChr m:val="["/>
+                                <m:endChr m:val="]"/>
+                                <m:sepChr m:val=""/>
+                                <m:grow/>
+                              </m:dPr>
+                              <m:e>
+                                <m:r>
+                                  <m:rPr>
+                                    <m:sty m:val="p"/>
+                                  </m:rPr>
+                                  <m:t>−</m:t>
+                                </m:r>
+                                <m:r>
+                                  <m:t>7</m:t>
+                                </m:r>
+                              </m:e>
+                            </m:d>
+                            <m:d>
+                              <m:dPr>
+                                <m:begChr m:val="["/>
+                                <m:endChr m:val="]"/>
+                                <m:sepChr m:val=""/>
+                                <m:grow/>
+                              </m:dPr>
+                              <m:e>
+                                <m:r>
+                                  <m:t>12</m:t>
+                                </m:r>
+                              </m:e>
+                            </m:d>
+                          </m:e>
+                        </m:groupChr>
+                      </m:e>
+                      <m:lim>
+                        <m:r>
+                          <m:rPr>
+                            <m:nor/>
+                            <m:sty m:val="p"/>
+                          </m:rPr>
+                          <m:t>max. contiguous subarray</m:t>
+                        </m:r>
+                      </m:lim>
+                    </m:limUpp>
+                    <m:d>
+                      <m:dPr>
+                        <m:begChr m:val="["/>
+                        <m:endChr m:val="]"/>
+                        <m:sepChr m:val=""/>
+                        <m:grow/>
+                      </m:dPr>
+                      <m:e>
+                        <m:r>
+                          <m:rPr>
+                            <m:sty m:val="p"/>
+                          </m:rPr>
+                          <m:t>−</m:t>
+                        </m:r>
+                        <m:r>
+                          <m:t>22</m:t>
+                        </m:r>
+                      </m:e>
+                    </m:d>
+                    <m:d>
+                      <m:dPr>
+                        <m:begChr m:val="["/>
+                        <m:endChr m:val="]"/>
+                        <m:sepChr m:val=""/>
+                        <m:grow/>
+                      </m:dPr>
+                      <m:e>
+                        <m:r>
+                          <m:rPr>
+                            <m:sty m:val="p"/>
+                          </m:rPr>
+                          <m:t>−</m:t>
+                        </m:r>
+                        <m:r>
+                          <m:t>4</m:t>
+                        </m:r>
+                      </m:e>
+                    </m:d>
+                    <m:d>
+                      <m:dPr>
+                        <m:begChr m:val="["/>
+                        <m:endChr m:val="]"/>
+                        <m:sepChr m:val=""/>
+                        <m:grow/>
+                      </m:dPr>
+                      <m:e>
+                        <m:r>
+                          <m:t>7</m:t>
+                        </m:r>
+                      </m:e>
+                    </m:d>
+                  </m:oMath>
+                </a14:m>
+              </a:p>
+            </p:txBody>
+          </p:sp>
+        </mc:Choice>
+      </mc:AlternateContent>
+    </p:spTree>
+  </p:cSld>
+</p:sld>
+</file>
+
+<file path=ppt/slides/slide26.xml><?xml version="1.0" encoding="utf-8"?>
+<p:sld xmlns:a="http://schemas.openxmlformats.org/drawingml/2006/main" xmlns:r="http://schemas.openxmlformats.org/officeDocument/2006/relationships" xmlns:p="http://schemas.openxmlformats.org/presentationml/2006/main">
+  <p:cSld>
+    <p:spTree>
+      <p:nvGrpSpPr>
+        <p:cNvPr id="1" name=""/>
+        <p:cNvGrpSpPr/>
+        <p:nvPr/>
+      </p:nvGrpSpPr>
+      <p:grpSpPr>
+        <a:xfrm>
+          <a:off x="0" y="0"/>
+          <a:ext cx="0" cy="0"/>
+          <a:chOff x="0" y="0"/>
+          <a:chExt cx="0" cy="0"/>
+        </a:xfrm>
+      </p:grpSpPr>
+      <p:sp>
+        <p:nvSpPr>
+          <p:cNvPr id="2" name="Title 1"/>
+          <p:cNvSpPr>
+            <a:spLocks noGrp="1"/>
+          </p:cNvSpPr>
+          <p:nvPr>
+            <p:ph type="title"/>
+          </p:nvPr>
+        </p:nvSpPr>
+        <p:spPr/>
+        <p:txBody>
+          <a:bodyPr/>
+          <a:lstStyle/>
+          <a:p>
+            <a:pPr lvl="0" indent="0" marL="0">
+              <a:buNone/>
+            </a:pPr>
+            <a:r>
+              <a:rPr/>
+              <a:t>Maximum Subarray Problem: Divide &amp; Conquer</a:t>
+            </a:r>
+          </a:p>
+        </p:txBody>
+      </p:sp>
+      <p:sp>
+        <p:nvSpPr>
+          <p:cNvPr id="3" name="Content Placeholder 2"/>
+          <p:cNvSpPr>
+            <a:spLocks noGrp="1"/>
+          </p:cNvSpPr>
+          <p:nvPr>
+            <p:ph idx="1"/>
+          </p:nvPr>
+        </p:nvSpPr>
+        <p:spPr/>
+        <p:txBody>
+          <a:bodyPr/>
+          <a:lstStyle/>
+          <a:p>
+            <a:pPr lvl="0"/>
+            <a:r>
+              <a:rPr b="1"/>
+              <a:t>Basic idea:</a:t>
+            </a:r>
+          </a:p>
+          <a:p>
+            <a:pPr lvl="0"/>
+            <a:r>
+              <a:rPr b="1"/>
+              <a:t>Divide</a:t>
+            </a:r>
+            <a:r>
+              <a:rPr/>
+              <a:t> the input array into 2 from the middle</a:t>
+            </a:r>
+          </a:p>
+          <a:p>
+            <a:pPr lvl="0"/>
+            <a:r>
+              <a:rPr/>
+              <a:t>Pick the </a:t>
+            </a:r>
+            <a:r>
+              <a:rPr b="1"/>
+              <a:t>best</a:t>
+            </a:r>
+            <a:r>
+              <a:rPr/>
+              <a:t> solution among the following:</a:t>
+            </a:r>
+          </a:p>
+          <a:p>
+            <a:pPr lvl="1"/>
+            <a:r>
+              <a:rPr/>
+              <a:t>The max subarray of the </a:t>
+            </a:r>
+            <a:r>
+              <a:rPr b="1"/>
+              <a:t>left half</a:t>
+            </a:r>
+          </a:p>
+          <a:p>
+            <a:pPr lvl="1"/>
+            <a:r>
+              <a:rPr/>
+              <a:t>The max subarray of the </a:t>
+            </a:r>
+            <a:r>
+              <a:rPr b="1"/>
+              <a:t>right half</a:t>
+            </a:r>
+          </a:p>
+          <a:p>
+            <a:pPr lvl="1"/>
+            <a:r>
+              <a:rPr/>
+              <a:t>The max subarray </a:t>
+            </a:r>
+            <a:r>
+              <a:rPr b="1"/>
+              <a:t>crossing the mid-point</a:t>
+            </a:r>
+          </a:p>
+        </p:txBody>
+      </p:sp>
+    </p:spTree>
+  </p:cSld>
+</p:sld>
+</file>
+
+<file path=ppt/slides/slide27.xml><?xml version="1.0" encoding="utf-8"?>
+<p:sld xmlns:a="http://schemas.openxmlformats.org/drawingml/2006/main" xmlns:r="http://schemas.openxmlformats.org/officeDocument/2006/relationships" xmlns:p="http://schemas.openxmlformats.org/presentationml/2006/main">
+  <p:cSld>
+    <p:spTree>
+      <p:nvGrpSpPr>
+        <p:cNvPr id="1" name=""/>
+        <p:cNvGrpSpPr/>
+        <p:nvPr/>
+      </p:nvGrpSpPr>
+      <p:grpSpPr>
+        <a:xfrm>
+          <a:off x="0" y="0"/>
+          <a:ext cx="0" cy="0"/>
+          <a:chOff x="0" y="0"/>
+          <a:chExt cx="0" cy="0"/>
+        </a:xfrm>
+      </p:grpSpPr>
+      <p:sp>
+        <p:nvSpPr>
+          <p:cNvPr id="2" name="Title 1"/>
+          <p:cNvSpPr>
+            <a:spLocks noGrp="1"/>
+          </p:cNvSpPr>
+          <p:nvPr>
+            <p:ph type="title"/>
+          </p:nvPr>
+        </p:nvSpPr>
+        <p:spPr/>
+        <p:txBody>
+          <a:bodyPr/>
+          <a:lstStyle/>
+          <a:p>
+            <a:pPr lvl="0" indent="0" marL="0">
+              <a:buNone/>
+            </a:pPr>
+            <a:r>
+              <a:rPr/>
+              <a:t>Maximum Subarray Problem: Divide &amp; Conquer</a:t>
+            </a:r>
+          </a:p>
+        </p:txBody>
+      </p:sp>
+      <p:pic>
+        <p:nvPicPr>
+          <p:cNvPr descr="fig:  assets/ce100-week-3-matrix-max_subarray.drawio.svg" id="0" name="Picture 1"/>
+          <p:cNvPicPr>
+            <a:picLocks noGrp="1" noChangeAspect="1"/>
+          </p:cNvPicPr>
+          <p:nvPr/>
+        </p:nvPicPr>
+        <p:blipFill>
+          <a:blip r:embed="rId2"/>
+          <a:stretch>
+            <a:fillRect/>
+          </a:stretch>
+        </p:blipFill>
+        <p:spPr bwMode="auto">
+          <a:xfrm>
+            <a:off x="457200" y="2387600"/>
+            <a:ext cx="8229600" cy="2425700"/>
+          </a:xfrm>
+          <a:prstGeom prst="rect">
+            <a:avLst/>
+          </a:prstGeom>
+          <a:noFill/>
+          <a:ln w="9525">
+            <a:noFill/>
+            <a:headEnd/>
+            <a:tailEnd/>
+          </a:ln>
+        </p:spPr>
+      </p:pic>
+      <p:sp>
+        <p:nvSpPr>
+          <p:cNvPr id="1" name="TextBox 3"/>
+          <p:cNvSpPr txBox="1"/>
+          <p:nvPr/>
+        </p:nvSpPr>
+        <p:spPr>
+          <a:xfrm>
+            <a:off x="457200" y="5613400"/>
+            <a:ext cx="8229600" cy="508000"/>
+          </a:xfrm>
+          <a:prstGeom prst="rect">
+            <a:avLst/>
+          </a:prstGeom>
+          <a:noFill/>
+        </p:spPr>
+        <p:txBody>
+          <a:bodyPr/>
+          <a:lstStyle/>
+          <a:p>
+            <a:pPr lvl="0" indent="0" marL="0" algn="ctr">
+              <a:buNone/>
+            </a:pPr>
+            <a:r>
+              <a:rPr/>
+              <a:t>alt:“alt” height:450px center</a:t>
+            </a:r>
+          </a:p>
+        </p:txBody>
+      </p:sp>
+    </p:spTree>
+  </p:cSld>
+</p:sld>
+</file>
+
+<file path=ppt/slides/slide28.xml><?xml version="1.0" encoding="utf-8"?>
+<p:sld xmlns:a="http://schemas.openxmlformats.org/drawingml/2006/main" xmlns:r="http://schemas.openxmlformats.org/officeDocument/2006/relationships" xmlns:p="http://schemas.openxmlformats.org/presentationml/2006/main">
+  <p:cSld>
+    <p:spTree>
+      <p:nvGrpSpPr>
+        <p:cNvPr id="1" name=""/>
+        <p:cNvGrpSpPr/>
+        <p:nvPr/>
+      </p:nvGrpSpPr>
+      <p:grpSpPr>
+        <a:xfrm>
+          <a:off x="0" y="0"/>
+          <a:ext cx="0" cy="0"/>
+          <a:chOff x="0" y="0"/>
+          <a:chExt cx="0" cy="0"/>
+        </a:xfrm>
+      </p:grpSpPr>
+      <p:sp>
+        <p:nvSpPr>
+          <p:cNvPr id="2" name="Title 1"/>
+          <p:cNvSpPr>
+            <a:spLocks noGrp="1"/>
+          </p:cNvSpPr>
+          <p:nvPr>
+            <p:ph type="title"/>
+          </p:nvPr>
+        </p:nvSpPr>
+        <p:spPr/>
+        <p:txBody>
+          <a:bodyPr/>
+          <a:lstStyle/>
+          <a:p>
+            <a:pPr lvl="0" indent="0" marL="0">
+              <a:buNone/>
+            </a:pPr>
+            <a:r>
+              <a:rPr/>
+              <a:t>Maximum Subarray Problem: Divide &amp; Conquer</a:t>
+            </a:r>
+          </a:p>
+        </p:txBody>
+      </p:sp>
+      <mc:AlternateContent xmlns:mc="http://schemas.openxmlformats.org/markup-compatibility/2006">
+        <mc:Choice xmlns:a14="http://schemas.microsoft.com/office/drawing/2010/main" Requires="a14">
+          <p:sp>
+            <p:nvSpPr>
+              <p:cNvPr id="3" name="Content Placeholder 2"/>
+              <p:cNvSpPr>
+                <a:spLocks noGrp="1"/>
+              </p:cNvSpPr>
+              <p:nvPr>
+                <p:ph idx="1"/>
+              </p:nvPr>
+            </p:nvSpPr>
+            <p:spPr/>
+            <p:txBody>
+              <a:bodyPr/>
+              <a:lstStyle/>
+              <a:p>
+                <a:pPr lvl="0"/>
+                <a:r>
+                  <a:rPr b="1"/>
+                  <a:t>Divide:</a:t>
+                </a:r>
+                <a:r>
+                  <a:rPr/>
+                  <a:t> Trivial (divide the array from the middle)</a:t>
+                </a:r>
+              </a:p>
+              <a:p>
+                <a:pPr lvl="0"/>
+                <a:r>
+                  <a:rPr b="1"/>
+                  <a:t>Conquer:</a:t>
+                </a:r>
+                <a:r>
+                  <a:rPr/>
+                  <a:t> Recursively compute the max subarrays of the left and right halves</a:t>
+                </a:r>
+              </a:p>
+              <a:p>
+                <a:pPr lvl="0"/>
+                <a:r>
+                  <a:rPr b="1"/>
+                  <a:t>Combine:</a:t>
+                </a:r>
+                <a:r>
+                  <a:rPr/>
+                  <a:t> Compute the max-subarray crossing the </a:t>
+                </a:r>
+                <a14:m>
+                  <m:oMath xmlns:m="http://schemas.openxmlformats.org/officeDocument/2006/math">
+                    <m:r>
+                      <m:t>m</m:t>
+                    </m:r>
+                    <m:r>
+                      <m:t>i</m:t>
+                    </m:r>
+                    <m:r>
+                      <m:t>d</m:t>
+                    </m:r>
+                    <m:r>
+                      <m:rPr>
+                        <m:sty m:val="p"/>
+                      </m:rPr>
+                      <m:t>−</m:t>
+                    </m:r>
+                    <m:r>
+                      <m:t>p</m:t>
+                    </m:r>
+                    <m:r>
+                      <m:t>o</m:t>
+                    </m:r>
+                    <m:r>
+                      <m:t>i</m:t>
+                    </m:r>
+                    <m:r>
+                      <m:t>n</m:t>
+                    </m:r>
+                    <m:r>
+                      <m:t>t</m:t>
+                    </m:r>
+                  </m:oMath>
+                </a14:m>
+              </a:p>
+              <a:p>
+                <a:pPr lvl="1"/>
+                <a:r>
+                  <a:rPr/>
+                  <a:t>(can be done in </a:t>
+                </a:r>
+                <a14:m>
+                  <m:oMath xmlns:m="http://schemas.openxmlformats.org/officeDocument/2006/math">
+                    <m:r>
+                      <m:t>Θ</m:t>
+                    </m:r>
+                    <m:d>
+                      <m:dPr>
+                        <m:begChr m:val="("/>
+                        <m:endChr m:val=")"/>
+                        <m:sepChr m:val=""/>
+                        <m:grow/>
+                      </m:dPr>
+                      <m:e>
+                        <m:r>
+                          <m:t>n</m:t>
+                        </m:r>
+                      </m:e>
+                    </m:d>
+                  </m:oMath>
+                </a14:m>
+                <a:r>
+                  <a:rPr/>
+                  <a:t> time).</a:t>
+                </a:r>
+              </a:p>
+              <a:p>
+                <a:pPr lvl="1"/>
+                <a:r>
+                  <a:rPr/>
+                  <a:t>Return the max among the following:</a:t>
+                </a:r>
+              </a:p>
+              <a:p>
+                <a:pPr lvl="2"/>
+                <a:r>
+                  <a:rPr/>
+                  <a:t>the max subarray of the </a:t>
+                </a:r>
+                <a14:m>
+                  <m:oMath xmlns:m="http://schemas.openxmlformats.org/officeDocument/2006/math">
+                    <m:r>
+                      <m:rPr>
+                        <m:nor/>
+                        <m:sty m:val="p"/>
+                      </m:rPr>
+                      <m:t>left-subarray</m:t>
+                    </m:r>
+                  </m:oMath>
+                </a14:m>
+              </a:p>
+              <a:p>
+                <a:pPr lvl="2"/>
+                <a:r>
+                  <a:rPr/>
+                  <a:t>the max subarray of the </a:t>
+                </a:r>
+                <a14:m>
+                  <m:oMath xmlns:m="http://schemas.openxmlformats.org/officeDocument/2006/math">
+                    <m:r>
+                      <m:rPr>
+                        <m:nor/>
+                        <m:sty m:val="p"/>
+                      </m:rPr>
+                      <m:t>rightsubarray</m:t>
+                    </m:r>
+                  </m:oMath>
+                </a14:m>
+              </a:p>
+              <a:p>
+                <a:pPr lvl="2"/>
+                <a:r>
+                  <a:rPr/>
+                  <a:t>the max subarray crossing the </a:t>
+                </a:r>
+                <a14:m>
+                  <m:oMath xmlns:m="http://schemas.openxmlformats.org/officeDocument/2006/math">
+                    <m:r>
+                      <m:rPr>
+                        <m:nor/>
+                        <m:sty m:val="p"/>
+                      </m:rPr>
+                      <m:t>mid-point</m:t>
+                    </m:r>
+                  </m:oMath>
+                </a14:m>
+              </a:p>
+              <a:p>
+                <a:pPr lvl="0" indent="0" marL="0">
+                  <a:buNone/>
+                </a:pPr>
+                <a:r>
+                  <a:rPr/>
+                  <a:t>TODO : detailed solution in textbook…</a:t>
+                </a:r>
+              </a:p>
+            </p:txBody>
+          </p:sp>
+        </mc:Choice>
+      </mc:AlternateContent>
+    </p:spTree>
+  </p:cSld>
+</p:sld>
+</file>
+
+<file path=ppt/slides/slide29.xml><?xml version="1.0" encoding="utf-8"?>
+<p:sld xmlns:a="http://schemas.openxmlformats.org/drawingml/2006/main" xmlns:r="http://schemas.openxmlformats.org/officeDocument/2006/relationships" xmlns:p="http://schemas.openxmlformats.org/presentationml/2006/main">
+  <p:cSld>
+    <p:spTree>
+      <p:nvGrpSpPr>
+        <p:cNvPr id="1" name=""/>
+        <p:cNvGrpSpPr/>
+        <p:nvPr/>
+      </p:nvGrpSpPr>
+      <p:grpSpPr>
+        <a:xfrm>
+          <a:off x="0" y="0"/>
+          <a:ext cx="0" cy="0"/>
+          <a:chOff x="0" y="0"/>
+          <a:chExt cx="0" cy="0"/>
+        </a:xfrm>
+      </p:grpSpPr>
+      <p:sp>
+        <p:nvSpPr>
+          <p:cNvPr id="2" name="Title 1"/>
+          <p:cNvSpPr>
+            <a:spLocks noGrp="1"/>
+          </p:cNvSpPr>
+          <p:nvPr>
+            <p:ph type="title"/>
+          </p:nvPr>
+        </p:nvSpPr>
+        <p:spPr/>
+        <p:txBody>
+          <a:bodyPr/>
+          <a:lstStyle/>
+          <a:p>
+            <a:pPr lvl="0" indent="0" marL="0">
+              <a:buNone/>
+            </a:pPr>
+            <a:r>
+              <a:rPr/>
+              <a:t>Conclusion : Divide &amp; Conquer</a:t>
+            </a:r>
+          </a:p>
+        </p:txBody>
+      </p:sp>
+      <p:sp>
+        <p:nvSpPr>
+          <p:cNvPr id="3" name="Content Placeholder 2"/>
+          <p:cNvSpPr>
+            <a:spLocks noGrp="1"/>
+          </p:cNvSpPr>
+          <p:nvPr>
+            <p:ph idx="1"/>
+          </p:nvPr>
+        </p:nvSpPr>
+        <p:spPr/>
+        <p:txBody>
+          <a:bodyPr/>
+          <a:lstStyle/>
+          <a:p>
+            <a:pPr lvl="0"/>
+            <a:r>
+              <a:rPr/>
+              <a:t>Divide and conquer is just one of several powerful techniques for algorithm design.</a:t>
+            </a:r>
+          </a:p>
+          <a:p>
+            <a:pPr lvl="0"/>
+            <a:r>
+              <a:rPr/>
+              <a:t>Divide-and-conquer algorithms can be analyzed using recurrences and the master method (so practice this math).</a:t>
+            </a:r>
+          </a:p>
+          <a:p>
+            <a:pPr lvl="0"/>
+            <a:r>
+              <a:rPr/>
+              <a:t>Can lead to more efficient algorithms</a:t>
             </a:r>
           </a:p>
         </p:txBody>
@@ -3370,7 +10531,7 @@
 </p:sld>
 </file>
 
-<file path=ppt/slides/slide4.xml><?xml version="1.0" encoding="utf-8"?>
+<file path=ppt/slides/slide30.xml><?xml version="1.0" encoding="utf-8"?>
 <p:sld xmlns:a="http://schemas.openxmlformats.org/drawingml/2006/main" xmlns:r="http://schemas.openxmlformats.org/officeDocument/2006/relationships" xmlns:p="http://schemas.openxmlformats.org/presentationml/2006/main">
   <p:cSld>
     <p:spTree>
@@ -3407,7 +10568,95 @@
             </a:pPr>
             <a:r>
               <a:rPr/>
-              <a:t>Solving Recurrences</a:t>
+              <a:t>Quicksort</a:t>
+            </a:r>
+          </a:p>
+        </p:txBody>
+      </p:sp>
+      <p:sp>
+        <p:nvSpPr>
+          <p:cNvPr id="3" name="Content Placeholder 2"/>
+          <p:cNvSpPr>
+            <a:spLocks noGrp="1"/>
+          </p:cNvSpPr>
+          <p:nvPr>
+            <p:ph idx="1"/>
+          </p:nvPr>
+        </p:nvSpPr>
+        <p:spPr/>
+        <p:txBody>
+          <a:bodyPr/>
+          <a:lstStyle/>
+          <a:p>
+            <a:pPr lvl="0"/>
+            <a:r>
+              <a:rPr/>
+              <a:t>One of the most-used algorithms in practice</a:t>
+            </a:r>
+          </a:p>
+          <a:p>
+            <a:pPr lvl="0"/>
+            <a:r>
+              <a:rPr/>
+              <a:t>Proposed by </a:t>
+            </a:r>
+            <a:r>
+              <a:rPr b="1"/>
+              <a:t>C.A.R.</a:t>
+            </a:r>
+            <a:r>
+              <a:rPr/>
+              <a:t> </a:t>
+            </a:r>
+            <a:r>
+              <a:rPr i="1"/>
+              <a:t>Hoare</a:t>
+            </a:r>
+            <a:r>
+              <a:rPr/>
+              <a:t> in 1962.</a:t>
+            </a:r>
+          </a:p>
+          <a:p>
+            <a:pPr lvl="0"/>
+            <a:r>
+              <a:rPr/>
+              <a:t>Divide-and-conquer algorithm</a:t>
+            </a:r>
+          </a:p>
+          <a:p>
+            <a:pPr lvl="0"/>
+            <a:r>
+              <a:rPr/>
+              <a:t>In-place algorithm</a:t>
+            </a:r>
+          </a:p>
+          <a:p>
+            <a:pPr lvl="1"/>
+            <a:r>
+              <a:rPr/>
+              <a:t>The additional space needed is O(1)</a:t>
+            </a:r>
+          </a:p>
+          <a:p>
+            <a:pPr lvl="1"/>
+            <a:r>
+              <a:rPr/>
+              <a:t>The sorted array is returned in the input array</a:t>
+            </a:r>
+          </a:p>
+          <a:p>
+            <a:pPr lvl="1"/>
+            <a:r>
+              <a:rPr i="1"/>
+              <a:t>Reminder: Insertion-sort is also an in-place algorithm, but Merge-Sort is not in-place.</a:t>
+            </a:r>
+          </a:p>
+          <a:p>
+            <a:pPr lvl="0"/>
+            <a:r>
+              <a:rPr/>
+              <a:t>Very practical</a:t>
             </a:r>
           </a:p>
         </p:txBody>
@@ -3417,7 +10666,7 @@
 </p:sld>
 </file>
 
-<file path=ppt/slides/slide5.xml><?xml version="1.0" encoding="utf-8"?>
+<file path=ppt/slides/slide31.xml><?xml version="1.0" encoding="utf-8"?>
 <p:sld xmlns:a="http://schemas.openxmlformats.org/drawingml/2006/main" xmlns:r="http://schemas.openxmlformats.org/officeDocument/2006/relationships" xmlns:p="http://schemas.openxmlformats.org/presentationml/2006/main">
   <p:cSld>
     <p:spTree>
@@ -3459,19 +10708,215 @@
             </a:pPr>
             <a:r>
               <a:rPr/>
-              <a:t>Outline</a:t>
+              <a:t>Quicksort</a:t>
             </a:r>
           </a:p>
         </p:txBody>
       </p:sp>
+      <mc:AlternateContent xmlns:mc="http://schemas.openxmlformats.org/markup-compatibility/2006">
+        <mc:Choice xmlns:a14="http://schemas.microsoft.com/office/drawing/2010/main" Requires="a14">
+          <p:sp>
+            <p:nvSpPr>
+              <p:cNvPr id="4" name="Text Placeholder 3"/>
+              <p:cNvSpPr>
+                <a:spLocks noGrp="1"/>
+              </p:cNvSpPr>
+              <p:nvPr>
+                <p:ph idx="2" sz="half" type="body"/>
+              </p:nvPr>
+            </p:nvSpPr>
+            <p:spPr/>
+            <p:txBody>
+              <a:bodyPr/>
+              <a:lstStyle/>
+              <a:p>
+                <a:pPr lvl="0"/>
+                <a:r>
+                  <a:rPr b="1"/>
+                  <a:t>Divide:</a:t>
+                </a:r>
+                <a:r>
+                  <a:rPr/>
+                  <a:t> Partition the array into 2 subarrays such that elements in the lower part </a:t>
+                </a:r>
+                <a14:m>
+                  <m:oMath xmlns:m="http://schemas.openxmlformats.org/officeDocument/2006/math">
+                    <m:r>
+                      <m:rPr>
+                        <m:sty m:val="p"/>
+                      </m:rPr>
+                      <m:t>≤</m:t>
+                    </m:r>
+                  </m:oMath>
+                </a14:m>
+                <a:r>
+                  <a:rPr/>
+                  <a:t> elements in the higher part</a:t>
+                </a:r>
+              </a:p>
+              <a:p>
+                <a:pPr lvl="0"/>
+                <a:r>
+                  <a:rPr b="1"/>
+                  <a:t>Conquer:</a:t>
+                </a:r>
+                <a:r>
+                  <a:rPr/>
+                  <a:t> Recursively sort 2 subarrays</a:t>
+                </a:r>
+              </a:p>
+              <a:p>
+                <a:pPr lvl="0"/>
+                <a:r>
+                  <a:rPr b="1"/>
+                  <a:t>Combine:</a:t>
+                </a:r>
+                <a:r>
+                  <a:rPr/>
+                  <a:t> Trivial (because in-place)</a:t>
+                </a:r>
+              </a:p>
+              <a:p>
+                <a:pPr lvl="0" indent="0" marL="0">
+                  <a:buNone/>
+                </a:pPr>
+                <a:r>
+                  <a:rPr b="1"/>
+                  <a:t>Key:</a:t>
+                </a:r>
+                <a:r>
+                  <a:rPr/>
+                  <a:t> Linear-time </a:t>
+                </a:r>
+                <a14:m>
+                  <m:oMath xmlns:m="http://schemas.openxmlformats.org/officeDocument/2006/math">
+                    <m:d>
+                      <m:dPr>
+                        <m:begChr m:val="("/>
+                        <m:endChr m:val=")"/>
+                        <m:sepChr m:val=""/>
+                        <m:grow/>
+                      </m:dPr>
+                      <m:e>
+                        <m:r>
+                          <m:t>Θ</m:t>
+                        </m:r>
+                        <m:d>
+                          <m:dPr>
+                            <m:begChr m:val="("/>
+                            <m:endChr m:val=")"/>
+                            <m:sepChr m:val=""/>
+                            <m:grow/>
+                          </m:dPr>
+                          <m:e>
+                            <m:r>
+                              <m:t>n</m:t>
+                            </m:r>
+                          </m:e>
+                        </m:d>
+                      </m:e>
+                    </m:d>
+                  </m:oMath>
+                </a14:m>
+                <a:r>
+                  <a:rPr/>
+                  <a:t> partitioning algorithm</a:t>
+                </a:r>
+              </a:p>
+            </p:txBody>
+          </p:sp>
+        </mc:Choice>
+      </mc:AlternateContent>
+      <p:pic>
+        <p:nvPicPr>
+          <p:cNvPr descr="fig:  assets/ce100-week-3-matrix-quicksort_1.drawio.svg" id="0" name="Picture 1"/>
+          <p:cNvPicPr>
+            <a:picLocks noGrp="1" noChangeAspect="1"/>
+          </p:cNvPicPr>
+          <p:nvPr/>
+        </p:nvPicPr>
+        <p:blipFill>
+          <a:blip r:embed="rId2"/>
+          <a:stretch>
+            <a:fillRect/>
+          </a:stretch>
+        </p:blipFill>
+        <p:spPr bwMode="auto">
+          <a:xfrm>
+            <a:off x="3568700" y="2514600"/>
+            <a:ext cx="5105400" cy="838200"/>
+          </a:xfrm>
+          <a:prstGeom prst="rect">
+            <a:avLst/>
+          </a:prstGeom>
+          <a:noFill/>
+          <a:ln w="9525">
+            <a:noFill/>
+            <a:headEnd/>
+            <a:tailEnd/>
+          </a:ln>
+        </p:spPr>
+      </p:pic>
       <p:sp>
         <p:nvSpPr>
-          <p:cNvPr id="4" name="Text Placeholder 3"/>
+          <p:cNvPr id="1" name="TextBox 3"/>
+          <p:cNvSpPr txBox="1"/>
+          <p:nvPr/>
+        </p:nvSpPr>
+        <p:spPr>
+          <a:xfrm>
+            <a:off x="3568700" y="5600700"/>
+            <a:ext cx="5105400" cy="508000"/>
+          </a:xfrm>
+          <a:prstGeom prst="rect">
+            <a:avLst/>
+          </a:prstGeom>
+          <a:noFill/>
+        </p:spPr>
+        <p:txBody>
+          <a:bodyPr/>
+          <a:lstStyle/>
+          <a:p>
+            <a:pPr lvl="0" indent="0" marL="0" algn="ctr">
+              <a:buNone/>
+            </a:pPr>
+            <a:r>
+              <a:rPr/>
+              <a:t>alt:“alt” height:200px center</a:t>
+            </a:r>
+          </a:p>
+        </p:txBody>
+      </p:sp>
+    </p:spTree>
+  </p:cSld>
+</p:sld>
+</file>
+
+<file path=ppt/slides/slide32.xml><?xml version="1.0" encoding="utf-8"?>
+<p:sld xmlns:a="http://schemas.openxmlformats.org/drawingml/2006/main" xmlns:r="http://schemas.openxmlformats.org/officeDocument/2006/relationships" xmlns:p="http://schemas.openxmlformats.org/presentationml/2006/main">
+  <p:cSld>
+    <p:spTree>
+      <p:nvGrpSpPr>
+        <p:cNvPr id="1" name=""/>
+        <p:cNvGrpSpPr/>
+        <p:nvPr/>
+      </p:nvGrpSpPr>
+      <p:grpSpPr>
+        <a:xfrm>
+          <a:off x="0" y="0"/>
+          <a:ext cx="0" cy="0"/>
+          <a:chOff x="0" y="0"/>
+          <a:chExt cx="0" cy="0"/>
+        </a:xfrm>
+      </p:grpSpPr>
+      <p:sp>
+        <p:nvSpPr>
+          <p:cNvPr id="2" name="Title 1"/>
           <p:cNvSpPr>
             <a:spLocks noGrp="1"/>
           </p:cNvSpPr>
           <p:nvPr>
-            <p:ph idx="2" sz="half" type="body"/>
+            <p:ph type="title"/>
           </p:nvPr>
         </p:nvSpPr>
         <p:spPr/>
@@ -3479,188 +10924,374 @@
           <a:bodyPr/>
           <a:lstStyle/>
           <a:p>
-            <a:pPr lvl="0"/>
+            <a:pPr lvl="0" indent="0" marL="0">
+              <a:buNone/>
+            </a:pPr>
             <a:r>
               <a:rPr/>
-              <a:t>Matrix Multiplication</a:t>
-            </a:r>
-          </a:p>
-          <a:p>
-            <a:pPr lvl="1"/>
-            <a:r>
-              <a:rPr/>
-              <a:t>Traditional</a:t>
-            </a:r>
-          </a:p>
-          <a:p>
-            <a:pPr lvl="1"/>
-            <a:r>
-              <a:rPr/>
-              <a:t>Recursive</a:t>
-            </a:r>
-          </a:p>
-          <a:p>
-            <a:pPr lvl="1"/>
-            <a:r>
-              <a:rPr/>
-              <a:t>Strassen</a:t>
+              <a:t>References</a:t>
             </a:r>
           </a:p>
         </p:txBody>
       </p:sp>
-      <p:graphicFrame>
-        <p:nvGraphicFramePr>
-          <p:cNvPr id="6" name="Content Placeholder 5"/>
-          <p:cNvGraphicFramePr>
-            <a:graphicFrameLocks noGrp="1"/>
-          </p:cNvGraphicFramePr>
+      <p:sp>
+        <p:nvSpPr>
+          <p:cNvPr id="3" name="Content Placeholder 2"/>
+          <p:cNvSpPr>
+            <a:spLocks noGrp="1"/>
+          </p:cNvSpPr>
           <p:nvPr>
             <p:ph idx="1"/>
           </p:nvPr>
-        </p:nvGraphicFramePr>
-        <p:xfrm>
-          <a:off x="3568700" y="266700"/>
-          <a:ext cx="5105400" cy="5842000"/>
-        </p:xfrm>
-        <a:graphic>
-          <a:graphicData uri="http://schemas.openxmlformats.org/drawingml/2006/table">
-            <a:tbl>
-              <a:tblPr firstRow="1" bandRow="1">
-                <a:tableStyleId>{5C22544A-7EE6-4342-B048-85BDC9FD1C3A}</a:tableStyleId>
-              </a:tblPr>
-              <a:tblGrid>
-                <a:gridCol w="5105400"/>
-              </a:tblGrid>
-              <a:tr h="0">
-                <a:tc>
-                  <a:txBody>
-                    <a:bodyPr/>
-                    <a:lstStyle/>
-                    <a:p>
-                      <a:pPr lvl="0" indent="0" marL="0">
-                        <a:buNone/>
-                      </a:pPr>
-                      <a:r>
-                        <a:rPr/>
-                        <a:t>## Outline</a:t>
-                      </a:r>
-                    </a:p>
-                  </a:txBody>
-                  <a:tcPr/>
-                </a:tc>
-              </a:tr>
-              <a:tr h="0">
-                <a:tc>
-                  <a:txBody>
-                    <a:bodyPr/>
-                    <a:lstStyle/>
-                    <a:p>
-                      <a:pPr lvl="0" indent="0" marL="0">
-                        <a:buNone/>
-                      </a:pPr>
-                      <a:r>
-                        <a:rPr/>
-                        <a:t>## Outline</a:t>
-                      </a:r>
-                    </a:p>
-                  </a:txBody>
-                </a:tc>
-              </a:tr>
-              <a:tr h="0">
-                <a:tc>
-                  <a:txBody>
-                    <a:bodyPr/>
-                    <a:lstStyle/>
-                    <a:p>
-                      <a:pPr lvl="0" indent="0" marL="0">
-                        <a:buNone/>
-                      </a:pPr>
-                      <a:r>
-                        <a:rPr/>
-                        <a:t>- Quicksort Analysis</a:t>
-                      </a:r>
-                    </a:p>
-                  </a:txBody>
-                </a:tc>
-              </a:tr>
-              <a:tr h="0">
-                <a:tc>
-                  <a:txBody>
-                    <a:bodyPr/>
-                    <a:lstStyle/>
-                    <a:p>
-                      <a:pPr lvl="0" indent="0" marL="0">
-                        <a:buNone/>
-                      </a:pPr>
-                      <a:r>
-                        <a:rPr/>
-                        <a:t>- Randomized Quicksort</a:t>
-                      </a:r>
-                    </a:p>
-                  </a:txBody>
-                </a:tc>
-              </a:tr>
-              <a:tr h="0">
-                <a:tc>
-                  <a:txBody>
-                    <a:bodyPr/>
-                    <a:lstStyle/>
-                    <a:p>
-                      <a:pPr lvl="0" indent="0" marL="0">
-                        <a:buNone/>
-                      </a:pPr>
-                      <a:r>
-                        <a:rPr/>
-                        <a:t>- Randomized Selection</a:t>
-                      </a:r>
-                    </a:p>
-                  </a:txBody>
-                </a:tc>
-              </a:tr>
-              <a:tr h="0">
-                <a:tc>
-                  <a:txBody>
-                    <a:bodyPr/>
-                    <a:lstStyle/>
-                    <a:p>
-                      <a:pPr lvl="0" indent="0" marL="0">
-                        <a:buNone/>
-                      </a:pPr>
-                      <a:r>
-                        <a:rPr/>
-                        <a:t>- Recursive</a:t>
-                      </a:r>
-                    </a:p>
-                  </a:txBody>
-                </a:tc>
-              </a:tr>
-              <a:tr h="0">
-                <a:tc>
-                  <a:txBody>
-                    <a:bodyPr/>
-                    <a:lstStyle/>
-                    <a:p>
-                      <a:pPr lvl="0" indent="0" marL="0">
-                        <a:buNone/>
-                      </a:pPr>
-                      <a:r>
-                        <a:rPr/>
-                        <a:t>- Medians</a:t>
-                      </a:r>
-                    </a:p>
-                  </a:txBody>
-                </a:tc>
-              </a:tr>
-            </a:tbl>
-          </a:graphicData>
-        </a:graphic>
-      </p:graphicFrame>
+        </p:nvSpPr>
+        <p:spPr/>
+        <p:txBody>
+          <a:bodyPr/>
+          <a:lstStyle/>
+          <a:p>
+            <a:pPr lvl="0" indent="0" marL="0">
+              <a:buNone/>
+            </a:pPr>
+            <a:r>
+              <a:rPr/>
+              <a:t>TODO</a:t>
+            </a:r>
+          </a:p>
+        </p:txBody>
+      </p:sp>
+    </p:spTree>
+  </p:cSld>
+</p:sld>
+</file>
+
+<file path=ppt/slides/slide4.xml><?xml version="1.0" encoding="utf-8"?>
+<p:sld xmlns:a="http://schemas.openxmlformats.org/drawingml/2006/main" xmlns:r="http://schemas.openxmlformats.org/officeDocument/2006/relationships" xmlns:p="http://schemas.openxmlformats.org/presentationml/2006/main">
+  <p:cSld>
+    <p:spTree>
+      <p:nvGrpSpPr>
+        <p:cNvPr id="1" name=""/>
+        <p:cNvGrpSpPr/>
+        <p:nvPr/>
+      </p:nvGrpSpPr>
+      <p:grpSpPr>
+        <a:xfrm>
+          <a:off x="0" y="0"/>
+          <a:ext cx="0" cy="0"/>
+          <a:chOff x="0" y="0"/>
+          <a:chExt cx="0" cy="0"/>
+        </a:xfrm>
+      </p:grpSpPr>
+      <p:sp>
+        <p:nvSpPr>
+          <p:cNvPr id="2" name="Title 1"/>
+          <p:cNvSpPr>
+            <a:spLocks noGrp="1"/>
+          </p:cNvSpPr>
+          <p:nvPr>
+            <p:ph type="title"/>
+          </p:nvPr>
+        </p:nvSpPr>
+        <p:spPr/>
+        <p:txBody>
+          <a:bodyPr/>
+          <a:lstStyle/>
+          <a:p>
+            <a:pPr lvl="0" indent="0" marL="0">
+              <a:buNone/>
+            </a:pPr>
+            <a:r>
+              <a:rPr/>
+              <a:t>Matrix Multiplication / Quick Sort</a:t>
+            </a:r>
+          </a:p>
+        </p:txBody>
+      </p:sp>
+    </p:spTree>
+  </p:cSld>
+</p:sld>
+</file>
+
+<file path=ppt/slides/slide5.xml><?xml version="1.0" encoding="utf-8"?>
+<p:sld xmlns:a="http://schemas.openxmlformats.org/drawingml/2006/main" xmlns:r="http://schemas.openxmlformats.org/officeDocument/2006/relationships" xmlns:p="http://schemas.openxmlformats.org/presentationml/2006/main">
+  <p:cSld>
+    <p:spTree>
+      <p:nvGrpSpPr>
+        <p:cNvPr id="1" name=""/>
+        <p:cNvGrpSpPr/>
+        <p:nvPr/>
+      </p:nvGrpSpPr>
+      <p:grpSpPr>
+        <a:xfrm>
+          <a:off x="0" y="0"/>
+          <a:ext cx="0" cy="0"/>
+          <a:chOff x="0" y="0"/>
+          <a:chExt cx="0" cy="0"/>
+        </a:xfrm>
+      </p:grpSpPr>
+      <p:sp>
+        <p:nvSpPr>
+          <p:cNvPr id="2" name="Title 1"/>
+          <p:cNvSpPr>
+            <a:spLocks noGrp="1"/>
+          </p:cNvSpPr>
+          <p:nvPr>
+            <p:ph type="title"/>
+          </p:nvPr>
+        </p:nvSpPr>
+        <p:spPr/>
+        <p:txBody>
+          <a:bodyPr/>
+          <a:lstStyle/>
+          <a:p>
+            <a:pPr lvl="0" indent="0" marL="0">
+              <a:buNone/>
+            </a:pPr>
+            <a:r>
+              <a:rPr/>
+              <a:t>Outline</a:t>
+            </a:r>
+          </a:p>
+        </p:txBody>
+      </p:sp>
+      <p:sp>
+        <p:nvSpPr>
+          <p:cNvPr id="3" name="Content Placeholder 2"/>
+          <p:cNvSpPr>
+            <a:spLocks noGrp="1"/>
+          </p:cNvSpPr>
+          <p:nvPr>
+            <p:ph idx="1"/>
+          </p:nvPr>
+        </p:nvSpPr>
+        <p:spPr/>
+        <p:txBody>
+          <a:bodyPr/>
+          <a:lstStyle/>
+          <a:p>
+            <a:pPr lvl="0"/>
+            <a:r>
+              <a:rPr/>
+              <a:t>Matrix Multiplication</a:t>
+            </a:r>
+          </a:p>
+          <a:p>
+            <a:pPr lvl="1"/>
+            <a:r>
+              <a:rPr/>
+              <a:t>Traditional</a:t>
+            </a:r>
+          </a:p>
+          <a:p>
+            <a:pPr lvl="1"/>
+            <a:r>
+              <a:rPr/>
+              <a:t>Recursive</a:t>
+            </a:r>
+          </a:p>
+          <a:p>
+            <a:pPr lvl="1"/>
+            <a:r>
+              <a:rPr/>
+              <a:t>Strassen</a:t>
+            </a:r>
+          </a:p>
+        </p:txBody>
+      </p:sp>
     </p:spTree>
   </p:cSld>
 </p:sld>
 </file>
 
 <file path=ppt/slides/slide6.xml><?xml version="1.0" encoding="utf-8"?>
+<p:sld xmlns:a="http://schemas.openxmlformats.org/drawingml/2006/main" xmlns:r="http://schemas.openxmlformats.org/officeDocument/2006/relationships" xmlns:p="http://schemas.openxmlformats.org/presentationml/2006/main">
+  <p:cSld>
+    <p:spTree>
+      <p:nvGrpSpPr>
+        <p:cNvPr id="1" name=""/>
+        <p:cNvGrpSpPr/>
+        <p:nvPr/>
+      </p:nvGrpSpPr>
+      <p:grpSpPr>
+        <a:xfrm>
+          <a:off x="0" y="0"/>
+          <a:ext cx="0" cy="0"/>
+          <a:chOff x="0" y="0"/>
+          <a:chExt cx="0" cy="0"/>
+        </a:xfrm>
+      </p:grpSpPr>
+      <p:sp>
+        <p:nvSpPr>
+          <p:cNvPr id="2" name="Title 1"/>
+          <p:cNvSpPr>
+            <a:spLocks noGrp="1"/>
+          </p:cNvSpPr>
+          <p:nvPr>
+            <p:ph type="title"/>
+          </p:nvPr>
+        </p:nvSpPr>
+        <p:spPr/>
+        <p:txBody>
+          <a:bodyPr/>
+          <a:lstStyle/>
+          <a:p>
+            <a:pPr lvl="0" indent="0" marL="0">
+              <a:buNone/>
+            </a:pPr>
+            <a:r>
+              <a:rPr/>
+              <a:t>Outline</a:t>
+            </a:r>
+          </a:p>
+        </p:txBody>
+      </p:sp>
+      <p:sp>
+        <p:nvSpPr>
+          <p:cNvPr id="3" name="Content Placeholder 2"/>
+          <p:cNvSpPr>
+            <a:spLocks noGrp="1"/>
+          </p:cNvSpPr>
+          <p:nvPr>
+            <p:ph idx="1"/>
+          </p:nvPr>
+        </p:nvSpPr>
+        <p:spPr/>
+        <p:txBody>
+          <a:bodyPr/>
+          <a:lstStyle/>
+          <a:p>
+            <a:pPr lvl="0"/>
+            <a:r>
+              <a:rPr/>
+              <a:t>Quicksort</a:t>
+            </a:r>
+          </a:p>
+          <a:p>
+            <a:pPr lvl="1"/>
+            <a:r>
+              <a:rPr/>
+              <a:t>Hoare Partitioning</a:t>
+            </a:r>
+          </a:p>
+          <a:p>
+            <a:pPr lvl="1"/>
+            <a:r>
+              <a:rPr/>
+              <a:t>Lomuto Partitioning</a:t>
+            </a:r>
+          </a:p>
+          <a:p>
+            <a:pPr lvl="1"/>
+            <a:r>
+              <a:rPr/>
+              <a:t>Recursive Sorting</a:t>
+            </a:r>
+          </a:p>
+        </p:txBody>
+      </p:sp>
+    </p:spTree>
+  </p:cSld>
+</p:sld>
+</file>
+
+<file path=ppt/slides/slide7.xml><?xml version="1.0" encoding="utf-8"?>
+<p:sld xmlns:a="http://schemas.openxmlformats.org/drawingml/2006/main" xmlns:r="http://schemas.openxmlformats.org/officeDocument/2006/relationships" xmlns:p="http://schemas.openxmlformats.org/presentationml/2006/main">
+  <p:cSld>
+    <p:spTree>
+      <p:nvGrpSpPr>
+        <p:cNvPr id="1" name=""/>
+        <p:cNvGrpSpPr/>
+        <p:nvPr/>
+      </p:nvGrpSpPr>
+      <p:grpSpPr>
+        <a:xfrm>
+          <a:off x="0" y="0"/>
+          <a:ext cx="0" cy="0"/>
+          <a:chOff x="0" y="0"/>
+          <a:chExt cx="0" cy="0"/>
+        </a:xfrm>
+      </p:grpSpPr>
+      <p:sp>
+        <p:nvSpPr>
+          <p:cNvPr id="2" name="Title 1"/>
+          <p:cNvSpPr>
+            <a:spLocks noGrp="1"/>
+          </p:cNvSpPr>
+          <p:nvPr>
+            <p:ph type="title"/>
+          </p:nvPr>
+        </p:nvSpPr>
+        <p:spPr/>
+        <p:txBody>
+          <a:bodyPr/>
+          <a:lstStyle/>
+          <a:p>
+            <a:pPr lvl="0" indent="0" marL="0">
+              <a:buNone/>
+            </a:pPr>
+            <a:r>
+              <a:rPr/>
+              <a:t>Outline</a:t>
+            </a:r>
+          </a:p>
+        </p:txBody>
+      </p:sp>
+      <p:sp>
+        <p:nvSpPr>
+          <p:cNvPr id="3" name="Content Placeholder 2"/>
+          <p:cNvSpPr>
+            <a:spLocks noGrp="1"/>
+          </p:cNvSpPr>
+          <p:nvPr>
+            <p:ph idx="1"/>
+          </p:nvPr>
+        </p:nvSpPr>
+        <p:spPr/>
+        <p:txBody>
+          <a:bodyPr/>
+          <a:lstStyle/>
+          <a:p>
+            <a:pPr lvl="0"/>
+            <a:r>
+              <a:rPr/>
+              <a:t>Quicksort Analysis</a:t>
+            </a:r>
+          </a:p>
+          <a:p>
+            <a:pPr lvl="1"/>
+            <a:r>
+              <a:rPr/>
+              <a:t>Randomized Quicksort</a:t>
+            </a:r>
+          </a:p>
+          <a:p>
+            <a:pPr lvl="1"/>
+            <a:r>
+              <a:rPr/>
+              <a:t>Randomized Selection</a:t>
+            </a:r>
+          </a:p>
+          <a:p>
+            <a:pPr lvl="2"/>
+            <a:r>
+              <a:rPr/>
+              <a:t>Recursive</a:t>
+            </a:r>
+          </a:p>
+          <a:p>
+            <a:pPr lvl="2"/>
+            <a:r>
+              <a:rPr/>
+              <a:t>Medians</a:t>
+            </a:r>
+          </a:p>
+        </p:txBody>
+      </p:sp>
+    </p:spTree>
+  </p:cSld>
+</p:sld>
+</file>
+
+<file path=ppt/slides/slide8.xml><?xml version="1.0" encoding="utf-8"?>
 <p:sld xmlns:a="http://schemas.openxmlformats.org/drawingml/2006/main" xmlns:r="http://schemas.openxmlformats.org/officeDocument/2006/relationships" xmlns:p="http://schemas.openxmlformats.org/presentationml/2006/main">
   <p:cSld>
     <p:spTree>
@@ -4715,113 +12346,6 @@
                   </m:oMathPara>
                 </a14:m>
               </a:p>
-              <a:p>
-                <a:pPr lvl="0" indent="0" marL="0">
-                  <a:spcBef>
-                    <a:spcPts val="3000"/>
-                  </a:spcBef>
-                  <a:buNone/>
-                </a:pPr>
-                <a14:m>
-                  <m:oMath xmlns:m="http://schemas.openxmlformats.org/officeDocument/2006/math">
-                    <m:sSub>
-                      <m:e>
-                        <m:r>
-                          <m:t>c</m:t>
-                        </m:r>
-                      </m:e>
-                      <m:sub>
-                        <m:r>
-                          <m:t>i</m:t>
-                        </m:r>
-                        <m:r>
-                          <m:t>j</m:t>
-                        </m:r>
-                      </m:sub>
-                    </m:sSub>
-                    <m:r>
-                      <m:rPr>
-                        <m:sty m:val="p"/>
-                      </m:rPr>
-                      <m:t>=</m:t>
-                    </m:r>
-                    <m:nary>
-                      <m:naryPr>
-                        <m:chr m:val="∑"/>
-                        <m:limLoc m:val="undOvr"/>
-                        <m:subHide m:val="0"/>
-                        <m:supHide m:val="1"/>
-                      </m:naryPr>
-                      <m:sub>
-                        <m:r>
-                          <m:t>1</m:t>
-                        </m:r>
-                        <m:r>
-                          <m:rPr>
-                            <m:sty m:val="p"/>
-                          </m:rPr>
-                          <m:t>≤</m:t>
-                        </m:r>
-                        <m:r>
-                          <m:t>k</m:t>
-                        </m:r>
-                        <m:r>
-                          <m:rPr>
-                            <m:sty m:val="p"/>
-                          </m:rPr>
-                          <m:t>≤</m:t>
-                        </m:r>
-                        <m:r>
-                          <m:t>n</m:t>
-                        </m:r>
-                      </m:sub>
-                      <m:sup>
-                        <m:r>
-                          <m:t>​</m:t>
-                        </m:r>
-                      </m:sup>
-                      <m:e>
-                        <m:sSub>
-                          <m:e>
-                            <m:r>
-                              <m:t>a</m:t>
-                            </m:r>
-                          </m:e>
-                          <m:sub>
-                            <m:r>
-                              <m:t>i</m:t>
-                            </m:r>
-                            <m:r>
-                              <m:t>k</m:t>
-                            </m:r>
-                          </m:sub>
-                        </m:sSub>
-                      </m:e>
-                    </m:nary>
-                    <m:r>
-                      <m:rPr>
-                        <m:sty m:val="p"/>
-                      </m:rPr>
-                      <m:t>.</m:t>
-                    </m:r>
-                    <m:sSub>
-                      <m:e>
-                        <m:r>
-                          <m:t>b</m:t>
-                        </m:r>
-                      </m:e>
-                      <m:sub>
-                        <m:r>
-                          <m:t>k</m:t>
-                        </m:r>
-                        <m:r>
-                          <m:t>j</m:t>
-                        </m:r>
-                      </m:sub>
-                    </m:sSub>
-                  </m:oMath>
-                </a14:m>
-              </a:p>
             </p:txBody>
           </p:sp>
         </mc:Choice>
@@ -4831,7 +12355,7 @@
 </p:sld>
 </file>
 
-<file path=ppt/slides/slide7.xml><?xml version="1.0" encoding="utf-8"?>
+<file path=ppt/slides/slide9.xml><?xml version="1.0" encoding="utf-8"?>
 <p:sld xmlns:a="http://schemas.openxmlformats.org/drawingml/2006/main" xmlns:r="http://schemas.openxmlformats.org/officeDocument/2006/relationships" xmlns:p="http://schemas.openxmlformats.org/presentationml/2006/main">
   <p:cSld>
     <p:spTree>
@@ -4868,32 +12392,67 @@
             </a:pPr>
             <a:r>
               <a:rPr/>
-              <a:t>References</a:t>
+              <a:t>Matrix Multiplication</a:t>
             </a:r>
           </a:p>
         </p:txBody>
       </p:sp>
+      <p:pic>
+        <p:nvPicPr>
+          <p:cNvPr descr="fig:  assets/ce100-week-3-matrix.drawio.svg" id="0" name="Picture 1"/>
+          <p:cNvPicPr>
+            <a:picLocks noGrp="1" noChangeAspect="1"/>
+          </p:cNvPicPr>
+          <p:nvPr/>
+        </p:nvPicPr>
+        <p:blipFill>
+          <a:blip r:embed="rId2"/>
+          <a:stretch>
+            <a:fillRect/>
+          </a:stretch>
+        </p:blipFill>
+        <p:spPr bwMode="auto">
+          <a:xfrm>
+            <a:off x="457200" y="2514600"/>
+            <a:ext cx="8229600" cy="2171700"/>
+          </a:xfrm>
+          <a:prstGeom prst="rect">
+            <a:avLst/>
+          </a:prstGeom>
+          <a:noFill/>
+          <a:ln w="9525">
+            <a:noFill/>
+            <a:headEnd/>
+            <a:tailEnd/>
+          </a:ln>
+        </p:spPr>
+      </p:pic>
       <p:sp>
         <p:nvSpPr>
-          <p:cNvPr id="3" name="Content Placeholder 2"/>
-          <p:cNvSpPr>
-            <a:spLocks noGrp="1"/>
-          </p:cNvSpPr>
-          <p:nvPr>
-            <p:ph idx="1"/>
-          </p:nvPr>
+          <p:cNvPr id="1" name="TextBox 3"/>
+          <p:cNvSpPr txBox="1"/>
+          <p:nvPr/>
         </p:nvSpPr>
-        <p:spPr/>
+        <p:spPr>
+          <a:xfrm>
+            <a:off x="457200" y="5613400"/>
+            <a:ext cx="8229600" cy="508000"/>
+          </a:xfrm>
+          <a:prstGeom prst="rect">
+            <a:avLst/>
+          </a:prstGeom>
+          <a:noFill/>
+        </p:spPr>
         <p:txBody>
           <a:bodyPr/>
           <a:lstStyle/>
           <a:p>
-            <a:pPr lvl="0" indent="0" marL="0">
+            <a:pPr lvl="0" indent="0" marL="0" algn="ctr">
               <a:buNone/>
             </a:pPr>
             <a:r>
               <a:rPr/>
-              <a:t>TODO</a:t>
+              <a:t>alt:“alt” height:450px center</a:t>
             </a:r>
           </a:p>
         </p:txBody>
